--- a/assignment/3/資料工程作業三.pptx
+++ b/assignment/3/資料工程作業三.pptx
@@ -1,36 +1,26 @@
 
 <file path=ppt/presentation.xml><?xml version="1.0" encoding="utf-8"?>
-<p:presentation xmlns:a="http://schemas.openxmlformats.org/drawingml/2006/main" xmlns:r="http://schemas.openxmlformats.org/officeDocument/2006/relationships" xmlns:mc="http://schemas.openxmlformats.org/markup-compatibility/2006" xmlns:mv="urn:schemas-microsoft-com:mac:vml" xmlns:p="http://schemas.openxmlformats.org/presentationml/2006/main" xmlns:c="http://schemas.openxmlformats.org/drawingml/2006/chart" xmlns:dgm="http://schemas.openxmlformats.org/drawingml/2006/diagram" xmlns:o="urn:schemas-microsoft-com:office:office" xmlns:v="urn:schemas-microsoft-com:vml" xmlns:pvml="urn:schemas-microsoft-com:office:powerpoint" xmlns:com="http://schemas.openxmlformats.org/drawingml/2006/compatibility" xmlns:p14="http://schemas.microsoft.com/office/powerpoint/2010/main" xmlns:p15="http://schemas.microsoft.com/office/powerpoint/2012/main" autoCompressPictures="0" embedTrueTypeFonts="1" strictFirstAndLastChars="0" saveSubsetFonts="1">
+<p:presentation xmlns:a="http://schemas.openxmlformats.org/drawingml/2006/main" xmlns:r="http://schemas.openxmlformats.org/officeDocument/2006/relationships" xmlns:p="http://schemas.openxmlformats.org/presentationml/2006/main" strictFirstAndLastChars="0" saveSubsetFonts="1" autoCompressPictures="0">
   <p:sldMasterIdLst>
-    <p:sldMasterId id="2147483659" r:id="rId3"/>
+    <p:sldMasterId id="2147483659" r:id="rId1"/>
   </p:sldMasterIdLst>
   <p:notesMasterIdLst>
-    <p:notesMasterId r:id="rId4"/>
+    <p:notesMasterId r:id="rId10"/>
   </p:notesMasterIdLst>
   <p:sldIdLst>
-    <p:sldId id="256" r:id="rId5"/>
-    <p:sldId id="257" r:id="rId6"/>
-    <p:sldId id="258" r:id="rId7"/>
-    <p:sldId id="259" r:id="rId8"/>
-    <p:sldId id="260" r:id="rId9"/>
-    <p:sldId id="261" r:id="rId10"/>
-    <p:sldId id="262" r:id="rId11"/>
-    <p:sldId id="263" r:id="rId12"/>
-    <p:sldId id="264" r:id="rId13"/>
+    <p:sldId id="256" r:id="rId2"/>
+    <p:sldId id="257" r:id="rId3"/>
+    <p:sldId id="259" r:id="rId4"/>
+    <p:sldId id="258" r:id="rId5"/>
+    <p:sldId id="260" r:id="rId6"/>
+    <p:sldId id="261" r:id="rId7"/>
+    <p:sldId id="262" r:id="rId8"/>
+    <p:sldId id="264" r:id="rId9"/>
   </p:sldIdLst>
-  <p:sldSz cy="5143500" cx="9144000"/>
+  <p:sldSz cx="9144000" cy="5143500" type="screen16x9"/>
   <p:notesSz cx="6858000" cy="9144000"/>
-  <p:embeddedFontLst>
-    <p:embeddedFont>
-      <p:font typeface="Roboto"/>
-      <p:regular r:id="rId14"/>
-      <p:bold r:id="rId15"/>
-      <p:italic r:id="rId16"/>
-      <p:boldItalic r:id="rId17"/>
-    </p:embeddedFont>
-  </p:embeddedFontLst>
   <p:defaultTextStyle>
-    <a:defPPr lvl="0" marR="0" rtl="0" algn="l">
+    <a:defPPr marR="0" lvl="0" algn="l" rtl="0">
       <a:lnSpc>
         <a:spcPct val="100000"/>
       </a:lnSpc>
@@ -41,7 +31,7 @@
         <a:spcPts val="0"/>
       </a:spcAft>
     </a:defPPr>
-    <a:lvl1pPr lvl="0" marR="0" rtl="0" algn="l">
+    <a:lvl1pPr marR="0" lvl="0" algn="l" rtl="0">
       <a:lnSpc>
         <a:spcPct val="100000"/>
       </a:lnSpc>
@@ -55,7 +45,7 @@
         <a:srgbClr val="000000"/>
       </a:buClr>
       <a:buFont typeface="Arial"/>
-      <a:defRPr b="0" i="0" sz="1400" u="none" cap="none" strike="noStrike">
+      <a:defRPr sz="1400" b="0" i="0" u="none" strike="noStrike" cap="none">
         <a:solidFill>
           <a:srgbClr val="000000"/>
         </a:solidFill>
@@ -65,7 +55,7 @@
         <a:sym typeface="Arial"/>
       </a:defRPr>
     </a:lvl1pPr>
-    <a:lvl2pPr lvl="1" marR="0" rtl="0" algn="l">
+    <a:lvl2pPr marR="0" lvl="1" algn="l" rtl="0">
       <a:lnSpc>
         <a:spcPct val="100000"/>
       </a:lnSpc>
@@ -79,7 +69,7 @@
         <a:srgbClr val="000000"/>
       </a:buClr>
       <a:buFont typeface="Arial"/>
-      <a:defRPr b="0" i="0" sz="1400" u="none" cap="none" strike="noStrike">
+      <a:defRPr sz="1400" b="0" i="0" u="none" strike="noStrike" cap="none">
         <a:solidFill>
           <a:srgbClr val="000000"/>
         </a:solidFill>
@@ -89,7 +79,7 @@
         <a:sym typeface="Arial"/>
       </a:defRPr>
     </a:lvl2pPr>
-    <a:lvl3pPr lvl="2" marR="0" rtl="0" algn="l">
+    <a:lvl3pPr marR="0" lvl="2" algn="l" rtl="0">
       <a:lnSpc>
         <a:spcPct val="100000"/>
       </a:lnSpc>
@@ -103,7 +93,7 @@
         <a:srgbClr val="000000"/>
       </a:buClr>
       <a:buFont typeface="Arial"/>
-      <a:defRPr b="0" i="0" sz="1400" u="none" cap="none" strike="noStrike">
+      <a:defRPr sz="1400" b="0" i="0" u="none" strike="noStrike" cap="none">
         <a:solidFill>
           <a:srgbClr val="000000"/>
         </a:solidFill>
@@ -113,7 +103,7 @@
         <a:sym typeface="Arial"/>
       </a:defRPr>
     </a:lvl3pPr>
-    <a:lvl4pPr lvl="3" marR="0" rtl="0" algn="l">
+    <a:lvl4pPr marR="0" lvl="3" algn="l" rtl="0">
       <a:lnSpc>
         <a:spcPct val="100000"/>
       </a:lnSpc>
@@ -127,7 +117,7 @@
         <a:srgbClr val="000000"/>
       </a:buClr>
       <a:buFont typeface="Arial"/>
-      <a:defRPr b="0" i="0" sz="1400" u="none" cap="none" strike="noStrike">
+      <a:defRPr sz="1400" b="0" i="0" u="none" strike="noStrike" cap="none">
         <a:solidFill>
           <a:srgbClr val="000000"/>
         </a:solidFill>
@@ -137,7 +127,7 @@
         <a:sym typeface="Arial"/>
       </a:defRPr>
     </a:lvl4pPr>
-    <a:lvl5pPr lvl="4" marR="0" rtl="0" algn="l">
+    <a:lvl5pPr marR="0" lvl="4" algn="l" rtl="0">
       <a:lnSpc>
         <a:spcPct val="100000"/>
       </a:lnSpc>
@@ -151,7 +141,7 @@
         <a:srgbClr val="000000"/>
       </a:buClr>
       <a:buFont typeface="Arial"/>
-      <a:defRPr b="0" i="0" sz="1400" u="none" cap="none" strike="noStrike">
+      <a:defRPr sz="1400" b="0" i="0" u="none" strike="noStrike" cap="none">
         <a:solidFill>
           <a:srgbClr val="000000"/>
         </a:solidFill>
@@ -161,7 +151,7 @@
         <a:sym typeface="Arial"/>
       </a:defRPr>
     </a:lvl5pPr>
-    <a:lvl6pPr lvl="5" marR="0" rtl="0" algn="l">
+    <a:lvl6pPr marR="0" lvl="5" algn="l" rtl="0">
       <a:lnSpc>
         <a:spcPct val="100000"/>
       </a:lnSpc>
@@ -175,7 +165,7 @@
         <a:srgbClr val="000000"/>
       </a:buClr>
       <a:buFont typeface="Arial"/>
-      <a:defRPr b="0" i="0" sz="1400" u="none" cap="none" strike="noStrike">
+      <a:defRPr sz="1400" b="0" i="0" u="none" strike="noStrike" cap="none">
         <a:solidFill>
           <a:srgbClr val="000000"/>
         </a:solidFill>
@@ -185,7 +175,7 @@
         <a:sym typeface="Arial"/>
       </a:defRPr>
     </a:lvl6pPr>
-    <a:lvl7pPr lvl="6" marR="0" rtl="0" algn="l">
+    <a:lvl7pPr marR="0" lvl="6" algn="l" rtl="0">
       <a:lnSpc>
         <a:spcPct val="100000"/>
       </a:lnSpc>
@@ -199,7 +189,7 @@
         <a:srgbClr val="000000"/>
       </a:buClr>
       <a:buFont typeface="Arial"/>
-      <a:defRPr b="0" i="0" sz="1400" u="none" cap="none" strike="noStrike">
+      <a:defRPr sz="1400" b="0" i="0" u="none" strike="noStrike" cap="none">
         <a:solidFill>
           <a:srgbClr val="000000"/>
         </a:solidFill>
@@ -209,7 +199,7 @@
         <a:sym typeface="Arial"/>
       </a:defRPr>
     </a:lvl7pPr>
-    <a:lvl8pPr lvl="7" marR="0" rtl="0" algn="l">
+    <a:lvl8pPr marR="0" lvl="7" algn="l" rtl="0">
       <a:lnSpc>
         <a:spcPct val="100000"/>
       </a:lnSpc>
@@ -223,7 +213,7 @@
         <a:srgbClr val="000000"/>
       </a:buClr>
       <a:buFont typeface="Arial"/>
-      <a:defRPr b="0" i="0" sz="1400" u="none" cap="none" strike="noStrike">
+      <a:defRPr sz="1400" b="0" i="0" u="none" strike="noStrike" cap="none">
         <a:solidFill>
           <a:srgbClr val="000000"/>
         </a:solidFill>
@@ -233,7 +223,7 @@
         <a:sym typeface="Arial"/>
       </a:defRPr>
     </a:lvl8pPr>
-    <a:lvl9pPr lvl="8" marR="0" rtl="0" algn="l">
+    <a:lvl9pPr marR="0" lvl="8" algn="l" rtl="0">
       <a:lnSpc>
         <a:spcPct val="100000"/>
       </a:lnSpc>
@@ -247,7 +237,7 @@
         <a:srgbClr val="000000"/>
       </a:buClr>
       <a:buFont typeface="Arial"/>
-      <a:defRPr b="0" i="0" sz="1400" u="none" cap="none" strike="noStrike">
+      <a:defRPr sz="1400" b="0" i="0" u="none" strike="noStrike" cap="none">
         <a:solidFill>
           <a:srgbClr val="000000"/>
         </a:solidFill>
@@ -258,15 +248,25 @@
       </a:defRPr>
     </a:lvl9pPr>
   </p:defaultTextStyle>
+  <p:extLst>
+    <p:ext uri="{EFAFB233-063F-42B5-8137-9DF3F51BA10A}">
+      <p15:sldGuideLst xmlns:p15="http://schemas.microsoft.com/office/powerpoint/2012/main"/>
+    </p:ext>
+  </p:extLst>
 </p:presentation>
 </file>
 
 <file path=ppt/notesMasters/notesMaster1.xml><?xml version="1.0" encoding="utf-8"?>
-<p:notesMaster xmlns:a="http://schemas.openxmlformats.org/drawingml/2006/main" xmlns:r="http://schemas.openxmlformats.org/officeDocument/2006/relationships" xmlns:mc="http://schemas.openxmlformats.org/markup-compatibility/2006" xmlns:mv="urn:schemas-microsoft-com:mac:vml" xmlns:p="http://schemas.openxmlformats.org/presentationml/2006/main" xmlns:c="http://schemas.openxmlformats.org/drawingml/2006/chart" xmlns:dgm="http://schemas.openxmlformats.org/drawingml/2006/diagram" xmlns:o="urn:schemas-microsoft-com:office:office" xmlns:v="urn:schemas-microsoft-com:vml" xmlns:pvml="urn:schemas-microsoft-com:office:powerpoint" xmlns:com="http://schemas.openxmlformats.org/drawingml/2006/compatibility" xmlns:p14="http://schemas.microsoft.com/office/powerpoint/2010/main" xmlns:p15="http://schemas.microsoft.com/office/powerpoint/2012/main">
+<p:notesMaster xmlns:a="http://schemas.openxmlformats.org/drawingml/2006/main" xmlns:r="http://schemas.openxmlformats.org/officeDocument/2006/relationships" xmlns:p="http://schemas.openxmlformats.org/presentationml/2006/main">
   <p:cSld>
+    <p:bg>
+      <p:bgRef idx="1001">
+        <a:schemeClr val="bg1"/>
+      </p:bgRef>
+    </p:bg>
     <p:spTree>
       <p:nvGrpSpPr>
-        <p:cNvPr id="2" name="Shape 2"/>
+        <p:cNvPr id="1" name="Shape 2"/>
         <p:cNvGrpSpPr/>
         <p:nvPr/>
       </p:nvGrpSpPr>
@@ -281,9 +281,11 @@
       <p:sp>
         <p:nvSpPr>
           <p:cNvPr id="3" name="Shape 3"/>
-          <p:cNvSpPr/>
+          <p:cNvSpPr>
+            <a:spLocks noGrp="1" noRot="1" noChangeAspect="1"/>
+          </p:cNvSpPr>
           <p:nvPr>
-            <p:ph idx="2" type="sldImg"/>
+            <p:ph type="sldImg" idx="2"/>
           </p:nvPr>
         </p:nvSpPr>
         <p:spPr>
@@ -292,8 +294,13 @@
             <a:ext cx="6096075" cy="3429000"/>
           </a:xfrm>
           <a:custGeom>
+            <a:avLst/>
+            <a:gdLst/>
+            <a:ahLst/>
+            <a:cxnLst/>
+            <a:rect l="0" t="0" r="0" b="0"/>
             <a:pathLst>
-              <a:path extrusionOk="0" h="120000" w="120000">
+              <a:path w="120000" h="120000" extrusionOk="0">
                 <a:moveTo>
                   <a:pt x="0" y="0"/>
                 </a:moveTo>
@@ -311,23 +318,25 @@
             </a:pathLst>
           </a:custGeom>
           <a:noFill/>
-          <a:ln cap="flat" cmpd="sng" w="9525">
+          <a:ln w="9525" cap="flat" cmpd="sng">
             <a:solidFill>
               <a:srgbClr val="000000"/>
             </a:solidFill>
             <a:prstDash val="solid"/>
             <a:round/>
-            <a:headEnd len="sm" w="sm" type="none"/>
-            <a:tailEnd len="sm" w="sm" type="none"/>
+            <a:headEnd type="none" w="sm" len="sm"/>
+            <a:tailEnd type="none" w="sm" len="sm"/>
           </a:ln>
         </p:spPr>
       </p:sp>
       <p:sp>
         <p:nvSpPr>
           <p:cNvPr id="4" name="Shape 4"/>
-          <p:cNvSpPr txBox="1"/>
+          <p:cNvSpPr txBox="1">
+            <a:spLocks noGrp="1"/>
+          </p:cNvSpPr>
           <p:nvPr>
-            <p:ph idx="1" type="body"/>
+            <p:ph type="body" idx="1"/>
           </p:nvPr>
         </p:nvSpPr>
         <p:spPr>
@@ -344,9 +353,9 @@
           </a:ln>
         </p:spPr>
         <p:txBody>
-          <a:bodyPr anchorCtr="0" anchor="t" bIns="91425" lIns="91425" spcFirstLastPara="1" rIns="91425" wrap="square" tIns="91425"/>
+          <a:bodyPr spcFirstLastPara="1" wrap="square" lIns="91425" tIns="91425" rIns="91425" bIns="91425" anchor="t" anchorCtr="0"/>
           <a:lstStyle>
-            <a:lvl1pPr indent="-298450" lvl="0" marL="457200">
+            <a:lvl1pPr marL="457200" lvl="0" indent="-298450">
               <a:spcBef>
                 <a:spcPts val="0"/>
               </a:spcBef>
@@ -357,7 +366,7 @@
               <a:buChar char="●"/>
               <a:defRPr sz="1100"/>
             </a:lvl1pPr>
-            <a:lvl2pPr indent="-298450" lvl="1" marL="914400">
+            <a:lvl2pPr marL="914400" lvl="1" indent="-298450">
               <a:spcBef>
                 <a:spcPts val="0"/>
               </a:spcBef>
@@ -368,7 +377,7 @@
               <a:buChar char="○"/>
               <a:defRPr sz="1100"/>
             </a:lvl2pPr>
-            <a:lvl3pPr indent="-298450" lvl="2" marL="1371600">
+            <a:lvl3pPr marL="1371600" lvl="2" indent="-298450">
               <a:spcBef>
                 <a:spcPts val="0"/>
               </a:spcBef>
@@ -379,7 +388,7 @@
               <a:buChar char="■"/>
               <a:defRPr sz="1100"/>
             </a:lvl3pPr>
-            <a:lvl4pPr indent="-298450" lvl="3" marL="1828800">
+            <a:lvl4pPr marL="1828800" lvl="3" indent="-298450">
               <a:spcBef>
                 <a:spcPts val="0"/>
               </a:spcBef>
@@ -390,7 +399,7 @@
               <a:buChar char="●"/>
               <a:defRPr sz="1100"/>
             </a:lvl4pPr>
-            <a:lvl5pPr indent="-298450" lvl="4" marL="2286000">
+            <a:lvl5pPr marL="2286000" lvl="4" indent="-298450">
               <a:spcBef>
                 <a:spcPts val="0"/>
               </a:spcBef>
@@ -401,7 +410,7 @@
               <a:buChar char="○"/>
               <a:defRPr sz="1100"/>
             </a:lvl5pPr>
-            <a:lvl6pPr indent="-298450" lvl="5" marL="2743200">
+            <a:lvl6pPr marL="2743200" lvl="5" indent="-298450">
               <a:spcBef>
                 <a:spcPts val="0"/>
               </a:spcBef>
@@ -412,7 +421,7 @@
               <a:buChar char="■"/>
               <a:defRPr sz="1100"/>
             </a:lvl6pPr>
-            <a:lvl7pPr indent="-298450" lvl="6" marL="3200400">
+            <a:lvl7pPr marL="3200400" lvl="6" indent="-298450">
               <a:spcBef>
                 <a:spcPts val="0"/>
               </a:spcBef>
@@ -423,7 +432,7 @@
               <a:buChar char="●"/>
               <a:defRPr sz="1100"/>
             </a:lvl7pPr>
-            <a:lvl8pPr indent="-298450" lvl="7" marL="3657600">
+            <a:lvl8pPr marL="3657600" lvl="7" indent="-298450">
               <a:spcBef>
                 <a:spcPts val="0"/>
               </a:spcBef>
@@ -434,7 +443,7 @@
               <a:buChar char="○"/>
               <a:defRPr sz="1100"/>
             </a:lvl8pPr>
-            <a:lvl9pPr indent="-298450" lvl="8" marL="4114800">
+            <a:lvl9pPr marL="4114800" lvl="8" indent="-298450">
               <a:spcBef>
                 <a:spcPts val="0"/>
               </a:spcBef>
@@ -446,14 +455,21 @@
               <a:defRPr sz="1100"/>
             </a:lvl9pPr>
           </a:lstStyle>
-          <a:p/>
+          <a:p>
+            <a:endParaRPr/>
+          </a:p>
         </p:txBody>
       </p:sp>
     </p:spTree>
+    <p:extLst>
+      <p:ext uri="{BB962C8B-B14F-4D97-AF65-F5344CB8AC3E}">
+        <p14:creationId xmlns:p14="http://schemas.microsoft.com/office/powerpoint/2010/main" val="828267867"/>
+      </p:ext>
+    </p:extLst>
   </p:cSld>
-  <p:clrMap accent1="accent1" accent2="accent2" accent3="accent3" accent4="accent4" accent5="accent5" accent6="accent6" bg1="lt1" bg2="dk2" tx1="dk1" tx2="lt2" folHlink="folHlink" hlink="hlink"/>
+  <p:clrMap bg1="lt1" tx1="dk1" bg2="dk2" tx2="lt2" accent1="accent1" accent2="accent2" accent3="accent3" accent4="accent4" accent5="accent5" accent6="accent6" hlink="hlink" folHlink="folHlink"/>
   <p:notesStyle>
-    <a:defPPr lvl="0" marR="0" rtl="0" algn="l">
+    <a:defPPr marR="0" lvl="0" algn="l" rtl="0">
       <a:lnSpc>
         <a:spcPct val="100000"/>
       </a:lnSpc>
@@ -464,7 +480,7 @@
         <a:spcPts val="0"/>
       </a:spcAft>
     </a:defPPr>
-    <a:lvl1pPr lvl="0" marR="0" rtl="0" algn="l">
+    <a:lvl1pPr marR="0" lvl="0" algn="l" rtl="0">
       <a:lnSpc>
         <a:spcPct val="100000"/>
       </a:lnSpc>
@@ -478,7 +494,7 @@
         <a:srgbClr val="000000"/>
       </a:buClr>
       <a:buFont typeface="Arial"/>
-      <a:defRPr b="0" i="0" sz="1400" u="none" cap="none" strike="noStrike">
+      <a:defRPr sz="1400" b="0" i="0" u="none" strike="noStrike" cap="none">
         <a:solidFill>
           <a:srgbClr val="000000"/>
         </a:solidFill>
@@ -488,7 +504,7 @@
         <a:sym typeface="Arial"/>
       </a:defRPr>
     </a:lvl1pPr>
-    <a:lvl2pPr lvl="1" marR="0" rtl="0" algn="l">
+    <a:lvl2pPr marR="0" lvl="1" algn="l" rtl="0">
       <a:lnSpc>
         <a:spcPct val="100000"/>
       </a:lnSpc>
@@ -502,7 +518,7 @@
         <a:srgbClr val="000000"/>
       </a:buClr>
       <a:buFont typeface="Arial"/>
-      <a:defRPr b="0" i="0" sz="1400" u="none" cap="none" strike="noStrike">
+      <a:defRPr sz="1400" b="0" i="0" u="none" strike="noStrike" cap="none">
         <a:solidFill>
           <a:srgbClr val="000000"/>
         </a:solidFill>
@@ -512,7 +528,7 @@
         <a:sym typeface="Arial"/>
       </a:defRPr>
     </a:lvl2pPr>
-    <a:lvl3pPr lvl="2" marR="0" rtl="0" algn="l">
+    <a:lvl3pPr marR="0" lvl="2" algn="l" rtl="0">
       <a:lnSpc>
         <a:spcPct val="100000"/>
       </a:lnSpc>
@@ -526,7 +542,7 @@
         <a:srgbClr val="000000"/>
       </a:buClr>
       <a:buFont typeface="Arial"/>
-      <a:defRPr b="0" i="0" sz="1400" u="none" cap="none" strike="noStrike">
+      <a:defRPr sz="1400" b="0" i="0" u="none" strike="noStrike" cap="none">
         <a:solidFill>
           <a:srgbClr val="000000"/>
         </a:solidFill>
@@ -536,7 +552,7 @@
         <a:sym typeface="Arial"/>
       </a:defRPr>
     </a:lvl3pPr>
-    <a:lvl4pPr lvl="3" marR="0" rtl="0" algn="l">
+    <a:lvl4pPr marR="0" lvl="3" algn="l" rtl="0">
       <a:lnSpc>
         <a:spcPct val="100000"/>
       </a:lnSpc>
@@ -550,7 +566,7 @@
         <a:srgbClr val="000000"/>
       </a:buClr>
       <a:buFont typeface="Arial"/>
-      <a:defRPr b="0" i="0" sz="1400" u="none" cap="none" strike="noStrike">
+      <a:defRPr sz="1400" b="0" i="0" u="none" strike="noStrike" cap="none">
         <a:solidFill>
           <a:srgbClr val="000000"/>
         </a:solidFill>
@@ -560,7 +576,7 @@
         <a:sym typeface="Arial"/>
       </a:defRPr>
     </a:lvl4pPr>
-    <a:lvl5pPr lvl="4" marR="0" rtl="0" algn="l">
+    <a:lvl5pPr marR="0" lvl="4" algn="l" rtl="0">
       <a:lnSpc>
         <a:spcPct val="100000"/>
       </a:lnSpc>
@@ -574,7 +590,7 @@
         <a:srgbClr val="000000"/>
       </a:buClr>
       <a:buFont typeface="Arial"/>
-      <a:defRPr b="0" i="0" sz="1400" u="none" cap="none" strike="noStrike">
+      <a:defRPr sz="1400" b="0" i="0" u="none" strike="noStrike" cap="none">
         <a:solidFill>
           <a:srgbClr val="000000"/>
         </a:solidFill>
@@ -584,7 +600,7 @@
         <a:sym typeface="Arial"/>
       </a:defRPr>
     </a:lvl5pPr>
-    <a:lvl6pPr lvl="5" marR="0" rtl="0" algn="l">
+    <a:lvl6pPr marR="0" lvl="5" algn="l" rtl="0">
       <a:lnSpc>
         <a:spcPct val="100000"/>
       </a:lnSpc>
@@ -598,7 +614,7 @@
         <a:srgbClr val="000000"/>
       </a:buClr>
       <a:buFont typeface="Arial"/>
-      <a:defRPr b="0" i="0" sz="1400" u="none" cap="none" strike="noStrike">
+      <a:defRPr sz="1400" b="0" i="0" u="none" strike="noStrike" cap="none">
         <a:solidFill>
           <a:srgbClr val="000000"/>
         </a:solidFill>
@@ -608,7 +624,7 @@
         <a:sym typeface="Arial"/>
       </a:defRPr>
     </a:lvl6pPr>
-    <a:lvl7pPr lvl="6" marR="0" rtl="0" algn="l">
+    <a:lvl7pPr marR="0" lvl="6" algn="l" rtl="0">
       <a:lnSpc>
         <a:spcPct val="100000"/>
       </a:lnSpc>
@@ -622,7 +638,7 @@
         <a:srgbClr val="000000"/>
       </a:buClr>
       <a:buFont typeface="Arial"/>
-      <a:defRPr b="0" i="0" sz="1400" u="none" cap="none" strike="noStrike">
+      <a:defRPr sz="1400" b="0" i="0" u="none" strike="noStrike" cap="none">
         <a:solidFill>
           <a:srgbClr val="000000"/>
         </a:solidFill>
@@ -632,7 +648,7 @@
         <a:sym typeface="Arial"/>
       </a:defRPr>
     </a:lvl7pPr>
-    <a:lvl8pPr lvl="7" marR="0" rtl="0" algn="l">
+    <a:lvl8pPr marR="0" lvl="7" algn="l" rtl="0">
       <a:lnSpc>
         <a:spcPct val="100000"/>
       </a:lnSpc>
@@ -646,7 +662,7 @@
         <a:srgbClr val="000000"/>
       </a:buClr>
       <a:buFont typeface="Arial"/>
-      <a:defRPr b="0" i="0" sz="1400" u="none" cap="none" strike="noStrike">
+      <a:defRPr sz="1400" b="0" i="0" u="none" strike="noStrike" cap="none">
         <a:solidFill>
           <a:srgbClr val="000000"/>
         </a:solidFill>
@@ -656,7 +672,7 @@
         <a:sym typeface="Arial"/>
       </a:defRPr>
     </a:lvl8pPr>
-    <a:lvl9pPr lvl="8" marR="0" rtl="0" algn="l">
+    <a:lvl9pPr marR="0" lvl="8" algn="l" rtl="0">
       <a:lnSpc>
         <a:spcPct val="100000"/>
       </a:lnSpc>
@@ -670,7 +686,7 @@
         <a:srgbClr val="000000"/>
       </a:buClr>
       <a:buFont typeface="Arial"/>
-      <a:defRPr b="0" i="0" sz="1400" u="none" cap="none" strike="noStrike">
+      <a:defRPr sz="1400" b="0" i="0" u="none" strike="noStrike" cap="none">
         <a:solidFill>
           <a:srgbClr val="000000"/>
         </a:solidFill>
@@ -685,11 +701,11 @@
 </file>
 
 <file path=ppt/notesSlides/notesSlide1.xml><?xml version="1.0" encoding="utf-8"?>
-<p:notes xmlns:a="http://schemas.openxmlformats.org/drawingml/2006/main" xmlns:r="http://schemas.openxmlformats.org/officeDocument/2006/relationships" xmlns:mc="http://schemas.openxmlformats.org/markup-compatibility/2006" xmlns:mv="urn:schemas-microsoft-com:mac:vml" xmlns:p="http://schemas.openxmlformats.org/presentationml/2006/main" xmlns:c="http://schemas.openxmlformats.org/drawingml/2006/chart" xmlns:dgm="http://schemas.openxmlformats.org/drawingml/2006/diagram" xmlns:o="urn:schemas-microsoft-com:office:office" xmlns:v="urn:schemas-microsoft-com:vml" xmlns:pvml="urn:schemas-microsoft-com:office:powerpoint" xmlns:com="http://schemas.openxmlformats.org/drawingml/2006/compatibility" xmlns:p14="http://schemas.microsoft.com/office/powerpoint/2010/main" xmlns:p15="http://schemas.microsoft.com/office/powerpoint/2012/main" showMasterPhAnim="0" showMasterSp="0">
+<p:notes xmlns:a="http://schemas.openxmlformats.org/drawingml/2006/main" xmlns:r="http://schemas.openxmlformats.org/officeDocument/2006/relationships" xmlns:p="http://schemas.openxmlformats.org/presentationml/2006/main" showMasterSp="0" showMasterPhAnim="0">
   <p:cSld>
     <p:spTree>
       <p:nvGrpSpPr>
-        <p:cNvPr id="63" name="Shape 63"/>
+        <p:cNvPr id="1" name="Shape 63"/>
         <p:cNvGrpSpPr/>
         <p:nvPr/>
       </p:nvGrpSpPr>
@@ -704,9 +720,11 @@
       <p:sp>
         <p:nvSpPr>
           <p:cNvPr id="64" name="Shape 64"/>
-          <p:cNvSpPr/>
+          <p:cNvSpPr>
+            <a:spLocks noGrp="1" noRot="1" noChangeAspect="1"/>
+          </p:cNvSpPr>
           <p:nvPr>
-            <p:ph idx="2" type="sldImg"/>
+            <p:ph type="sldImg" idx="2"/>
           </p:nvPr>
         </p:nvSpPr>
         <p:spPr>
@@ -715,8 +733,13 @@
             <a:ext cx="6096075" cy="3429000"/>
           </a:xfrm>
           <a:custGeom>
+            <a:avLst/>
+            <a:gdLst/>
+            <a:ahLst/>
+            <a:cxnLst/>
+            <a:rect l="0" t="0" r="0" b="0"/>
             <a:pathLst>
-              <a:path extrusionOk="0" h="120000" w="120000">
+              <a:path w="120000" h="120000" extrusionOk="0">
                 <a:moveTo>
                   <a:pt x="0" y="0"/>
                 </a:moveTo>
@@ -738,9 +761,11 @@
       <p:sp>
         <p:nvSpPr>
           <p:cNvPr id="65" name="Shape 65"/>
-          <p:cNvSpPr txBox="1"/>
+          <p:cNvSpPr txBox="1">
+            <a:spLocks noGrp="1"/>
+          </p:cNvSpPr>
           <p:nvPr>
-            <p:ph idx="1" type="body"/>
+            <p:ph type="body" idx="1"/>
           </p:nvPr>
         </p:nvSpPr>
         <p:spPr>
@@ -753,12 +778,12 @@
           </a:prstGeom>
         </p:spPr>
         <p:txBody>
-          <a:bodyPr anchorCtr="0" anchor="t" bIns="91425" lIns="91425" spcFirstLastPara="1" rIns="91425" wrap="square" tIns="91425">
+          <a:bodyPr spcFirstLastPara="1" wrap="square" lIns="91425" tIns="91425" rIns="91425" bIns="91425" anchor="t" anchorCtr="0">
             <a:noAutofit/>
           </a:bodyPr>
           <a:lstStyle/>
           <a:p>
-            <a:pPr indent="0" lvl="0" marL="0">
+            <a:pPr marL="0" lvl="0" indent="0">
               <a:spcBef>
                 <a:spcPts val="0"/>
               </a:spcBef>
@@ -767,14 +792,16 @@
               </a:spcAft>
               <a:buNone/>
             </a:pPr>
-            <a:r>
-              <a:t/>
-            </a:r>
             <a:endParaRPr/>
           </a:p>
         </p:txBody>
       </p:sp>
     </p:spTree>
+    <p:extLst>
+      <p:ext uri="{BB962C8B-B14F-4D97-AF65-F5344CB8AC3E}">
+        <p14:creationId xmlns:p14="http://schemas.microsoft.com/office/powerpoint/2010/main" val="709040815"/>
+      </p:ext>
+    </p:extLst>
   </p:cSld>
   <p:clrMapOvr>
     <a:masterClrMapping/>
@@ -783,11 +810,11 @@
 </file>
 
 <file path=ppt/notesSlides/notesSlide2.xml><?xml version="1.0" encoding="utf-8"?>
-<p:notes xmlns:a="http://schemas.openxmlformats.org/drawingml/2006/main" xmlns:r="http://schemas.openxmlformats.org/officeDocument/2006/relationships" xmlns:mc="http://schemas.openxmlformats.org/markup-compatibility/2006" xmlns:mv="urn:schemas-microsoft-com:mac:vml" xmlns:p="http://schemas.openxmlformats.org/presentationml/2006/main" xmlns:c="http://schemas.openxmlformats.org/drawingml/2006/chart" xmlns:dgm="http://schemas.openxmlformats.org/drawingml/2006/diagram" xmlns:o="urn:schemas-microsoft-com:office:office" xmlns:v="urn:schemas-microsoft-com:vml" xmlns:pvml="urn:schemas-microsoft-com:office:powerpoint" xmlns:com="http://schemas.openxmlformats.org/drawingml/2006/compatibility" xmlns:p14="http://schemas.microsoft.com/office/powerpoint/2010/main" xmlns:p15="http://schemas.microsoft.com/office/powerpoint/2012/main" showMasterPhAnim="0" showMasterSp="0">
+<p:notes xmlns:a="http://schemas.openxmlformats.org/drawingml/2006/main" xmlns:r="http://schemas.openxmlformats.org/officeDocument/2006/relationships" xmlns:p="http://schemas.openxmlformats.org/presentationml/2006/main" showMasterSp="0" showMasterPhAnim="0">
   <p:cSld>
     <p:spTree>
       <p:nvGrpSpPr>
-        <p:cNvPr id="69" name="Shape 69"/>
+        <p:cNvPr id="1" name="Shape 69"/>
         <p:cNvGrpSpPr/>
         <p:nvPr/>
       </p:nvGrpSpPr>
@@ -802,9 +829,11 @@
       <p:sp>
         <p:nvSpPr>
           <p:cNvPr id="70" name="Shape 70"/>
-          <p:cNvSpPr/>
+          <p:cNvSpPr>
+            <a:spLocks noGrp="1" noRot="1" noChangeAspect="1"/>
+          </p:cNvSpPr>
           <p:nvPr>
-            <p:ph idx="2" type="sldImg"/>
+            <p:ph type="sldImg" idx="2"/>
           </p:nvPr>
         </p:nvSpPr>
         <p:spPr>
@@ -813,8 +842,13 @@
             <a:ext cx="6096000" cy="3429000"/>
           </a:xfrm>
           <a:custGeom>
+            <a:avLst/>
+            <a:gdLst/>
+            <a:ahLst/>
+            <a:cxnLst/>
+            <a:rect l="0" t="0" r="0" b="0"/>
             <a:pathLst>
-              <a:path extrusionOk="0" h="120000" w="120000">
+              <a:path w="120000" h="120000" extrusionOk="0">
                 <a:moveTo>
                   <a:pt x="0" y="0"/>
                 </a:moveTo>
@@ -836,9 +870,11 @@
       <p:sp>
         <p:nvSpPr>
           <p:cNvPr id="71" name="Shape 71"/>
-          <p:cNvSpPr txBox="1"/>
+          <p:cNvSpPr txBox="1">
+            <a:spLocks noGrp="1"/>
+          </p:cNvSpPr>
           <p:nvPr>
-            <p:ph idx="1" type="body"/>
+            <p:ph type="body" idx="1"/>
           </p:nvPr>
         </p:nvSpPr>
         <p:spPr>
@@ -851,12 +887,12 @@
           </a:prstGeom>
         </p:spPr>
         <p:txBody>
-          <a:bodyPr anchorCtr="0" anchor="t" bIns="91425" lIns="91425" spcFirstLastPara="1" rIns="91425" wrap="square" tIns="91425">
+          <a:bodyPr spcFirstLastPara="1" wrap="square" lIns="91425" tIns="91425" rIns="91425" bIns="91425" anchor="t" anchorCtr="0">
             <a:noAutofit/>
           </a:bodyPr>
           <a:lstStyle/>
           <a:p>
-            <a:pPr indent="0" lvl="0" marL="0">
+            <a:pPr marL="0" lvl="0" indent="0">
               <a:spcBef>
                 <a:spcPts val="0"/>
               </a:spcBef>
@@ -865,14 +901,16 @@
               </a:spcAft>
               <a:buNone/>
             </a:pPr>
-            <a:r>
-              <a:t/>
-            </a:r>
             <a:endParaRPr/>
           </a:p>
         </p:txBody>
       </p:sp>
     </p:spTree>
+    <p:extLst>
+      <p:ext uri="{BB962C8B-B14F-4D97-AF65-F5344CB8AC3E}">
+        <p14:creationId xmlns:p14="http://schemas.microsoft.com/office/powerpoint/2010/main" val="462220502"/>
+      </p:ext>
+    </p:extLst>
   </p:cSld>
   <p:clrMapOvr>
     <a:masterClrMapping/>
@@ -881,11 +919,120 @@
 </file>
 
 <file path=ppt/notesSlides/notesSlide3.xml><?xml version="1.0" encoding="utf-8"?>
-<p:notes xmlns:a="http://schemas.openxmlformats.org/drawingml/2006/main" xmlns:r="http://schemas.openxmlformats.org/officeDocument/2006/relationships" xmlns:mc="http://schemas.openxmlformats.org/markup-compatibility/2006" xmlns:mv="urn:schemas-microsoft-com:mac:vml" xmlns:p="http://schemas.openxmlformats.org/presentationml/2006/main" xmlns:c="http://schemas.openxmlformats.org/drawingml/2006/chart" xmlns:dgm="http://schemas.openxmlformats.org/drawingml/2006/diagram" xmlns:o="urn:schemas-microsoft-com:office:office" xmlns:v="urn:schemas-microsoft-com:vml" xmlns:pvml="urn:schemas-microsoft-com:office:powerpoint" xmlns:com="http://schemas.openxmlformats.org/drawingml/2006/compatibility" xmlns:p14="http://schemas.microsoft.com/office/powerpoint/2010/main" xmlns:p15="http://schemas.microsoft.com/office/powerpoint/2012/main" showMasterPhAnim="0" showMasterSp="0">
+<p:notes xmlns:a="http://schemas.openxmlformats.org/drawingml/2006/main" xmlns:r="http://schemas.openxmlformats.org/officeDocument/2006/relationships" xmlns:p="http://schemas.openxmlformats.org/presentationml/2006/main" showMasterSp="0" showMasterPhAnim="0">
   <p:cSld>
     <p:spTree>
       <p:nvGrpSpPr>
-        <p:cNvPr id="75" name="Shape 75"/>
+        <p:cNvPr id="1" name="Shape 83"/>
+        <p:cNvGrpSpPr/>
+        <p:nvPr/>
+      </p:nvGrpSpPr>
+      <p:grpSpPr>
+        <a:xfrm>
+          <a:off x="0" y="0"/>
+          <a:ext cx="0" cy="0"/>
+          <a:chOff x="0" y="0"/>
+          <a:chExt cx="0" cy="0"/>
+        </a:xfrm>
+      </p:grpSpPr>
+      <p:sp>
+        <p:nvSpPr>
+          <p:cNvPr id="84" name="Shape 84"/>
+          <p:cNvSpPr>
+            <a:spLocks noGrp="1" noRot="1" noChangeAspect="1"/>
+          </p:cNvSpPr>
+          <p:nvPr>
+            <p:ph type="sldImg" idx="2"/>
+          </p:nvPr>
+        </p:nvSpPr>
+        <p:spPr>
+          <a:xfrm>
+            <a:off x="381000" y="685800"/>
+            <a:ext cx="6096000" cy="3429000"/>
+          </a:xfrm>
+          <a:custGeom>
+            <a:avLst/>
+            <a:gdLst/>
+            <a:ahLst/>
+            <a:cxnLst/>
+            <a:rect l="0" t="0" r="0" b="0"/>
+            <a:pathLst>
+              <a:path w="120000" h="120000" extrusionOk="0">
+                <a:moveTo>
+                  <a:pt x="0" y="0"/>
+                </a:moveTo>
+                <a:lnTo>
+                  <a:pt x="120000" y="0"/>
+                </a:lnTo>
+                <a:lnTo>
+                  <a:pt x="120000" y="120000"/>
+                </a:lnTo>
+                <a:lnTo>
+                  <a:pt x="0" y="120000"/>
+                </a:lnTo>
+                <a:close/>
+              </a:path>
+            </a:pathLst>
+          </a:custGeom>
+        </p:spPr>
+      </p:sp>
+      <p:sp>
+        <p:nvSpPr>
+          <p:cNvPr id="85" name="Shape 85"/>
+          <p:cNvSpPr txBox="1">
+            <a:spLocks noGrp="1"/>
+          </p:cNvSpPr>
+          <p:nvPr>
+            <p:ph type="body" idx="1"/>
+          </p:nvPr>
+        </p:nvSpPr>
+        <p:spPr>
+          <a:xfrm>
+            <a:off x="685800" y="4343400"/>
+            <a:ext cx="5486400" cy="4114800"/>
+          </a:xfrm>
+          <a:prstGeom prst="rect">
+            <a:avLst/>
+          </a:prstGeom>
+        </p:spPr>
+        <p:txBody>
+          <a:bodyPr spcFirstLastPara="1" wrap="square" lIns="91425" tIns="91425" rIns="91425" bIns="91425" anchor="t" anchorCtr="0">
+            <a:noAutofit/>
+          </a:bodyPr>
+          <a:lstStyle/>
+          <a:p>
+            <a:pPr marL="0" lvl="0" indent="0">
+              <a:spcBef>
+                <a:spcPts val="0"/>
+              </a:spcBef>
+              <a:spcAft>
+                <a:spcPts val="0"/>
+              </a:spcAft>
+              <a:buNone/>
+            </a:pPr>
+            <a:endParaRPr/>
+          </a:p>
+        </p:txBody>
+      </p:sp>
+    </p:spTree>
+    <p:extLst>
+      <p:ext uri="{BB962C8B-B14F-4D97-AF65-F5344CB8AC3E}">
+        <p14:creationId xmlns:p14="http://schemas.microsoft.com/office/powerpoint/2010/main" val="1003957084"/>
+      </p:ext>
+    </p:extLst>
+  </p:cSld>
+  <p:clrMapOvr>
+    <a:masterClrMapping/>
+  </p:clrMapOvr>
+</p:notes>
+</file>
+
+<file path=ppt/notesSlides/notesSlide4.xml><?xml version="1.0" encoding="utf-8"?>
+<p:notes xmlns:a="http://schemas.openxmlformats.org/drawingml/2006/main" xmlns:r="http://schemas.openxmlformats.org/officeDocument/2006/relationships" xmlns:p="http://schemas.openxmlformats.org/presentationml/2006/main" showMasterSp="0" showMasterPhAnim="0">
+  <p:cSld>
+    <p:spTree>
+      <p:nvGrpSpPr>
+        <p:cNvPr id="1" name="Shape 75"/>
         <p:cNvGrpSpPr/>
         <p:nvPr/>
       </p:nvGrpSpPr>
@@ -900,9 +1047,11 @@
       <p:sp>
         <p:nvSpPr>
           <p:cNvPr id="76" name="Shape 76"/>
-          <p:cNvSpPr/>
+          <p:cNvSpPr>
+            <a:spLocks noGrp="1" noRot="1" noChangeAspect="1"/>
+          </p:cNvSpPr>
           <p:nvPr>
-            <p:ph idx="2" type="sldImg"/>
+            <p:ph type="sldImg" idx="2"/>
           </p:nvPr>
         </p:nvSpPr>
         <p:spPr>
@@ -911,8 +1060,13 @@
             <a:ext cx="6096000" cy="3429000"/>
           </a:xfrm>
           <a:custGeom>
+            <a:avLst/>
+            <a:gdLst/>
+            <a:ahLst/>
+            <a:cxnLst/>
+            <a:rect l="0" t="0" r="0" b="0"/>
             <a:pathLst>
-              <a:path extrusionOk="0" h="120000" w="120000">
+              <a:path w="120000" h="120000" extrusionOk="0">
                 <a:moveTo>
                   <a:pt x="0" y="0"/>
                 </a:moveTo>
@@ -934,9 +1088,11 @@
       <p:sp>
         <p:nvSpPr>
           <p:cNvPr id="77" name="Shape 77"/>
-          <p:cNvSpPr txBox="1"/>
+          <p:cNvSpPr txBox="1">
+            <a:spLocks noGrp="1"/>
+          </p:cNvSpPr>
           <p:nvPr>
-            <p:ph idx="1" type="body"/>
+            <p:ph type="body" idx="1"/>
           </p:nvPr>
         </p:nvSpPr>
         <p:spPr>
@@ -949,12 +1105,12 @@
           </a:prstGeom>
         </p:spPr>
         <p:txBody>
-          <a:bodyPr anchorCtr="0" anchor="t" bIns="91425" lIns="91425" spcFirstLastPara="1" rIns="91425" wrap="square" tIns="91425">
+          <a:bodyPr spcFirstLastPara="1" wrap="square" lIns="91425" tIns="91425" rIns="91425" bIns="91425" anchor="t" anchorCtr="0">
             <a:noAutofit/>
           </a:bodyPr>
           <a:lstStyle/>
           <a:p>
-            <a:pPr indent="0" lvl="0" marL="0">
+            <a:pPr marL="0" lvl="0" indent="0">
               <a:spcBef>
                 <a:spcPts val="0"/>
               </a:spcBef>
@@ -970,7 +1126,7 @@
             <a:endParaRPr/>
           </a:p>
           <a:p>
-            <a:pPr indent="0" lvl="0" marL="0">
+            <a:pPr marL="0" lvl="0" indent="0">
               <a:spcBef>
                 <a:spcPts val="0"/>
               </a:spcBef>
@@ -986,7 +1142,7 @@
             <a:endParaRPr/>
           </a:p>
           <a:p>
-            <a:pPr indent="0" lvl="0" marL="0">
+            <a:pPr marL="0" lvl="0" indent="0">
               <a:spcBef>
                 <a:spcPts val="0"/>
               </a:spcBef>
@@ -1004,104 +1160,11 @@
         </p:txBody>
       </p:sp>
     </p:spTree>
-  </p:cSld>
-  <p:clrMapOvr>
-    <a:masterClrMapping/>
-  </p:clrMapOvr>
-</p:notes>
-</file>
-
-<file path=ppt/notesSlides/notesSlide4.xml><?xml version="1.0" encoding="utf-8"?>
-<p:notes xmlns:a="http://schemas.openxmlformats.org/drawingml/2006/main" xmlns:r="http://schemas.openxmlformats.org/officeDocument/2006/relationships" xmlns:mc="http://schemas.openxmlformats.org/markup-compatibility/2006" xmlns:mv="urn:schemas-microsoft-com:mac:vml" xmlns:p="http://schemas.openxmlformats.org/presentationml/2006/main" xmlns:c="http://schemas.openxmlformats.org/drawingml/2006/chart" xmlns:dgm="http://schemas.openxmlformats.org/drawingml/2006/diagram" xmlns:o="urn:schemas-microsoft-com:office:office" xmlns:v="urn:schemas-microsoft-com:vml" xmlns:pvml="urn:schemas-microsoft-com:office:powerpoint" xmlns:com="http://schemas.openxmlformats.org/drawingml/2006/compatibility" xmlns:p14="http://schemas.microsoft.com/office/powerpoint/2010/main" xmlns:p15="http://schemas.microsoft.com/office/powerpoint/2012/main" showMasterPhAnim="0" showMasterSp="0">
-  <p:cSld>
-    <p:spTree>
-      <p:nvGrpSpPr>
-        <p:cNvPr id="83" name="Shape 83"/>
-        <p:cNvGrpSpPr/>
-        <p:nvPr/>
-      </p:nvGrpSpPr>
-      <p:grpSpPr>
-        <a:xfrm>
-          <a:off x="0" y="0"/>
-          <a:ext cx="0" cy="0"/>
-          <a:chOff x="0" y="0"/>
-          <a:chExt cx="0" cy="0"/>
-        </a:xfrm>
-      </p:grpSpPr>
-      <p:sp>
-        <p:nvSpPr>
-          <p:cNvPr id="84" name="Shape 84"/>
-          <p:cNvSpPr/>
-          <p:nvPr>
-            <p:ph idx="2" type="sldImg"/>
-          </p:nvPr>
-        </p:nvSpPr>
-        <p:spPr>
-          <a:xfrm>
-            <a:off x="381300" y="685800"/>
-            <a:ext cx="6096000" cy="3429000"/>
-          </a:xfrm>
-          <a:custGeom>
-            <a:pathLst>
-              <a:path extrusionOk="0" h="120000" w="120000">
-                <a:moveTo>
-                  <a:pt x="0" y="0"/>
-                </a:moveTo>
-                <a:lnTo>
-                  <a:pt x="120000" y="0"/>
-                </a:lnTo>
-                <a:lnTo>
-                  <a:pt x="120000" y="120000"/>
-                </a:lnTo>
-                <a:lnTo>
-                  <a:pt x="0" y="120000"/>
-                </a:lnTo>
-                <a:close/>
-              </a:path>
-            </a:pathLst>
-          </a:custGeom>
-        </p:spPr>
-      </p:sp>
-      <p:sp>
-        <p:nvSpPr>
-          <p:cNvPr id="85" name="Shape 85"/>
-          <p:cNvSpPr txBox="1"/>
-          <p:nvPr>
-            <p:ph idx="1" type="body"/>
-          </p:nvPr>
-        </p:nvSpPr>
-        <p:spPr>
-          <a:xfrm>
-            <a:off x="685800" y="4343400"/>
-            <a:ext cx="5486400" cy="4114800"/>
-          </a:xfrm>
-          <a:prstGeom prst="rect">
-            <a:avLst/>
-          </a:prstGeom>
-        </p:spPr>
-        <p:txBody>
-          <a:bodyPr anchorCtr="0" anchor="t" bIns="91425" lIns="91425" spcFirstLastPara="1" rIns="91425" wrap="square" tIns="91425">
-            <a:noAutofit/>
-          </a:bodyPr>
-          <a:lstStyle/>
-          <a:p>
-            <a:pPr indent="0" lvl="0" marL="0">
-              <a:spcBef>
-                <a:spcPts val="0"/>
-              </a:spcBef>
-              <a:spcAft>
-                <a:spcPts val="0"/>
-              </a:spcAft>
-              <a:buNone/>
-            </a:pPr>
-            <a:r>
-              <a:t/>
-            </a:r>
-            <a:endParaRPr/>
-          </a:p>
-        </p:txBody>
-      </p:sp>
-    </p:spTree>
+    <p:extLst>
+      <p:ext uri="{BB962C8B-B14F-4D97-AF65-F5344CB8AC3E}">
+        <p14:creationId xmlns:p14="http://schemas.microsoft.com/office/powerpoint/2010/main" val="1091625915"/>
+      </p:ext>
+    </p:extLst>
   </p:cSld>
   <p:clrMapOvr>
     <a:masterClrMapping/>
@@ -1110,11 +1173,11 @@
 </file>
 
 <file path=ppt/notesSlides/notesSlide5.xml><?xml version="1.0" encoding="utf-8"?>
-<p:notes xmlns:a="http://schemas.openxmlformats.org/drawingml/2006/main" xmlns:r="http://schemas.openxmlformats.org/officeDocument/2006/relationships" xmlns:mc="http://schemas.openxmlformats.org/markup-compatibility/2006" xmlns:mv="urn:schemas-microsoft-com:mac:vml" xmlns:p="http://schemas.openxmlformats.org/presentationml/2006/main" xmlns:c="http://schemas.openxmlformats.org/drawingml/2006/chart" xmlns:dgm="http://schemas.openxmlformats.org/drawingml/2006/diagram" xmlns:o="urn:schemas-microsoft-com:office:office" xmlns:v="urn:schemas-microsoft-com:vml" xmlns:pvml="urn:schemas-microsoft-com:office:powerpoint" xmlns:com="http://schemas.openxmlformats.org/drawingml/2006/compatibility" xmlns:p14="http://schemas.microsoft.com/office/powerpoint/2010/main" xmlns:p15="http://schemas.microsoft.com/office/powerpoint/2012/main" showMasterPhAnim="0" showMasterSp="0">
+<p:notes xmlns:a="http://schemas.openxmlformats.org/drawingml/2006/main" xmlns:r="http://schemas.openxmlformats.org/officeDocument/2006/relationships" xmlns:p="http://schemas.openxmlformats.org/presentationml/2006/main" showMasterSp="0" showMasterPhAnim="0">
   <p:cSld>
     <p:spTree>
       <p:nvGrpSpPr>
-        <p:cNvPr id="89" name="Shape 89"/>
+        <p:cNvPr id="1" name="Shape 89"/>
         <p:cNvGrpSpPr/>
         <p:nvPr/>
       </p:nvGrpSpPr>
@@ -1129,19 +1192,26 @@
       <p:sp>
         <p:nvSpPr>
           <p:cNvPr id="90" name="Shape 90"/>
-          <p:cNvSpPr/>
+          <p:cNvSpPr>
+            <a:spLocks noGrp="1" noRot="1" noChangeAspect="1"/>
+          </p:cNvSpPr>
           <p:nvPr>
-            <p:ph idx="2" type="sldImg"/>
+            <p:ph type="sldImg" idx="2"/>
           </p:nvPr>
         </p:nvSpPr>
         <p:spPr>
           <a:xfrm>
-            <a:off x="381300" y="685800"/>
+            <a:off x="381000" y="685800"/>
             <a:ext cx="6096000" cy="3429000"/>
           </a:xfrm>
           <a:custGeom>
+            <a:avLst/>
+            <a:gdLst/>
+            <a:ahLst/>
+            <a:cxnLst/>
+            <a:rect l="0" t="0" r="0" b="0"/>
             <a:pathLst>
-              <a:path extrusionOk="0" h="120000" w="120000">
+              <a:path w="120000" h="120000" extrusionOk="0">
                 <a:moveTo>
                   <a:pt x="0" y="0"/>
                 </a:moveTo>
@@ -1163,9 +1233,11 @@
       <p:sp>
         <p:nvSpPr>
           <p:cNvPr id="91" name="Shape 91"/>
-          <p:cNvSpPr txBox="1"/>
+          <p:cNvSpPr txBox="1">
+            <a:spLocks noGrp="1"/>
+          </p:cNvSpPr>
           <p:nvPr>
-            <p:ph idx="1" type="body"/>
+            <p:ph type="body" idx="1"/>
           </p:nvPr>
         </p:nvSpPr>
         <p:spPr>
@@ -1178,12 +1250,12 @@
           </a:prstGeom>
         </p:spPr>
         <p:txBody>
-          <a:bodyPr anchorCtr="0" anchor="t" bIns="91425" lIns="91425" spcFirstLastPara="1" rIns="91425" wrap="square" tIns="91425">
+          <a:bodyPr spcFirstLastPara="1" wrap="square" lIns="91425" tIns="91425" rIns="91425" bIns="91425" anchor="t" anchorCtr="0">
             <a:noAutofit/>
           </a:bodyPr>
           <a:lstStyle/>
           <a:p>
-            <a:pPr indent="0" lvl="0" marL="0">
+            <a:pPr marL="0" lvl="0" indent="0">
               <a:spcBef>
                 <a:spcPts val="0"/>
               </a:spcBef>
@@ -1192,14 +1264,16 @@
               </a:spcAft>
               <a:buNone/>
             </a:pPr>
-            <a:r>
-              <a:t/>
-            </a:r>
             <a:endParaRPr/>
           </a:p>
         </p:txBody>
       </p:sp>
     </p:spTree>
+    <p:extLst>
+      <p:ext uri="{BB962C8B-B14F-4D97-AF65-F5344CB8AC3E}">
+        <p14:creationId xmlns:p14="http://schemas.microsoft.com/office/powerpoint/2010/main" val="727696309"/>
+      </p:ext>
+    </p:extLst>
   </p:cSld>
   <p:clrMapOvr>
     <a:masterClrMapping/>
@@ -1208,11 +1282,11 @@
 </file>
 
 <file path=ppt/notesSlides/notesSlide6.xml><?xml version="1.0" encoding="utf-8"?>
-<p:notes xmlns:a="http://schemas.openxmlformats.org/drawingml/2006/main" xmlns:r="http://schemas.openxmlformats.org/officeDocument/2006/relationships" xmlns:mc="http://schemas.openxmlformats.org/markup-compatibility/2006" xmlns:mv="urn:schemas-microsoft-com:mac:vml" xmlns:p="http://schemas.openxmlformats.org/presentationml/2006/main" xmlns:c="http://schemas.openxmlformats.org/drawingml/2006/chart" xmlns:dgm="http://schemas.openxmlformats.org/drawingml/2006/diagram" xmlns:o="urn:schemas-microsoft-com:office:office" xmlns:v="urn:schemas-microsoft-com:vml" xmlns:pvml="urn:schemas-microsoft-com:office:powerpoint" xmlns:com="http://schemas.openxmlformats.org/drawingml/2006/compatibility" xmlns:p14="http://schemas.microsoft.com/office/powerpoint/2010/main" xmlns:p15="http://schemas.microsoft.com/office/powerpoint/2012/main" showMasterPhAnim="0" showMasterSp="0">
+<p:notes xmlns:a="http://schemas.openxmlformats.org/drawingml/2006/main" xmlns:r="http://schemas.openxmlformats.org/officeDocument/2006/relationships" xmlns:p="http://schemas.openxmlformats.org/presentationml/2006/main" showMasterSp="0" showMasterPhAnim="0">
   <p:cSld>
     <p:spTree>
       <p:nvGrpSpPr>
-        <p:cNvPr id="96" name="Shape 96"/>
+        <p:cNvPr id="1" name="Shape 96"/>
         <p:cNvGrpSpPr/>
         <p:nvPr/>
       </p:nvGrpSpPr>
@@ -1227,19 +1301,26 @@
       <p:sp>
         <p:nvSpPr>
           <p:cNvPr id="97" name="Shape 97"/>
-          <p:cNvSpPr/>
+          <p:cNvSpPr>
+            <a:spLocks noGrp="1" noRot="1" noChangeAspect="1"/>
+          </p:cNvSpPr>
           <p:nvPr>
-            <p:ph idx="2" type="sldImg"/>
+            <p:ph type="sldImg" idx="2"/>
           </p:nvPr>
         </p:nvSpPr>
         <p:spPr>
           <a:xfrm>
-            <a:off x="381300" y="685800"/>
+            <a:off x="381000" y="685800"/>
             <a:ext cx="6096000" cy="3429000"/>
           </a:xfrm>
           <a:custGeom>
+            <a:avLst/>
+            <a:gdLst/>
+            <a:ahLst/>
+            <a:cxnLst/>
+            <a:rect l="0" t="0" r="0" b="0"/>
             <a:pathLst>
-              <a:path extrusionOk="0" h="120000" w="120000">
+              <a:path w="120000" h="120000" extrusionOk="0">
                 <a:moveTo>
                   <a:pt x="0" y="0"/>
                 </a:moveTo>
@@ -1261,9 +1342,11 @@
       <p:sp>
         <p:nvSpPr>
           <p:cNvPr id="98" name="Shape 98"/>
-          <p:cNvSpPr txBox="1"/>
+          <p:cNvSpPr txBox="1">
+            <a:spLocks noGrp="1"/>
+          </p:cNvSpPr>
           <p:nvPr>
-            <p:ph idx="1" type="body"/>
+            <p:ph type="body" idx="1"/>
           </p:nvPr>
         </p:nvSpPr>
         <p:spPr>
@@ -1276,12 +1359,12 @@
           </a:prstGeom>
         </p:spPr>
         <p:txBody>
-          <a:bodyPr anchorCtr="0" anchor="t" bIns="91425" lIns="91425" spcFirstLastPara="1" rIns="91425" wrap="square" tIns="91425">
+          <a:bodyPr spcFirstLastPara="1" wrap="square" lIns="91425" tIns="91425" rIns="91425" bIns="91425" anchor="t" anchorCtr="0">
             <a:noAutofit/>
           </a:bodyPr>
           <a:lstStyle/>
           <a:p>
-            <a:pPr indent="0" lvl="0" marL="0">
+            <a:pPr marL="0" lvl="0" indent="0">
               <a:spcBef>
                 <a:spcPts val="0"/>
               </a:spcBef>
@@ -1290,14 +1373,16 @@
               </a:spcAft>
               <a:buNone/>
             </a:pPr>
-            <a:r>
-              <a:t/>
-            </a:r>
             <a:endParaRPr/>
           </a:p>
         </p:txBody>
       </p:sp>
     </p:spTree>
+    <p:extLst>
+      <p:ext uri="{BB962C8B-B14F-4D97-AF65-F5344CB8AC3E}">
+        <p14:creationId xmlns:p14="http://schemas.microsoft.com/office/powerpoint/2010/main" val="472495698"/>
+      </p:ext>
+    </p:extLst>
   </p:cSld>
   <p:clrMapOvr>
     <a:masterClrMapping/>
@@ -1306,11 +1391,11 @@
 </file>
 
 <file path=ppt/notesSlides/notesSlide7.xml><?xml version="1.0" encoding="utf-8"?>
-<p:notes xmlns:a="http://schemas.openxmlformats.org/drawingml/2006/main" xmlns:r="http://schemas.openxmlformats.org/officeDocument/2006/relationships" xmlns:mc="http://schemas.openxmlformats.org/markup-compatibility/2006" xmlns:mv="urn:schemas-microsoft-com:mac:vml" xmlns:p="http://schemas.openxmlformats.org/presentationml/2006/main" xmlns:c="http://schemas.openxmlformats.org/drawingml/2006/chart" xmlns:dgm="http://schemas.openxmlformats.org/drawingml/2006/diagram" xmlns:o="urn:schemas-microsoft-com:office:office" xmlns:v="urn:schemas-microsoft-com:vml" xmlns:pvml="urn:schemas-microsoft-com:office:powerpoint" xmlns:com="http://schemas.openxmlformats.org/drawingml/2006/compatibility" xmlns:p14="http://schemas.microsoft.com/office/powerpoint/2010/main" xmlns:p15="http://schemas.microsoft.com/office/powerpoint/2012/main" showMasterPhAnim="0" showMasterSp="0">
+<p:notes xmlns:a="http://schemas.openxmlformats.org/drawingml/2006/main" xmlns:r="http://schemas.openxmlformats.org/officeDocument/2006/relationships" xmlns:p="http://schemas.openxmlformats.org/presentationml/2006/main" showMasterSp="0" showMasterPhAnim="0">
   <p:cSld>
     <p:spTree>
       <p:nvGrpSpPr>
-        <p:cNvPr id="103" name="Shape 103"/>
+        <p:cNvPr id="1" name="Shape 103"/>
         <p:cNvGrpSpPr/>
         <p:nvPr/>
       </p:nvGrpSpPr>
@@ -1325,9 +1410,11 @@
       <p:sp>
         <p:nvSpPr>
           <p:cNvPr id="104" name="Shape 104"/>
-          <p:cNvSpPr/>
+          <p:cNvSpPr>
+            <a:spLocks noGrp="1" noRot="1" noChangeAspect="1"/>
+          </p:cNvSpPr>
           <p:nvPr>
-            <p:ph idx="2" type="sldImg"/>
+            <p:ph type="sldImg" idx="2"/>
           </p:nvPr>
         </p:nvSpPr>
         <p:spPr>
@@ -1336,8 +1423,13 @@
             <a:ext cx="6096000" cy="3429000"/>
           </a:xfrm>
           <a:custGeom>
+            <a:avLst/>
+            <a:gdLst/>
+            <a:ahLst/>
+            <a:cxnLst/>
+            <a:rect l="0" t="0" r="0" b="0"/>
             <a:pathLst>
-              <a:path extrusionOk="0" h="120000" w="120000">
+              <a:path w="120000" h="120000" extrusionOk="0">
                 <a:moveTo>
                   <a:pt x="0" y="0"/>
                 </a:moveTo>
@@ -1359,9 +1451,11 @@
       <p:sp>
         <p:nvSpPr>
           <p:cNvPr id="105" name="Shape 105"/>
-          <p:cNvSpPr txBox="1"/>
+          <p:cNvSpPr txBox="1">
+            <a:spLocks noGrp="1"/>
+          </p:cNvSpPr>
           <p:nvPr>
-            <p:ph idx="1" type="body"/>
+            <p:ph type="body" idx="1"/>
           </p:nvPr>
         </p:nvSpPr>
         <p:spPr>
@@ -1374,12 +1468,12 @@
           </a:prstGeom>
         </p:spPr>
         <p:txBody>
-          <a:bodyPr anchorCtr="0" anchor="t" bIns="91425" lIns="91425" spcFirstLastPara="1" rIns="91425" wrap="square" tIns="91425">
+          <a:bodyPr spcFirstLastPara="1" wrap="square" lIns="91425" tIns="91425" rIns="91425" bIns="91425" anchor="t" anchorCtr="0">
             <a:noAutofit/>
           </a:bodyPr>
           <a:lstStyle/>
           <a:p>
-            <a:pPr indent="0" lvl="0" marL="0">
+            <a:pPr marL="0" lvl="0" indent="0">
               <a:spcBef>
                 <a:spcPts val="0"/>
               </a:spcBef>
@@ -1388,14 +1482,16 @@
               </a:spcAft>
               <a:buNone/>
             </a:pPr>
-            <a:r>
-              <a:t/>
-            </a:r>
             <a:endParaRPr/>
           </a:p>
         </p:txBody>
       </p:sp>
     </p:spTree>
+    <p:extLst>
+      <p:ext uri="{BB962C8B-B14F-4D97-AF65-F5344CB8AC3E}">
+        <p14:creationId xmlns:p14="http://schemas.microsoft.com/office/powerpoint/2010/main" val="1988153327"/>
+      </p:ext>
+    </p:extLst>
   </p:cSld>
   <p:clrMapOvr>
     <a:masterClrMapping/>
@@ -1404,109 +1500,11 @@
 </file>
 
 <file path=ppt/notesSlides/notesSlide8.xml><?xml version="1.0" encoding="utf-8"?>
-<p:notes xmlns:a="http://schemas.openxmlformats.org/drawingml/2006/main" xmlns:r="http://schemas.openxmlformats.org/officeDocument/2006/relationships" xmlns:mc="http://schemas.openxmlformats.org/markup-compatibility/2006" xmlns:mv="urn:schemas-microsoft-com:mac:vml" xmlns:p="http://schemas.openxmlformats.org/presentationml/2006/main" xmlns:c="http://schemas.openxmlformats.org/drawingml/2006/chart" xmlns:dgm="http://schemas.openxmlformats.org/drawingml/2006/diagram" xmlns:o="urn:schemas-microsoft-com:office:office" xmlns:v="urn:schemas-microsoft-com:vml" xmlns:pvml="urn:schemas-microsoft-com:office:powerpoint" xmlns:com="http://schemas.openxmlformats.org/drawingml/2006/compatibility" xmlns:p14="http://schemas.microsoft.com/office/powerpoint/2010/main" xmlns:p15="http://schemas.microsoft.com/office/powerpoint/2012/main" showMasterPhAnim="0" showMasterSp="0">
+<p:notes xmlns:a="http://schemas.openxmlformats.org/drawingml/2006/main" xmlns:r="http://schemas.openxmlformats.org/officeDocument/2006/relationships" xmlns:p="http://schemas.openxmlformats.org/presentationml/2006/main" showMasterSp="0" showMasterPhAnim="0">
   <p:cSld>
     <p:spTree>
       <p:nvGrpSpPr>
-        <p:cNvPr id="110" name="Shape 110"/>
-        <p:cNvGrpSpPr/>
-        <p:nvPr/>
-      </p:nvGrpSpPr>
-      <p:grpSpPr>
-        <a:xfrm>
-          <a:off x="0" y="0"/>
-          <a:ext cx="0" cy="0"/>
-          <a:chOff x="0" y="0"/>
-          <a:chExt cx="0" cy="0"/>
-        </a:xfrm>
-      </p:grpSpPr>
-      <p:sp>
-        <p:nvSpPr>
-          <p:cNvPr id="111" name="Shape 111"/>
-          <p:cNvSpPr/>
-          <p:nvPr>
-            <p:ph idx="2" type="sldImg"/>
-          </p:nvPr>
-        </p:nvSpPr>
-        <p:spPr>
-          <a:xfrm>
-            <a:off x="381300" y="685800"/>
-            <a:ext cx="6096000" cy="3429000"/>
-          </a:xfrm>
-          <a:custGeom>
-            <a:pathLst>
-              <a:path extrusionOk="0" h="120000" w="120000">
-                <a:moveTo>
-                  <a:pt x="0" y="0"/>
-                </a:moveTo>
-                <a:lnTo>
-                  <a:pt x="120000" y="0"/>
-                </a:lnTo>
-                <a:lnTo>
-                  <a:pt x="120000" y="120000"/>
-                </a:lnTo>
-                <a:lnTo>
-                  <a:pt x="0" y="120000"/>
-                </a:lnTo>
-                <a:close/>
-              </a:path>
-            </a:pathLst>
-          </a:custGeom>
-        </p:spPr>
-      </p:sp>
-      <p:sp>
-        <p:nvSpPr>
-          <p:cNvPr id="112" name="Shape 112"/>
-          <p:cNvSpPr txBox="1"/>
-          <p:nvPr>
-            <p:ph idx="1" type="body"/>
-          </p:nvPr>
-        </p:nvSpPr>
-        <p:spPr>
-          <a:xfrm>
-            <a:off x="685800" y="4343400"/>
-            <a:ext cx="5486400" cy="4114800"/>
-          </a:xfrm>
-          <a:prstGeom prst="rect">
-            <a:avLst/>
-          </a:prstGeom>
-        </p:spPr>
-        <p:txBody>
-          <a:bodyPr anchorCtr="0" anchor="t" bIns="91425" lIns="91425" spcFirstLastPara="1" rIns="91425" wrap="square" tIns="91425">
-            <a:noAutofit/>
-          </a:bodyPr>
-          <a:lstStyle/>
-          <a:p>
-            <a:pPr indent="0" lvl="0" marL="0">
-              <a:spcBef>
-                <a:spcPts val="0"/>
-              </a:spcBef>
-              <a:spcAft>
-                <a:spcPts val="0"/>
-              </a:spcAft>
-              <a:buNone/>
-            </a:pPr>
-            <a:r>
-              <a:t/>
-            </a:r>
-            <a:endParaRPr/>
-          </a:p>
-        </p:txBody>
-      </p:sp>
-    </p:spTree>
-  </p:cSld>
-  <p:clrMapOvr>
-    <a:masterClrMapping/>
-  </p:clrMapOvr>
-</p:notes>
-</file>
-
-<file path=ppt/notesSlides/notesSlide9.xml><?xml version="1.0" encoding="utf-8"?>
-<p:notes xmlns:a="http://schemas.openxmlformats.org/drawingml/2006/main" xmlns:r="http://schemas.openxmlformats.org/officeDocument/2006/relationships" xmlns:mc="http://schemas.openxmlformats.org/markup-compatibility/2006" xmlns:mv="urn:schemas-microsoft-com:mac:vml" xmlns:p="http://schemas.openxmlformats.org/presentationml/2006/main" xmlns:c="http://schemas.openxmlformats.org/drawingml/2006/chart" xmlns:dgm="http://schemas.openxmlformats.org/drawingml/2006/diagram" xmlns:o="urn:schemas-microsoft-com:office:office" xmlns:v="urn:schemas-microsoft-com:vml" xmlns:pvml="urn:schemas-microsoft-com:office:powerpoint" xmlns:com="http://schemas.openxmlformats.org/drawingml/2006/compatibility" xmlns:p14="http://schemas.microsoft.com/office/powerpoint/2010/main" xmlns:p15="http://schemas.microsoft.com/office/powerpoint/2012/main" showMasterPhAnim="0" showMasterSp="0">
-  <p:cSld>
-    <p:spTree>
-      <p:nvGrpSpPr>
-        <p:cNvPr id="116" name="Shape 116"/>
+        <p:cNvPr id="1" name="Shape 116"/>
         <p:cNvGrpSpPr/>
         <p:nvPr/>
       </p:nvGrpSpPr>
@@ -1521,9 +1519,11 @@
       <p:sp>
         <p:nvSpPr>
           <p:cNvPr id="117" name="Shape 117"/>
-          <p:cNvSpPr/>
+          <p:cNvSpPr>
+            <a:spLocks noGrp="1" noRot="1" noChangeAspect="1"/>
+          </p:cNvSpPr>
           <p:nvPr>
-            <p:ph idx="2" type="sldImg"/>
+            <p:ph type="sldImg" idx="2"/>
           </p:nvPr>
         </p:nvSpPr>
         <p:spPr>
@@ -1532,8 +1532,13 @@
             <a:ext cx="6096000" cy="3429000"/>
           </a:xfrm>
           <a:custGeom>
+            <a:avLst/>
+            <a:gdLst/>
+            <a:ahLst/>
+            <a:cxnLst/>
+            <a:rect l="0" t="0" r="0" b="0"/>
             <a:pathLst>
-              <a:path extrusionOk="0" h="120000" w="120000">
+              <a:path w="120000" h="120000" extrusionOk="0">
                 <a:moveTo>
                   <a:pt x="0" y="0"/>
                 </a:moveTo>
@@ -1555,9 +1560,11 @@
       <p:sp>
         <p:nvSpPr>
           <p:cNvPr id="118" name="Shape 118"/>
-          <p:cNvSpPr txBox="1"/>
+          <p:cNvSpPr txBox="1">
+            <a:spLocks noGrp="1"/>
+          </p:cNvSpPr>
           <p:nvPr>
-            <p:ph idx="1" type="body"/>
+            <p:ph type="body" idx="1"/>
           </p:nvPr>
         </p:nvSpPr>
         <p:spPr>
@@ -1570,12 +1577,12 @@
           </a:prstGeom>
         </p:spPr>
         <p:txBody>
-          <a:bodyPr anchorCtr="0" anchor="t" bIns="91425" lIns="91425" spcFirstLastPara="1" rIns="91425" wrap="square" tIns="91425">
+          <a:bodyPr spcFirstLastPara="1" wrap="square" lIns="91425" tIns="91425" rIns="91425" bIns="91425" anchor="t" anchorCtr="0">
             <a:noAutofit/>
           </a:bodyPr>
           <a:lstStyle/>
           <a:p>
-            <a:pPr indent="0" lvl="0" marL="0">
+            <a:pPr marL="0" lvl="0" indent="0">
               <a:spcBef>
                 <a:spcPts val="0"/>
               </a:spcBef>
@@ -1584,14 +1591,16 @@
               </a:spcAft>
               <a:buNone/>
             </a:pPr>
-            <a:r>
-              <a:t/>
-            </a:r>
             <a:endParaRPr/>
           </a:p>
         </p:txBody>
       </p:sp>
     </p:spTree>
+    <p:extLst>
+      <p:ext uri="{BB962C8B-B14F-4D97-AF65-F5344CB8AC3E}">
+        <p14:creationId xmlns:p14="http://schemas.microsoft.com/office/powerpoint/2010/main" val="264263146"/>
+      </p:ext>
+    </p:extLst>
   </p:cSld>
   <p:clrMapOvr>
     <a:masterClrMapping/>
@@ -1600,11 +1609,11 @@
 </file>
 
 <file path=ppt/slideLayouts/slideLayout1.xml><?xml version="1.0" encoding="utf-8"?>
-<p:sldLayout xmlns:a="http://schemas.openxmlformats.org/drawingml/2006/main" xmlns:r="http://schemas.openxmlformats.org/officeDocument/2006/relationships" xmlns:mc="http://schemas.openxmlformats.org/markup-compatibility/2006" xmlns:mv="urn:schemas-microsoft-com:mac:vml" xmlns:p="http://schemas.openxmlformats.org/presentationml/2006/main" xmlns:c="http://schemas.openxmlformats.org/drawingml/2006/chart" xmlns:dgm="http://schemas.openxmlformats.org/drawingml/2006/diagram" xmlns:o="urn:schemas-microsoft-com:office:office" xmlns:v="urn:schemas-microsoft-com:vml" xmlns:pvml="urn:schemas-microsoft-com:office:powerpoint" xmlns:com="http://schemas.openxmlformats.org/drawingml/2006/compatibility" xmlns:p14="http://schemas.microsoft.com/office/powerpoint/2010/main" xmlns:p15="http://schemas.microsoft.com/office/powerpoint/2012/main" matchingName="Title slide" type="title">
+<p:sldLayout xmlns:a="http://schemas.openxmlformats.org/drawingml/2006/main" xmlns:r="http://schemas.openxmlformats.org/officeDocument/2006/relationships" xmlns:p="http://schemas.openxmlformats.org/presentationml/2006/main" matchingName="Title slide" type="title">
   <p:cSld name="TITLE">
     <p:spTree>
       <p:nvGrpSpPr>
-        <p:cNvPr id="9" name="Shape 9"/>
+        <p:cNvPr id="1" name="Shape 9"/>
         <p:cNvGrpSpPr/>
         <p:nvPr/>
       </p:nvGrpSpPr>
@@ -1638,12 +1647,12 @@
           </a:ln>
         </p:spPr>
         <p:txBody>
-          <a:bodyPr anchorCtr="0" anchor="ctr" bIns="91425" lIns="91425" spcFirstLastPara="1" rIns="91425" wrap="square" tIns="91425">
+          <a:bodyPr spcFirstLastPara="1" wrap="square" lIns="91425" tIns="91425" rIns="91425" bIns="91425" anchor="ctr" anchorCtr="0">
             <a:noAutofit/>
           </a:bodyPr>
           <a:lstStyle/>
           <a:p>
-            <a:pPr indent="0" lvl="0" marL="0">
+            <a:pPr marL="0" lvl="0" indent="0">
               <a:spcBef>
                 <a:spcPts val="0"/>
               </a:spcBef>
@@ -1652,9 +1661,6 @@
               </a:spcAft>
               <a:buNone/>
             </a:pPr>
-            <a:r>
-              <a:t/>
-            </a:r>
             <a:endParaRPr/>
           </a:p>
         </p:txBody>
@@ -1672,7 +1678,7 @@
           </a:xfrm>
           <a:prstGeom prst="round1Rect">
             <a:avLst>
-              <a:gd fmla="val 16667" name="adj"/>
+              <a:gd name="adj" fmla="val 16667"/>
             </a:avLst>
           </a:prstGeom>
           <a:solidFill>
@@ -1685,12 +1691,12 @@
           </a:ln>
         </p:spPr>
         <p:txBody>
-          <a:bodyPr anchorCtr="0" anchor="ctr" bIns="91425" lIns="91425" spcFirstLastPara="1" rIns="91425" wrap="square" tIns="91425">
+          <a:bodyPr spcFirstLastPara="1" wrap="square" lIns="91425" tIns="91425" rIns="91425" bIns="91425" anchor="ctr" anchorCtr="0">
             <a:noAutofit/>
           </a:bodyPr>
           <a:lstStyle/>
           <a:p>
-            <a:pPr indent="0" lvl="0" marL="0">
+            <a:pPr marL="0" lvl="0" indent="0">
               <a:spcBef>
                 <a:spcPts val="0"/>
               </a:spcBef>
@@ -1699,9 +1705,6 @@
               </a:spcAft>
               <a:buNone/>
             </a:pPr>
-            <a:r>
-              <a:t/>
-            </a:r>
             <a:endParaRPr/>
           </a:p>
         </p:txBody>
@@ -1709,7 +1712,9 @@
       <p:sp>
         <p:nvSpPr>
           <p:cNvPr id="12" name="Shape 12"/>
-          <p:cNvSpPr txBox="1"/>
+          <p:cNvSpPr txBox="1">
+            <a:spLocks noGrp="1"/>
+          </p:cNvSpPr>
           <p:nvPr>
             <p:ph type="ctrTitle"/>
           </p:nvPr>
@@ -1724,7 +1729,7 @@
           </a:prstGeom>
         </p:spPr>
         <p:txBody>
-          <a:bodyPr anchorCtr="0" anchor="b" bIns="91425" lIns="91425" spcFirstLastPara="1" rIns="91425" wrap="square" tIns="91425"/>
+          <a:bodyPr spcFirstLastPara="1" wrap="square" lIns="91425" tIns="91425" rIns="91425" bIns="91425" anchor="b" anchorCtr="0"/>
           <a:lstStyle>
             <a:lvl1pPr lvl="0">
               <a:spcBef>
@@ -1826,15 +1831,19 @@
               <a:defRPr sz="4800"/>
             </a:lvl9pPr>
           </a:lstStyle>
-          <a:p/>
+          <a:p>
+            <a:endParaRPr/>
+          </a:p>
         </p:txBody>
       </p:sp>
       <p:sp>
         <p:nvSpPr>
           <p:cNvPr id="13" name="Shape 13"/>
-          <p:cNvSpPr txBox="1"/>
+          <p:cNvSpPr txBox="1">
+            <a:spLocks noGrp="1"/>
+          </p:cNvSpPr>
           <p:nvPr>
-            <p:ph idx="1" type="subTitle"/>
+            <p:ph type="subTitle" idx="1"/>
           </p:nvPr>
         </p:nvSpPr>
         <p:spPr>
@@ -1847,7 +1856,7 @@
           </a:prstGeom>
         </p:spPr>
         <p:txBody>
-          <a:bodyPr anchorCtr="0" anchor="t" bIns="91425" lIns="91425" spcFirstLastPara="1" rIns="91425" wrap="square" tIns="91425"/>
+          <a:bodyPr spcFirstLastPara="1" wrap="square" lIns="91425" tIns="91425" rIns="91425" bIns="91425" anchor="t" anchorCtr="0"/>
           <a:lstStyle>
             <a:lvl1pPr lvl="0">
               <a:lnSpc>
@@ -2039,15 +2048,19 @@
               </a:defRPr>
             </a:lvl9pPr>
           </a:lstStyle>
-          <a:p/>
+          <a:p>
+            <a:endParaRPr/>
+          </a:p>
         </p:txBody>
       </p:sp>
       <p:sp>
         <p:nvSpPr>
           <p:cNvPr id="14" name="Shape 14"/>
-          <p:cNvSpPr txBox="1"/>
+          <p:cNvSpPr txBox="1">
+            <a:spLocks noGrp="1"/>
+          </p:cNvSpPr>
           <p:nvPr>
-            <p:ph idx="12" type="sldNum"/>
+            <p:ph type="sldNum" idx="12"/>
           </p:nvPr>
         </p:nvSpPr>
         <p:spPr>
@@ -2060,7 +2073,7 @@
           </a:prstGeom>
         </p:spPr>
         <p:txBody>
-          <a:bodyPr anchorCtr="0" anchor="ctr" bIns="91425" lIns="91425" spcFirstLastPara="1" rIns="91425" wrap="square" tIns="91425">
+          <a:bodyPr spcFirstLastPara="1" wrap="square" lIns="91425" tIns="91425" rIns="91425" bIns="91425" anchor="ctr" anchorCtr="0">
             <a:noAutofit/>
           </a:bodyPr>
           <a:lstStyle>
@@ -2102,7 +2115,7 @@
             </a:lvl9pPr>
           </a:lstStyle>
           <a:p>
-            <a:pPr indent="0" lvl="0" marL="0">
+            <a:pPr marL="0" lvl="0" indent="0">
               <a:spcBef>
                 <a:spcPts val="0"/>
               </a:spcBef>
@@ -2128,18 +2141,19 @@
 </file>
 
 <file path=ppt/slideLayouts/slideLayout10.xml><?xml version="1.0" encoding="utf-8"?>
-<p:sldLayout xmlns:a="http://schemas.openxmlformats.org/drawingml/2006/main" xmlns:r="http://schemas.openxmlformats.org/officeDocument/2006/relationships" xmlns:mc="http://schemas.openxmlformats.org/markup-compatibility/2006" xmlns:mv="urn:schemas-microsoft-com:mac:vml" xmlns:p="http://schemas.openxmlformats.org/presentationml/2006/main" xmlns:c="http://schemas.openxmlformats.org/drawingml/2006/chart" xmlns:dgm="http://schemas.openxmlformats.org/drawingml/2006/diagram" xmlns:o="urn:schemas-microsoft-com:office:office" xmlns:v="urn:schemas-microsoft-com:vml" xmlns:pvml="urn:schemas-microsoft-com:office:powerpoint" xmlns:com="http://schemas.openxmlformats.org/drawingml/2006/compatibility" xmlns:p14="http://schemas.microsoft.com/office/powerpoint/2010/main" xmlns:p15="http://schemas.microsoft.com/office/powerpoint/2012/main" matchingName="Big number">
+<p:sldLayout xmlns:a="http://schemas.openxmlformats.org/drawingml/2006/main" xmlns:r="http://schemas.openxmlformats.org/officeDocument/2006/relationships" xmlns:p="http://schemas.openxmlformats.org/presentationml/2006/main" matchingName="Big number">
   <p:cSld name="BIG_NUMBER">
     <p:bg>
       <p:bgPr>
         <a:solidFill>
           <a:schemeClr val="accent4"/>
         </a:solidFill>
+        <a:effectLst/>
       </p:bgPr>
     </p:bg>
     <p:spTree>
       <p:nvGrpSpPr>
-        <p:cNvPr id="57" name="Shape 57"/>
+        <p:cNvPr id="1" name="Shape 57"/>
         <p:cNvGrpSpPr/>
         <p:nvPr/>
       </p:nvGrpSpPr>
@@ -2154,9 +2168,11 @@
       <p:sp>
         <p:nvSpPr>
           <p:cNvPr id="58" name="Shape 58"/>
-          <p:cNvSpPr txBox="1"/>
+          <p:cNvSpPr txBox="1">
+            <a:spLocks noGrp="1"/>
+          </p:cNvSpPr>
           <p:nvPr>
-            <p:ph hasCustomPrompt="1" type="title"/>
+            <p:ph type="title" hasCustomPrompt="1"/>
           </p:nvPr>
         </p:nvSpPr>
         <p:spPr>
@@ -2169,7 +2185,7 @@
           </a:prstGeom>
         </p:spPr>
         <p:txBody>
-          <a:bodyPr anchorCtr="0" anchor="b" bIns="91425" lIns="91425" spcFirstLastPara="1" rIns="91425" wrap="square" tIns="91425"/>
+          <a:bodyPr spcFirstLastPara="1" wrap="square" lIns="91425" tIns="91425" rIns="91425" bIns="91425" anchor="b" anchorCtr="0"/>
           <a:lstStyle>
             <a:lvl1pPr lvl="0" algn="ctr">
               <a:spcBef>
@@ -2344,9 +2360,11 @@
       <p:sp>
         <p:nvSpPr>
           <p:cNvPr id="59" name="Shape 59"/>
-          <p:cNvSpPr txBox="1"/>
+          <p:cNvSpPr txBox="1">
+            <a:spLocks noGrp="1"/>
+          </p:cNvSpPr>
           <p:nvPr>
-            <p:ph idx="1" type="body"/>
+            <p:ph type="body" idx="1"/>
           </p:nvPr>
         </p:nvSpPr>
         <p:spPr>
@@ -2359,9 +2377,9 @@
           </a:prstGeom>
         </p:spPr>
         <p:txBody>
-          <a:bodyPr anchorCtr="0" anchor="t" bIns="91425" lIns="91425" spcFirstLastPara="1" rIns="91425" wrap="square" tIns="91425"/>
+          <a:bodyPr spcFirstLastPara="1" wrap="square" lIns="91425" tIns="91425" rIns="91425" bIns="91425" anchor="t" anchorCtr="0"/>
           <a:lstStyle>
-            <a:lvl1pPr indent="-342900" lvl="0" marL="457200" algn="ctr">
+            <a:lvl1pPr marL="457200" lvl="0" indent="-342900" algn="ctr">
               <a:spcBef>
                 <a:spcPts val="0"/>
               </a:spcBef>
@@ -2372,7 +2390,7 @@
               <a:buChar char="●"/>
               <a:defRPr/>
             </a:lvl1pPr>
-            <a:lvl2pPr indent="-317500" lvl="1" marL="914400" algn="ctr">
+            <a:lvl2pPr marL="914400" lvl="1" indent="-317500" algn="ctr">
               <a:spcBef>
                 <a:spcPts val="1600"/>
               </a:spcBef>
@@ -2383,7 +2401,7 @@
               <a:buChar char="○"/>
               <a:defRPr/>
             </a:lvl2pPr>
-            <a:lvl3pPr indent="-317500" lvl="2" marL="1371600" algn="ctr">
+            <a:lvl3pPr marL="1371600" lvl="2" indent="-317500" algn="ctr">
               <a:spcBef>
                 <a:spcPts val="1600"/>
               </a:spcBef>
@@ -2394,7 +2412,7 @@
               <a:buChar char="■"/>
               <a:defRPr/>
             </a:lvl3pPr>
-            <a:lvl4pPr indent="-317500" lvl="3" marL="1828800" algn="ctr">
+            <a:lvl4pPr marL="1828800" lvl="3" indent="-317500" algn="ctr">
               <a:spcBef>
                 <a:spcPts val="1600"/>
               </a:spcBef>
@@ -2405,7 +2423,7 @@
               <a:buChar char="●"/>
               <a:defRPr/>
             </a:lvl4pPr>
-            <a:lvl5pPr indent="-317500" lvl="4" marL="2286000" algn="ctr">
+            <a:lvl5pPr marL="2286000" lvl="4" indent="-317500" algn="ctr">
               <a:spcBef>
                 <a:spcPts val="1600"/>
               </a:spcBef>
@@ -2416,7 +2434,7 @@
               <a:buChar char="○"/>
               <a:defRPr/>
             </a:lvl5pPr>
-            <a:lvl6pPr indent="-317500" lvl="5" marL="2743200" algn="ctr">
+            <a:lvl6pPr marL="2743200" lvl="5" indent="-317500" algn="ctr">
               <a:spcBef>
                 <a:spcPts val="1600"/>
               </a:spcBef>
@@ -2427,7 +2445,7 @@
               <a:buChar char="■"/>
               <a:defRPr/>
             </a:lvl6pPr>
-            <a:lvl7pPr indent="-317500" lvl="6" marL="3200400" algn="ctr">
+            <a:lvl7pPr marL="3200400" lvl="6" indent="-317500" algn="ctr">
               <a:spcBef>
                 <a:spcPts val="1600"/>
               </a:spcBef>
@@ -2438,7 +2456,7 @@
               <a:buChar char="●"/>
               <a:defRPr/>
             </a:lvl7pPr>
-            <a:lvl8pPr indent="-317500" lvl="7" marL="3657600" algn="ctr">
+            <a:lvl8pPr marL="3657600" lvl="7" indent="-317500" algn="ctr">
               <a:spcBef>
                 <a:spcPts val="1600"/>
               </a:spcBef>
@@ -2449,7 +2467,7 @@
               <a:buChar char="○"/>
               <a:defRPr/>
             </a:lvl8pPr>
-            <a:lvl9pPr indent="-317500" lvl="8" marL="4114800" algn="ctr">
+            <a:lvl9pPr marL="4114800" lvl="8" indent="-317500" algn="ctr">
               <a:spcBef>
                 <a:spcPts val="1600"/>
               </a:spcBef>
@@ -2461,15 +2479,19 @@
               <a:defRPr/>
             </a:lvl9pPr>
           </a:lstStyle>
-          <a:p/>
+          <a:p>
+            <a:endParaRPr/>
+          </a:p>
         </p:txBody>
       </p:sp>
       <p:sp>
         <p:nvSpPr>
           <p:cNvPr id="60" name="Shape 60"/>
-          <p:cNvSpPr txBox="1"/>
+          <p:cNvSpPr txBox="1">
+            <a:spLocks noGrp="1"/>
+          </p:cNvSpPr>
           <p:nvPr>
-            <p:ph idx="12" type="sldNum"/>
+            <p:ph type="sldNum" idx="12"/>
           </p:nvPr>
         </p:nvSpPr>
         <p:spPr>
@@ -2482,7 +2504,7 @@
           </a:prstGeom>
         </p:spPr>
         <p:txBody>
-          <a:bodyPr anchorCtr="0" anchor="ctr" bIns="91425" lIns="91425" spcFirstLastPara="1" rIns="91425" wrap="square" tIns="91425">
+          <a:bodyPr spcFirstLastPara="1" wrap="square" lIns="91425" tIns="91425" rIns="91425" bIns="91425" anchor="ctr" anchorCtr="0">
             <a:noAutofit/>
           </a:bodyPr>
           <a:lstStyle>
@@ -2524,7 +2546,7 @@
             </a:lvl9pPr>
           </a:lstStyle>
           <a:p>
-            <a:pPr indent="0" lvl="0" marL="0">
+            <a:pPr marL="0" lvl="0" indent="0">
               <a:spcBef>
                 <a:spcPts val="0"/>
               </a:spcBef>
@@ -2550,18 +2572,19 @@
 </file>
 
 <file path=ppt/slideLayouts/slideLayout11.xml><?xml version="1.0" encoding="utf-8"?>
-<p:sldLayout xmlns:a="http://schemas.openxmlformats.org/drawingml/2006/main" xmlns:r="http://schemas.openxmlformats.org/officeDocument/2006/relationships" xmlns:mc="http://schemas.openxmlformats.org/markup-compatibility/2006" xmlns:mv="urn:schemas-microsoft-com:mac:vml" xmlns:p="http://schemas.openxmlformats.org/presentationml/2006/main" xmlns:c="http://schemas.openxmlformats.org/drawingml/2006/chart" xmlns:dgm="http://schemas.openxmlformats.org/drawingml/2006/diagram" xmlns:o="urn:schemas-microsoft-com:office:office" xmlns:v="urn:schemas-microsoft-com:vml" xmlns:pvml="urn:schemas-microsoft-com:office:powerpoint" xmlns:com="http://schemas.openxmlformats.org/drawingml/2006/compatibility" xmlns:p14="http://schemas.microsoft.com/office/powerpoint/2010/main" xmlns:p15="http://schemas.microsoft.com/office/powerpoint/2012/main" matchingName="Blank" type="blank">
+<p:sldLayout xmlns:a="http://schemas.openxmlformats.org/drawingml/2006/main" xmlns:r="http://schemas.openxmlformats.org/officeDocument/2006/relationships" xmlns:p="http://schemas.openxmlformats.org/presentationml/2006/main" matchingName="Blank" type="blank">
   <p:cSld name="BLANK">
     <p:bg>
       <p:bgPr>
         <a:solidFill>
           <a:schemeClr val="accent4"/>
         </a:solidFill>
+        <a:effectLst/>
       </p:bgPr>
     </p:bg>
     <p:spTree>
       <p:nvGrpSpPr>
-        <p:cNvPr id="61" name="Shape 61"/>
+        <p:cNvPr id="1" name="Shape 61"/>
         <p:cNvGrpSpPr/>
         <p:nvPr/>
       </p:nvGrpSpPr>
@@ -2576,9 +2599,11 @@
       <p:sp>
         <p:nvSpPr>
           <p:cNvPr id="62" name="Shape 62"/>
-          <p:cNvSpPr txBox="1"/>
+          <p:cNvSpPr txBox="1">
+            <a:spLocks noGrp="1"/>
+          </p:cNvSpPr>
           <p:nvPr>
-            <p:ph idx="12" type="sldNum"/>
+            <p:ph type="sldNum" idx="12"/>
           </p:nvPr>
         </p:nvSpPr>
         <p:spPr>
@@ -2591,7 +2616,7 @@
           </a:prstGeom>
         </p:spPr>
         <p:txBody>
-          <a:bodyPr anchorCtr="0" anchor="ctr" bIns="91425" lIns="91425" spcFirstLastPara="1" rIns="91425" wrap="square" tIns="91425">
+          <a:bodyPr spcFirstLastPara="1" wrap="square" lIns="91425" tIns="91425" rIns="91425" bIns="91425" anchor="ctr" anchorCtr="0">
             <a:noAutofit/>
           </a:bodyPr>
           <a:lstStyle>
@@ -2633,7 +2658,7 @@
             </a:lvl9pPr>
           </a:lstStyle>
           <a:p>
-            <a:pPr indent="0" lvl="0" marL="0">
+            <a:pPr marL="0" lvl="0" indent="0">
               <a:spcBef>
                 <a:spcPts val="0"/>
               </a:spcBef>
@@ -2659,11 +2684,11 @@
 </file>
 
 <file path=ppt/slideLayouts/slideLayout2.xml><?xml version="1.0" encoding="utf-8"?>
-<p:sldLayout xmlns:a="http://schemas.openxmlformats.org/drawingml/2006/main" xmlns:r="http://schemas.openxmlformats.org/officeDocument/2006/relationships" xmlns:mc="http://schemas.openxmlformats.org/markup-compatibility/2006" xmlns:mv="urn:schemas-microsoft-com:mac:vml" xmlns:p="http://schemas.openxmlformats.org/presentationml/2006/main" xmlns:c="http://schemas.openxmlformats.org/drawingml/2006/chart" xmlns:dgm="http://schemas.openxmlformats.org/drawingml/2006/diagram" xmlns:o="urn:schemas-microsoft-com:office:office" xmlns:v="urn:schemas-microsoft-com:vml" xmlns:pvml="urn:schemas-microsoft-com:office:powerpoint" xmlns:com="http://schemas.openxmlformats.org/drawingml/2006/compatibility" xmlns:p14="http://schemas.microsoft.com/office/powerpoint/2010/main" xmlns:p15="http://schemas.microsoft.com/office/powerpoint/2012/main" matchingName="Section header" type="secHead">
+<p:sldLayout xmlns:a="http://schemas.openxmlformats.org/drawingml/2006/main" xmlns:r="http://schemas.openxmlformats.org/officeDocument/2006/relationships" xmlns:p="http://schemas.openxmlformats.org/presentationml/2006/main" matchingName="Section header" type="secHead">
   <p:cSld name="SECTION_HEADER">
     <p:spTree>
       <p:nvGrpSpPr>
-        <p:cNvPr id="15" name="Shape 15"/>
+        <p:cNvPr id="1" name="Shape 15"/>
         <p:cNvGrpSpPr/>
         <p:nvPr/>
       </p:nvGrpSpPr>
@@ -2678,7 +2703,9 @@
       <p:sp>
         <p:nvSpPr>
           <p:cNvPr id="16" name="Shape 16"/>
-          <p:cNvSpPr txBox="1"/>
+          <p:cNvSpPr txBox="1">
+            <a:spLocks noGrp="1"/>
+          </p:cNvSpPr>
           <p:nvPr>
             <p:ph type="title"/>
           </p:nvPr>
@@ -2693,7 +2720,7 @@
           </a:prstGeom>
         </p:spPr>
         <p:txBody>
-          <a:bodyPr anchorCtr="0" anchor="ctr" bIns="91425" lIns="91425" spcFirstLastPara="1" rIns="91425" wrap="square" tIns="91425"/>
+          <a:bodyPr spcFirstLastPara="1" wrap="square" lIns="91425" tIns="91425" rIns="91425" bIns="91425" anchor="ctr" anchorCtr="0"/>
           <a:lstStyle>
             <a:lvl1pPr lvl="0">
               <a:spcBef>
@@ -2795,15 +2822,19 @@
               <a:defRPr sz="4200"/>
             </a:lvl9pPr>
           </a:lstStyle>
-          <a:p/>
+          <a:p>
+            <a:endParaRPr/>
+          </a:p>
         </p:txBody>
       </p:sp>
       <p:sp>
         <p:nvSpPr>
           <p:cNvPr id="17" name="Shape 17"/>
-          <p:cNvSpPr txBox="1"/>
+          <p:cNvSpPr txBox="1">
+            <a:spLocks noGrp="1"/>
+          </p:cNvSpPr>
           <p:nvPr>
-            <p:ph idx="12" type="sldNum"/>
+            <p:ph type="sldNum" idx="12"/>
           </p:nvPr>
         </p:nvSpPr>
         <p:spPr>
@@ -2816,7 +2847,7 @@
           </a:prstGeom>
         </p:spPr>
         <p:txBody>
-          <a:bodyPr anchorCtr="0" anchor="ctr" bIns="91425" lIns="91425" spcFirstLastPara="1" rIns="91425" wrap="square" tIns="91425">
+          <a:bodyPr spcFirstLastPara="1" wrap="square" lIns="91425" tIns="91425" rIns="91425" bIns="91425" anchor="ctr" anchorCtr="0">
             <a:noAutofit/>
           </a:bodyPr>
           <a:lstStyle>
@@ -2894,7 +2925,7 @@
             </a:lvl9pPr>
           </a:lstStyle>
           <a:p>
-            <a:pPr indent="0" lvl="0" marL="0">
+            <a:pPr marL="0" lvl="0" indent="0">
               <a:spcBef>
                 <a:spcPts val="0"/>
               </a:spcBef>
@@ -2920,11 +2951,11 @@
 </file>
 
 <file path=ppt/slideLayouts/slideLayout3.xml><?xml version="1.0" encoding="utf-8"?>
-<p:sldLayout xmlns:a="http://schemas.openxmlformats.org/drawingml/2006/main" xmlns:r="http://schemas.openxmlformats.org/officeDocument/2006/relationships" xmlns:mc="http://schemas.openxmlformats.org/markup-compatibility/2006" xmlns:mv="urn:schemas-microsoft-com:mac:vml" xmlns:p="http://schemas.openxmlformats.org/presentationml/2006/main" xmlns:c="http://schemas.openxmlformats.org/drawingml/2006/chart" xmlns:dgm="http://schemas.openxmlformats.org/drawingml/2006/diagram" xmlns:o="urn:schemas-microsoft-com:office:office" xmlns:v="urn:schemas-microsoft-com:vml" xmlns:pvml="urn:schemas-microsoft-com:office:powerpoint" xmlns:com="http://schemas.openxmlformats.org/drawingml/2006/compatibility" xmlns:p14="http://schemas.microsoft.com/office/powerpoint/2010/main" xmlns:p15="http://schemas.microsoft.com/office/powerpoint/2012/main" matchingName="Title and body" type="tx">
+<p:sldLayout xmlns:a="http://schemas.openxmlformats.org/drawingml/2006/main" xmlns:r="http://schemas.openxmlformats.org/officeDocument/2006/relationships" xmlns:p="http://schemas.openxmlformats.org/presentationml/2006/main" matchingName="Title and body" type="tx">
   <p:cSld name="TITLE_AND_BODY">
     <p:spTree>
       <p:nvGrpSpPr>
-        <p:cNvPr id="18" name="Shape 18"/>
+        <p:cNvPr id="1" name="Shape 18"/>
         <p:cNvGrpSpPr/>
         <p:nvPr/>
       </p:nvGrpSpPr>
@@ -2943,7 +2974,7 @@
           <p:nvPr/>
         </p:nvSpPr>
         <p:spPr>
-          <a:xfrm flipH="1" rot="10800000">
+          <a:xfrm rot="10800000" flipH="1">
             <a:off x="0" y="1686000"/>
             <a:ext cx="9144000" cy="3457500"/>
           </a:xfrm>
@@ -2958,12 +2989,12 @@
           </a:ln>
         </p:spPr>
         <p:txBody>
-          <a:bodyPr anchorCtr="0" anchor="ctr" bIns="91425" lIns="91425" spcFirstLastPara="1" rIns="91425" wrap="square" tIns="91425">
+          <a:bodyPr spcFirstLastPara="1" wrap="square" lIns="91425" tIns="91425" rIns="91425" bIns="91425" anchor="ctr" anchorCtr="0">
             <a:noAutofit/>
           </a:bodyPr>
           <a:lstStyle/>
           <a:p>
-            <a:pPr indent="0" lvl="0" marL="0">
+            <a:pPr marL="0" lvl="0" indent="0">
               <a:spcBef>
                 <a:spcPts val="0"/>
               </a:spcBef>
@@ -2972,9 +3003,6 @@
               </a:spcAft>
               <a:buNone/>
             </a:pPr>
-            <a:r>
-              <a:t/>
-            </a:r>
             <a:endParaRPr/>
           </a:p>
         </p:txBody>
@@ -3015,12 +3043,12 @@
           </a:ln>
         </p:spPr>
         <p:txBody>
-          <a:bodyPr anchorCtr="0" anchor="ctr" bIns="91425" lIns="91425" spcFirstLastPara="1" rIns="91425" wrap="square" tIns="91425">
+          <a:bodyPr spcFirstLastPara="1" wrap="square" lIns="91425" tIns="91425" rIns="91425" bIns="91425" anchor="ctr" anchorCtr="0">
             <a:noAutofit/>
           </a:bodyPr>
           <a:lstStyle/>
           <a:p>
-            <a:pPr indent="0" lvl="0" marL="0">
+            <a:pPr marL="0" lvl="0" indent="0">
               <a:spcBef>
                 <a:spcPts val="0"/>
               </a:spcBef>
@@ -3029,9 +3057,6 @@
               </a:spcAft>
               <a:buNone/>
             </a:pPr>
-            <a:r>
-              <a:t/>
-            </a:r>
             <a:endParaRPr/>
           </a:p>
         </p:txBody>
@@ -3039,7 +3064,9 @@
       <p:sp>
         <p:nvSpPr>
           <p:cNvPr id="21" name="Shape 21"/>
-          <p:cNvSpPr txBox="1"/>
+          <p:cNvSpPr txBox="1">
+            <a:spLocks noGrp="1"/>
+          </p:cNvSpPr>
           <p:nvPr>
             <p:ph type="title"/>
           </p:nvPr>
@@ -3054,7 +3081,7 @@
           </a:prstGeom>
         </p:spPr>
         <p:txBody>
-          <a:bodyPr anchorCtr="0" anchor="b" bIns="91425" lIns="91425" spcFirstLastPara="1" rIns="91425" wrap="square" tIns="91425"/>
+          <a:bodyPr spcFirstLastPara="1" wrap="square" lIns="91425" tIns="91425" rIns="91425" bIns="91425" anchor="b" anchorCtr="0"/>
           <a:lstStyle>
             <a:lvl1pPr lvl="0">
               <a:spcBef>
@@ -3156,15 +3183,19 @@
               <a:defRPr/>
             </a:lvl9pPr>
           </a:lstStyle>
-          <a:p/>
+          <a:p>
+            <a:endParaRPr/>
+          </a:p>
         </p:txBody>
       </p:sp>
       <p:sp>
         <p:nvSpPr>
           <p:cNvPr id="22" name="Shape 22"/>
-          <p:cNvSpPr txBox="1"/>
+          <p:cNvSpPr txBox="1">
+            <a:spLocks noGrp="1"/>
+          </p:cNvSpPr>
           <p:nvPr>
-            <p:ph idx="1" type="body"/>
+            <p:ph type="body" idx="1"/>
           </p:nvPr>
         </p:nvSpPr>
         <p:spPr>
@@ -3177,9 +3208,9 @@
           </a:prstGeom>
         </p:spPr>
         <p:txBody>
-          <a:bodyPr anchorCtr="0" anchor="t" bIns="91425" lIns="91425" spcFirstLastPara="1" rIns="91425" wrap="square" tIns="91425"/>
+          <a:bodyPr spcFirstLastPara="1" wrap="square" lIns="91425" tIns="91425" rIns="91425" bIns="91425" anchor="t" anchorCtr="0"/>
           <a:lstStyle>
-            <a:lvl1pPr indent="-342900" lvl="0" marL="457200">
+            <a:lvl1pPr marL="457200" lvl="0" indent="-342900">
               <a:spcBef>
                 <a:spcPts val="0"/>
               </a:spcBef>
@@ -3190,7 +3221,7 @@
               <a:buChar char="●"/>
               <a:defRPr/>
             </a:lvl1pPr>
-            <a:lvl2pPr indent="-317500" lvl="1" marL="914400">
+            <a:lvl2pPr marL="914400" lvl="1" indent="-317500">
               <a:spcBef>
                 <a:spcPts val="1600"/>
               </a:spcBef>
@@ -3201,7 +3232,7 @@
               <a:buChar char="○"/>
               <a:defRPr/>
             </a:lvl2pPr>
-            <a:lvl3pPr indent="-317500" lvl="2" marL="1371600">
+            <a:lvl3pPr marL="1371600" lvl="2" indent="-317500">
               <a:spcBef>
                 <a:spcPts val="1600"/>
               </a:spcBef>
@@ -3212,7 +3243,7 @@
               <a:buChar char="■"/>
               <a:defRPr/>
             </a:lvl3pPr>
-            <a:lvl4pPr indent="-317500" lvl="3" marL="1828800">
+            <a:lvl4pPr marL="1828800" lvl="3" indent="-317500">
               <a:spcBef>
                 <a:spcPts val="1600"/>
               </a:spcBef>
@@ -3223,7 +3254,7 @@
               <a:buChar char="●"/>
               <a:defRPr/>
             </a:lvl4pPr>
-            <a:lvl5pPr indent="-317500" lvl="4" marL="2286000">
+            <a:lvl5pPr marL="2286000" lvl="4" indent="-317500">
               <a:spcBef>
                 <a:spcPts val="1600"/>
               </a:spcBef>
@@ -3234,7 +3265,7 @@
               <a:buChar char="○"/>
               <a:defRPr/>
             </a:lvl5pPr>
-            <a:lvl6pPr indent="-317500" lvl="5" marL="2743200">
+            <a:lvl6pPr marL="2743200" lvl="5" indent="-317500">
               <a:spcBef>
                 <a:spcPts val="1600"/>
               </a:spcBef>
@@ -3245,7 +3276,7 @@
               <a:buChar char="■"/>
               <a:defRPr/>
             </a:lvl6pPr>
-            <a:lvl7pPr indent="-317500" lvl="6" marL="3200400">
+            <a:lvl7pPr marL="3200400" lvl="6" indent="-317500">
               <a:spcBef>
                 <a:spcPts val="1600"/>
               </a:spcBef>
@@ -3256,7 +3287,7 @@
               <a:buChar char="●"/>
               <a:defRPr/>
             </a:lvl7pPr>
-            <a:lvl8pPr indent="-317500" lvl="7" marL="3657600">
+            <a:lvl8pPr marL="3657600" lvl="7" indent="-317500">
               <a:spcBef>
                 <a:spcPts val="1600"/>
               </a:spcBef>
@@ -3267,7 +3298,7 @@
               <a:buChar char="○"/>
               <a:defRPr/>
             </a:lvl8pPr>
-            <a:lvl9pPr indent="-317500" lvl="8" marL="4114800">
+            <a:lvl9pPr marL="4114800" lvl="8" indent="-317500">
               <a:spcBef>
                 <a:spcPts val="1600"/>
               </a:spcBef>
@@ -3279,15 +3310,19 @@
               <a:defRPr/>
             </a:lvl9pPr>
           </a:lstStyle>
-          <a:p/>
+          <a:p>
+            <a:endParaRPr/>
+          </a:p>
         </p:txBody>
       </p:sp>
       <p:sp>
         <p:nvSpPr>
           <p:cNvPr id="23" name="Shape 23"/>
-          <p:cNvSpPr txBox="1"/>
+          <p:cNvSpPr txBox="1">
+            <a:spLocks noGrp="1"/>
+          </p:cNvSpPr>
           <p:nvPr>
-            <p:ph idx="12" type="sldNum"/>
+            <p:ph type="sldNum" idx="12"/>
           </p:nvPr>
         </p:nvSpPr>
         <p:spPr>
@@ -3300,7 +3335,7 @@
           </a:prstGeom>
         </p:spPr>
         <p:txBody>
-          <a:bodyPr anchorCtr="0" anchor="ctr" bIns="91425" lIns="91425" spcFirstLastPara="1" rIns="91425" wrap="square" tIns="91425">
+          <a:bodyPr spcFirstLastPara="1" wrap="square" lIns="91425" tIns="91425" rIns="91425" bIns="91425" anchor="ctr" anchorCtr="0">
             <a:noAutofit/>
           </a:bodyPr>
           <a:lstStyle>
@@ -3342,7 +3377,7 @@
             </a:lvl9pPr>
           </a:lstStyle>
           <a:p>
-            <a:pPr indent="0" lvl="0" marL="0">
+            <a:pPr marL="0" lvl="0" indent="0">
               <a:spcBef>
                 <a:spcPts val="0"/>
               </a:spcBef>
@@ -3368,11 +3403,11 @@
 </file>
 
 <file path=ppt/slideLayouts/slideLayout4.xml><?xml version="1.0" encoding="utf-8"?>
-<p:sldLayout xmlns:a="http://schemas.openxmlformats.org/drawingml/2006/main" xmlns:r="http://schemas.openxmlformats.org/officeDocument/2006/relationships" xmlns:mc="http://schemas.openxmlformats.org/markup-compatibility/2006" xmlns:mv="urn:schemas-microsoft-com:mac:vml" xmlns:p="http://schemas.openxmlformats.org/presentationml/2006/main" xmlns:c="http://schemas.openxmlformats.org/drawingml/2006/chart" xmlns:dgm="http://schemas.openxmlformats.org/drawingml/2006/diagram" xmlns:o="urn:schemas-microsoft-com:office:office" xmlns:v="urn:schemas-microsoft-com:vml" xmlns:pvml="urn:schemas-microsoft-com:office:powerpoint" xmlns:com="http://schemas.openxmlformats.org/drawingml/2006/compatibility" xmlns:p14="http://schemas.microsoft.com/office/powerpoint/2010/main" xmlns:p15="http://schemas.microsoft.com/office/powerpoint/2012/main" matchingName="Title and two columns" type="twoColTx">
+<p:sldLayout xmlns:a="http://schemas.openxmlformats.org/drawingml/2006/main" xmlns:r="http://schemas.openxmlformats.org/officeDocument/2006/relationships" xmlns:p="http://schemas.openxmlformats.org/presentationml/2006/main" matchingName="Title and two columns" type="twoColTx">
   <p:cSld name="TITLE_AND_TWO_COLUMNS">
     <p:spTree>
       <p:nvGrpSpPr>
-        <p:cNvPr id="24" name="Shape 24"/>
+        <p:cNvPr id="1" name="Shape 24"/>
         <p:cNvGrpSpPr/>
         <p:nvPr/>
       </p:nvGrpSpPr>
@@ -3391,7 +3426,7 @@
           <p:nvPr/>
         </p:nvSpPr>
         <p:spPr>
-          <a:xfrm flipH="1" rot="10800000">
+          <a:xfrm rot="10800000" flipH="1">
             <a:off x="0" y="1686000"/>
             <a:ext cx="9144000" cy="3457500"/>
           </a:xfrm>
@@ -3406,12 +3441,12 @@
           </a:ln>
         </p:spPr>
         <p:txBody>
-          <a:bodyPr anchorCtr="0" anchor="ctr" bIns="91425" lIns="91425" spcFirstLastPara="1" rIns="91425" wrap="square" tIns="91425">
+          <a:bodyPr spcFirstLastPara="1" wrap="square" lIns="91425" tIns="91425" rIns="91425" bIns="91425" anchor="ctr" anchorCtr="0">
             <a:noAutofit/>
           </a:bodyPr>
           <a:lstStyle/>
           <a:p>
-            <a:pPr indent="0" lvl="0" marL="0">
+            <a:pPr marL="0" lvl="0" indent="0">
               <a:spcBef>
                 <a:spcPts val="0"/>
               </a:spcBef>
@@ -3420,9 +3455,6 @@
               </a:spcAft>
               <a:buNone/>
             </a:pPr>
-            <a:r>
-              <a:t/>
-            </a:r>
             <a:endParaRPr/>
           </a:p>
         </p:txBody>
@@ -3463,12 +3495,12 @@
           </a:ln>
         </p:spPr>
         <p:txBody>
-          <a:bodyPr anchorCtr="0" anchor="ctr" bIns="91425" lIns="91425" spcFirstLastPara="1" rIns="91425" wrap="square" tIns="91425">
+          <a:bodyPr spcFirstLastPara="1" wrap="square" lIns="91425" tIns="91425" rIns="91425" bIns="91425" anchor="ctr" anchorCtr="0">
             <a:noAutofit/>
           </a:bodyPr>
           <a:lstStyle/>
           <a:p>
-            <a:pPr indent="0" lvl="0" marL="0">
+            <a:pPr marL="0" lvl="0" indent="0">
               <a:spcBef>
                 <a:spcPts val="0"/>
               </a:spcBef>
@@ -3477,9 +3509,6 @@
               </a:spcAft>
               <a:buNone/>
             </a:pPr>
-            <a:r>
-              <a:t/>
-            </a:r>
             <a:endParaRPr/>
           </a:p>
         </p:txBody>
@@ -3487,7 +3516,9 @@
       <p:sp>
         <p:nvSpPr>
           <p:cNvPr id="27" name="Shape 27"/>
-          <p:cNvSpPr txBox="1"/>
+          <p:cNvSpPr txBox="1">
+            <a:spLocks noGrp="1"/>
+          </p:cNvSpPr>
           <p:nvPr>
             <p:ph type="title"/>
           </p:nvPr>
@@ -3502,7 +3533,7 @@
           </a:prstGeom>
         </p:spPr>
         <p:txBody>
-          <a:bodyPr anchorCtr="0" anchor="b" bIns="91425" lIns="91425" spcFirstLastPara="1" rIns="91425" wrap="square" tIns="91425"/>
+          <a:bodyPr spcFirstLastPara="1" wrap="square" lIns="91425" tIns="91425" rIns="91425" bIns="91425" anchor="b" anchorCtr="0"/>
           <a:lstStyle>
             <a:lvl1pPr lvl="0">
               <a:spcBef>
@@ -3604,15 +3635,19 @@
               <a:defRPr/>
             </a:lvl9pPr>
           </a:lstStyle>
-          <a:p/>
+          <a:p>
+            <a:endParaRPr/>
+          </a:p>
         </p:txBody>
       </p:sp>
       <p:sp>
         <p:nvSpPr>
           <p:cNvPr id="28" name="Shape 28"/>
-          <p:cNvSpPr txBox="1"/>
+          <p:cNvSpPr txBox="1">
+            <a:spLocks noGrp="1"/>
+          </p:cNvSpPr>
           <p:nvPr>
-            <p:ph idx="1" type="body"/>
+            <p:ph type="body" idx="1"/>
           </p:nvPr>
         </p:nvSpPr>
         <p:spPr>
@@ -3625,9 +3660,9 @@
           </a:prstGeom>
         </p:spPr>
         <p:txBody>
-          <a:bodyPr anchorCtr="0" anchor="t" bIns="91425" lIns="91425" spcFirstLastPara="1" rIns="91425" wrap="square" tIns="91425"/>
+          <a:bodyPr spcFirstLastPara="1" wrap="square" lIns="91425" tIns="91425" rIns="91425" bIns="91425" anchor="t" anchorCtr="0"/>
           <a:lstStyle>
-            <a:lvl1pPr indent="-317500" lvl="0" marL="457200">
+            <a:lvl1pPr marL="457200" lvl="0" indent="-317500">
               <a:spcBef>
                 <a:spcPts val="0"/>
               </a:spcBef>
@@ -3638,7 +3673,7 @@
               <a:buChar char="●"/>
               <a:defRPr sz="1400"/>
             </a:lvl1pPr>
-            <a:lvl2pPr indent="-304800" lvl="1" marL="914400">
+            <a:lvl2pPr marL="914400" lvl="1" indent="-304800">
               <a:spcBef>
                 <a:spcPts val="1600"/>
               </a:spcBef>
@@ -3649,7 +3684,7 @@
               <a:buChar char="○"/>
               <a:defRPr sz="1200"/>
             </a:lvl2pPr>
-            <a:lvl3pPr indent="-304800" lvl="2" marL="1371600">
+            <a:lvl3pPr marL="1371600" lvl="2" indent="-304800">
               <a:spcBef>
                 <a:spcPts val="1600"/>
               </a:spcBef>
@@ -3660,7 +3695,7 @@
               <a:buChar char="■"/>
               <a:defRPr sz="1200"/>
             </a:lvl3pPr>
-            <a:lvl4pPr indent="-304800" lvl="3" marL="1828800">
+            <a:lvl4pPr marL="1828800" lvl="3" indent="-304800">
               <a:spcBef>
                 <a:spcPts val="1600"/>
               </a:spcBef>
@@ -3671,7 +3706,7 @@
               <a:buChar char="●"/>
               <a:defRPr sz="1200"/>
             </a:lvl4pPr>
-            <a:lvl5pPr indent="-304800" lvl="4" marL="2286000">
+            <a:lvl5pPr marL="2286000" lvl="4" indent="-304800">
               <a:spcBef>
                 <a:spcPts val="1600"/>
               </a:spcBef>
@@ -3682,7 +3717,7 @@
               <a:buChar char="○"/>
               <a:defRPr sz="1200"/>
             </a:lvl5pPr>
-            <a:lvl6pPr indent="-304800" lvl="5" marL="2743200">
+            <a:lvl6pPr marL="2743200" lvl="5" indent="-304800">
               <a:spcBef>
                 <a:spcPts val="1600"/>
               </a:spcBef>
@@ -3693,7 +3728,7 @@
               <a:buChar char="■"/>
               <a:defRPr sz="1200"/>
             </a:lvl6pPr>
-            <a:lvl7pPr indent="-304800" lvl="6" marL="3200400">
+            <a:lvl7pPr marL="3200400" lvl="6" indent="-304800">
               <a:spcBef>
                 <a:spcPts val="1600"/>
               </a:spcBef>
@@ -3704,7 +3739,7 @@
               <a:buChar char="●"/>
               <a:defRPr sz="1200"/>
             </a:lvl7pPr>
-            <a:lvl8pPr indent="-304800" lvl="7" marL="3657600">
+            <a:lvl8pPr marL="3657600" lvl="7" indent="-304800">
               <a:spcBef>
                 <a:spcPts val="1600"/>
               </a:spcBef>
@@ -3715,7 +3750,7 @@
               <a:buChar char="○"/>
               <a:defRPr sz="1200"/>
             </a:lvl8pPr>
-            <a:lvl9pPr indent="-304800" lvl="8" marL="4114800">
+            <a:lvl9pPr marL="4114800" lvl="8" indent="-304800">
               <a:spcBef>
                 <a:spcPts val="1600"/>
               </a:spcBef>
@@ -3727,15 +3762,19 @@
               <a:defRPr sz="1200"/>
             </a:lvl9pPr>
           </a:lstStyle>
-          <a:p/>
+          <a:p>
+            <a:endParaRPr/>
+          </a:p>
         </p:txBody>
       </p:sp>
       <p:sp>
         <p:nvSpPr>
           <p:cNvPr id="29" name="Shape 29"/>
-          <p:cNvSpPr txBox="1"/>
+          <p:cNvSpPr txBox="1">
+            <a:spLocks noGrp="1"/>
+          </p:cNvSpPr>
           <p:nvPr>
-            <p:ph idx="2" type="body"/>
+            <p:ph type="body" idx="2"/>
           </p:nvPr>
         </p:nvSpPr>
         <p:spPr>
@@ -3748,9 +3787,9 @@
           </a:prstGeom>
         </p:spPr>
         <p:txBody>
-          <a:bodyPr anchorCtr="0" anchor="t" bIns="91425" lIns="91425" spcFirstLastPara="1" rIns="91425" wrap="square" tIns="91425"/>
+          <a:bodyPr spcFirstLastPara="1" wrap="square" lIns="91425" tIns="91425" rIns="91425" bIns="91425" anchor="t" anchorCtr="0"/>
           <a:lstStyle>
-            <a:lvl1pPr indent="-317500" lvl="0" marL="457200">
+            <a:lvl1pPr marL="457200" lvl="0" indent="-317500">
               <a:spcBef>
                 <a:spcPts val="0"/>
               </a:spcBef>
@@ -3761,7 +3800,7 @@
               <a:buChar char="●"/>
               <a:defRPr sz="1400"/>
             </a:lvl1pPr>
-            <a:lvl2pPr indent="-304800" lvl="1" marL="914400">
+            <a:lvl2pPr marL="914400" lvl="1" indent="-304800">
               <a:spcBef>
                 <a:spcPts val="1600"/>
               </a:spcBef>
@@ -3772,7 +3811,7 @@
               <a:buChar char="○"/>
               <a:defRPr sz="1200"/>
             </a:lvl2pPr>
-            <a:lvl3pPr indent="-304800" lvl="2" marL="1371600">
+            <a:lvl3pPr marL="1371600" lvl="2" indent="-304800">
               <a:spcBef>
                 <a:spcPts val="1600"/>
               </a:spcBef>
@@ -3783,7 +3822,7 @@
               <a:buChar char="■"/>
               <a:defRPr sz="1200"/>
             </a:lvl3pPr>
-            <a:lvl4pPr indent="-304800" lvl="3" marL="1828800">
+            <a:lvl4pPr marL="1828800" lvl="3" indent="-304800">
               <a:spcBef>
                 <a:spcPts val="1600"/>
               </a:spcBef>
@@ -3794,7 +3833,7 @@
               <a:buChar char="●"/>
               <a:defRPr sz="1200"/>
             </a:lvl4pPr>
-            <a:lvl5pPr indent="-304800" lvl="4" marL="2286000">
+            <a:lvl5pPr marL="2286000" lvl="4" indent="-304800">
               <a:spcBef>
                 <a:spcPts val="1600"/>
               </a:spcBef>
@@ -3805,7 +3844,7 @@
               <a:buChar char="○"/>
               <a:defRPr sz="1200"/>
             </a:lvl5pPr>
-            <a:lvl6pPr indent="-304800" lvl="5" marL="2743200">
+            <a:lvl6pPr marL="2743200" lvl="5" indent="-304800">
               <a:spcBef>
                 <a:spcPts val="1600"/>
               </a:spcBef>
@@ -3816,7 +3855,7 @@
               <a:buChar char="■"/>
               <a:defRPr sz="1200"/>
             </a:lvl6pPr>
-            <a:lvl7pPr indent="-304800" lvl="6" marL="3200400">
+            <a:lvl7pPr marL="3200400" lvl="6" indent="-304800">
               <a:spcBef>
                 <a:spcPts val="1600"/>
               </a:spcBef>
@@ -3827,7 +3866,7 @@
               <a:buChar char="●"/>
               <a:defRPr sz="1200"/>
             </a:lvl7pPr>
-            <a:lvl8pPr indent="-304800" lvl="7" marL="3657600">
+            <a:lvl8pPr marL="3657600" lvl="7" indent="-304800">
               <a:spcBef>
                 <a:spcPts val="1600"/>
               </a:spcBef>
@@ -3838,7 +3877,7 @@
               <a:buChar char="○"/>
               <a:defRPr sz="1200"/>
             </a:lvl8pPr>
-            <a:lvl9pPr indent="-304800" lvl="8" marL="4114800">
+            <a:lvl9pPr marL="4114800" lvl="8" indent="-304800">
               <a:spcBef>
                 <a:spcPts val="1600"/>
               </a:spcBef>
@@ -3850,15 +3889,19 @@
               <a:defRPr sz="1200"/>
             </a:lvl9pPr>
           </a:lstStyle>
-          <a:p/>
+          <a:p>
+            <a:endParaRPr/>
+          </a:p>
         </p:txBody>
       </p:sp>
       <p:sp>
         <p:nvSpPr>
           <p:cNvPr id="30" name="Shape 30"/>
-          <p:cNvSpPr txBox="1"/>
+          <p:cNvSpPr txBox="1">
+            <a:spLocks noGrp="1"/>
+          </p:cNvSpPr>
           <p:nvPr>
-            <p:ph idx="12" type="sldNum"/>
+            <p:ph type="sldNum" idx="12"/>
           </p:nvPr>
         </p:nvSpPr>
         <p:spPr>
@@ -3871,7 +3914,7 @@
           </a:prstGeom>
         </p:spPr>
         <p:txBody>
-          <a:bodyPr anchorCtr="0" anchor="ctr" bIns="91425" lIns="91425" spcFirstLastPara="1" rIns="91425" wrap="square" tIns="91425">
+          <a:bodyPr spcFirstLastPara="1" wrap="square" lIns="91425" tIns="91425" rIns="91425" bIns="91425" anchor="ctr" anchorCtr="0">
             <a:noAutofit/>
           </a:bodyPr>
           <a:lstStyle>
@@ -3913,7 +3956,7 @@
             </a:lvl9pPr>
           </a:lstStyle>
           <a:p>
-            <a:pPr indent="0" lvl="0" marL="0">
+            <a:pPr marL="0" lvl="0" indent="0">
               <a:spcBef>
                 <a:spcPts val="0"/>
               </a:spcBef>
@@ -3939,11 +3982,11 @@
 </file>
 
 <file path=ppt/slideLayouts/slideLayout5.xml><?xml version="1.0" encoding="utf-8"?>
-<p:sldLayout xmlns:a="http://schemas.openxmlformats.org/drawingml/2006/main" xmlns:r="http://schemas.openxmlformats.org/officeDocument/2006/relationships" xmlns:mc="http://schemas.openxmlformats.org/markup-compatibility/2006" xmlns:mv="urn:schemas-microsoft-com:mac:vml" xmlns:p="http://schemas.openxmlformats.org/presentationml/2006/main" xmlns:c="http://schemas.openxmlformats.org/drawingml/2006/chart" xmlns:dgm="http://schemas.openxmlformats.org/drawingml/2006/diagram" xmlns:o="urn:schemas-microsoft-com:office:office" xmlns:v="urn:schemas-microsoft-com:vml" xmlns:pvml="urn:schemas-microsoft-com:office:powerpoint" xmlns:com="http://schemas.openxmlformats.org/drawingml/2006/compatibility" xmlns:p14="http://schemas.microsoft.com/office/powerpoint/2010/main" xmlns:p15="http://schemas.microsoft.com/office/powerpoint/2012/main" matchingName="Title only" type="titleOnly">
+<p:sldLayout xmlns:a="http://schemas.openxmlformats.org/drawingml/2006/main" xmlns:r="http://schemas.openxmlformats.org/officeDocument/2006/relationships" xmlns:p="http://schemas.openxmlformats.org/presentationml/2006/main" matchingName="Title only" type="titleOnly">
   <p:cSld name="TITLE_ONLY">
     <p:spTree>
       <p:nvGrpSpPr>
-        <p:cNvPr id="31" name="Shape 31"/>
+        <p:cNvPr id="1" name="Shape 31"/>
         <p:cNvGrpSpPr/>
         <p:nvPr/>
       </p:nvGrpSpPr>
@@ -3962,7 +4005,7 @@
           <p:nvPr/>
         </p:nvSpPr>
         <p:spPr>
-          <a:xfrm flipH="1" rot="10800000">
+          <a:xfrm rot="10800000" flipH="1">
             <a:off x="0" y="656400"/>
             <a:ext cx="9144000" cy="4487100"/>
           </a:xfrm>
@@ -3977,12 +4020,12 @@
           </a:ln>
         </p:spPr>
         <p:txBody>
-          <a:bodyPr anchorCtr="0" anchor="ctr" bIns="91425" lIns="91425" spcFirstLastPara="1" rIns="91425" wrap="square" tIns="91425">
+          <a:bodyPr spcFirstLastPara="1" wrap="square" lIns="91425" tIns="91425" rIns="91425" bIns="91425" anchor="ctr" anchorCtr="0">
             <a:noAutofit/>
           </a:bodyPr>
           <a:lstStyle/>
           <a:p>
-            <a:pPr indent="0" lvl="0" marL="0">
+            <a:pPr marL="0" lvl="0" indent="0">
               <a:spcBef>
                 <a:spcPts val="0"/>
               </a:spcBef>
@@ -3991,9 +4034,6 @@
               </a:spcAft>
               <a:buNone/>
             </a:pPr>
-            <a:r>
-              <a:t/>
-            </a:r>
             <a:endParaRPr/>
           </a:p>
         </p:txBody>
@@ -4034,12 +4074,12 @@
           </a:ln>
         </p:spPr>
         <p:txBody>
-          <a:bodyPr anchorCtr="0" anchor="ctr" bIns="91425" lIns="91425" spcFirstLastPara="1" rIns="91425" wrap="square" tIns="91425">
+          <a:bodyPr spcFirstLastPara="1" wrap="square" lIns="91425" tIns="91425" rIns="91425" bIns="91425" anchor="ctr" anchorCtr="0">
             <a:noAutofit/>
           </a:bodyPr>
           <a:lstStyle/>
           <a:p>
-            <a:pPr indent="0" lvl="0" marL="0">
+            <a:pPr marL="0" lvl="0" indent="0">
               <a:spcBef>
                 <a:spcPts val="0"/>
               </a:spcBef>
@@ -4048,9 +4088,6 @@
               </a:spcAft>
               <a:buNone/>
             </a:pPr>
-            <a:r>
-              <a:t/>
-            </a:r>
             <a:endParaRPr/>
           </a:p>
         </p:txBody>
@@ -4058,7 +4095,9 @@
       <p:sp>
         <p:nvSpPr>
           <p:cNvPr id="34" name="Shape 34"/>
-          <p:cNvSpPr txBox="1"/>
+          <p:cNvSpPr txBox="1">
+            <a:spLocks noGrp="1"/>
+          </p:cNvSpPr>
           <p:nvPr>
             <p:ph type="title"/>
           </p:nvPr>
@@ -4073,7 +4112,7 @@
           </a:prstGeom>
         </p:spPr>
         <p:txBody>
-          <a:bodyPr anchorCtr="0" anchor="ctr" bIns="91425" lIns="91425" spcFirstLastPara="1" rIns="91425" wrap="square" tIns="91425"/>
+          <a:bodyPr spcFirstLastPara="1" wrap="square" lIns="91425" tIns="91425" rIns="91425" bIns="91425" anchor="ctr" anchorCtr="0"/>
           <a:lstStyle>
             <a:lvl1pPr lvl="0">
               <a:spcBef>
@@ -4175,15 +4214,19 @@
               <a:defRPr sz="1800"/>
             </a:lvl9pPr>
           </a:lstStyle>
-          <a:p/>
+          <a:p>
+            <a:endParaRPr/>
+          </a:p>
         </p:txBody>
       </p:sp>
       <p:sp>
         <p:nvSpPr>
           <p:cNvPr id="35" name="Shape 35"/>
-          <p:cNvSpPr txBox="1"/>
+          <p:cNvSpPr txBox="1">
+            <a:spLocks noGrp="1"/>
+          </p:cNvSpPr>
           <p:nvPr>
-            <p:ph idx="12" type="sldNum"/>
+            <p:ph type="sldNum" idx="12"/>
           </p:nvPr>
         </p:nvSpPr>
         <p:spPr>
@@ -4196,7 +4239,7 @@
           </a:prstGeom>
         </p:spPr>
         <p:txBody>
-          <a:bodyPr anchorCtr="0" anchor="ctr" bIns="91425" lIns="91425" spcFirstLastPara="1" rIns="91425" wrap="square" tIns="91425">
+          <a:bodyPr spcFirstLastPara="1" wrap="square" lIns="91425" tIns="91425" rIns="91425" bIns="91425" anchor="ctr" anchorCtr="0">
             <a:noAutofit/>
           </a:bodyPr>
           <a:lstStyle>
@@ -4238,7 +4281,7 @@
             </a:lvl9pPr>
           </a:lstStyle>
           <a:p>
-            <a:pPr indent="0" lvl="0" marL="0">
+            <a:pPr marL="0" lvl="0" indent="0">
               <a:spcBef>
                 <a:spcPts val="0"/>
               </a:spcBef>
@@ -4264,11 +4307,11 @@
 </file>
 
 <file path=ppt/slideLayouts/slideLayout6.xml><?xml version="1.0" encoding="utf-8"?>
-<p:sldLayout xmlns:a="http://schemas.openxmlformats.org/drawingml/2006/main" xmlns:r="http://schemas.openxmlformats.org/officeDocument/2006/relationships" xmlns:mc="http://schemas.openxmlformats.org/markup-compatibility/2006" xmlns:mv="urn:schemas-microsoft-com:mac:vml" xmlns:p="http://schemas.openxmlformats.org/presentationml/2006/main" xmlns:c="http://schemas.openxmlformats.org/drawingml/2006/chart" xmlns:dgm="http://schemas.openxmlformats.org/drawingml/2006/diagram" xmlns:o="urn:schemas-microsoft-com:office:office" xmlns:v="urn:schemas-microsoft-com:vml" xmlns:pvml="urn:schemas-microsoft-com:office:powerpoint" xmlns:com="http://schemas.openxmlformats.org/drawingml/2006/compatibility" xmlns:p14="http://schemas.microsoft.com/office/powerpoint/2010/main" xmlns:p15="http://schemas.microsoft.com/office/powerpoint/2012/main" matchingName="One column text">
+<p:sldLayout xmlns:a="http://schemas.openxmlformats.org/drawingml/2006/main" xmlns:r="http://schemas.openxmlformats.org/officeDocument/2006/relationships" xmlns:p="http://schemas.openxmlformats.org/presentationml/2006/main" matchingName="One column text">
   <p:cSld name="ONE_COLUMN_TEXT">
     <p:spTree>
       <p:nvGrpSpPr>
-        <p:cNvPr id="36" name="Shape 36"/>
+        <p:cNvPr id="1" name="Shape 36"/>
         <p:cNvGrpSpPr/>
         <p:nvPr/>
       </p:nvGrpSpPr>
@@ -4287,7 +4330,7 @@
           <p:nvPr/>
         </p:nvSpPr>
         <p:spPr>
-          <a:xfrm flipH="1" rot="10800000">
+          <a:xfrm rot="10800000" flipH="1">
             <a:off x="3276600" y="25"/>
             <a:ext cx="5867400" cy="5143500"/>
           </a:xfrm>
@@ -4302,12 +4345,12 @@
           </a:ln>
         </p:spPr>
         <p:txBody>
-          <a:bodyPr anchorCtr="0" anchor="ctr" bIns="91425" lIns="91425" spcFirstLastPara="1" rIns="91425" wrap="square" tIns="91425">
+          <a:bodyPr spcFirstLastPara="1" wrap="square" lIns="91425" tIns="91425" rIns="91425" bIns="91425" anchor="ctr" anchorCtr="0">
             <a:noAutofit/>
           </a:bodyPr>
           <a:lstStyle/>
           <a:p>
-            <a:pPr indent="0" lvl="0" marL="0">
+            <a:pPr marL="0" lvl="0" indent="0">
               <a:spcBef>
                 <a:spcPts val="0"/>
               </a:spcBef>
@@ -4316,9 +4359,6 @@
               </a:spcAft>
               <a:buNone/>
             </a:pPr>
-            <a:r>
-              <a:t/>
-            </a:r>
             <a:endParaRPr/>
           </a:p>
         </p:txBody>
@@ -4359,12 +4399,12 @@
           </a:ln>
         </p:spPr>
         <p:txBody>
-          <a:bodyPr anchorCtr="0" anchor="ctr" bIns="91425" lIns="91425" spcFirstLastPara="1" rIns="91425" wrap="square" tIns="91425">
+          <a:bodyPr spcFirstLastPara="1" wrap="square" lIns="91425" tIns="91425" rIns="91425" bIns="91425" anchor="ctr" anchorCtr="0">
             <a:noAutofit/>
           </a:bodyPr>
           <a:lstStyle/>
           <a:p>
-            <a:pPr indent="0" lvl="0" marL="0">
+            <a:pPr marL="0" lvl="0" indent="0">
               <a:spcBef>
                 <a:spcPts val="0"/>
               </a:spcBef>
@@ -4373,9 +4413,6 @@
               </a:spcAft>
               <a:buNone/>
             </a:pPr>
-            <a:r>
-              <a:t/>
-            </a:r>
             <a:endParaRPr/>
           </a:p>
         </p:txBody>
@@ -4383,7 +4420,9 @@
       <p:sp>
         <p:nvSpPr>
           <p:cNvPr id="39" name="Shape 39"/>
-          <p:cNvSpPr txBox="1"/>
+          <p:cNvSpPr txBox="1">
+            <a:spLocks noGrp="1"/>
+          </p:cNvSpPr>
           <p:nvPr>
             <p:ph type="title"/>
           </p:nvPr>
@@ -4398,7 +4437,7 @@
           </a:prstGeom>
         </p:spPr>
         <p:txBody>
-          <a:bodyPr anchorCtr="0" anchor="b" bIns="91425" lIns="91425" spcFirstLastPara="1" rIns="91425" wrap="square" tIns="91425"/>
+          <a:bodyPr spcFirstLastPara="1" wrap="square" lIns="91425" tIns="91425" rIns="91425" bIns="91425" anchor="b" anchorCtr="0"/>
           <a:lstStyle>
             <a:lvl1pPr lvl="0">
               <a:spcBef>
@@ -4500,15 +4539,19 @@
               <a:defRPr sz="2400"/>
             </a:lvl9pPr>
           </a:lstStyle>
-          <a:p/>
+          <a:p>
+            <a:endParaRPr/>
+          </a:p>
         </p:txBody>
       </p:sp>
       <p:sp>
         <p:nvSpPr>
           <p:cNvPr id="40" name="Shape 40"/>
-          <p:cNvSpPr txBox="1"/>
+          <p:cNvSpPr txBox="1">
+            <a:spLocks noGrp="1"/>
+          </p:cNvSpPr>
           <p:nvPr>
-            <p:ph idx="1" type="body"/>
+            <p:ph type="body" idx="1"/>
           </p:nvPr>
         </p:nvSpPr>
         <p:spPr>
@@ -4521,9 +4564,9 @@
           </a:prstGeom>
         </p:spPr>
         <p:txBody>
-          <a:bodyPr anchorCtr="0" anchor="t" bIns="91425" lIns="91425" spcFirstLastPara="1" rIns="91425" wrap="square" tIns="91425"/>
+          <a:bodyPr spcFirstLastPara="1" wrap="square" lIns="91425" tIns="91425" rIns="91425" bIns="91425" anchor="t" anchorCtr="0"/>
           <a:lstStyle>
-            <a:lvl1pPr indent="-304800" lvl="0" marL="457200">
+            <a:lvl1pPr marL="457200" lvl="0" indent="-304800">
               <a:spcBef>
                 <a:spcPts val="0"/>
               </a:spcBef>
@@ -4541,7 +4584,7 @@
                 </a:solidFill>
               </a:defRPr>
             </a:lvl1pPr>
-            <a:lvl2pPr indent="-304800" lvl="1" marL="914400">
+            <a:lvl2pPr marL="914400" lvl="1" indent="-304800">
               <a:spcBef>
                 <a:spcPts val="1600"/>
               </a:spcBef>
@@ -4559,7 +4602,7 @@
                 </a:solidFill>
               </a:defRPr>
             </a:lvl2pPr>
-            <a:lvl3pPr indent="-304800" lvl="2" marL="1371600">
+            <a:lvl3pPr marL="1371600" lvl="2" indent="-304800">
               <a:spcBef>
                 <a:spcPts val="1600"/>
               </a:spcBef>
@@ -4577,7 +4620,7 @@
                 </a:solidFill>
               </a:defRPr>
             </a:lvl3pPr>
-            <a:lvl4pPr indent="-304800" lvl="3" marL="1828800">
+            <a:lvl4pPr marL="1828800" lvl="3" indent="-304800">
               <a:spcBef>
                 <a:spcPts val="1600"/>
               </a:spcBef>
@@ -4595,7 +4638,7 @@
                 </a:solidFill>
               </a:defRPr>
             </a:lvl4pPr>
-            <a:lvl5pPr indent="-304800" lvl="4" marL="2286000">
+            <a:lvl5pPr marL="2286000" lvl="4" indent="-304800">
               <a:spcBef>
                 <a:spcPts val="1600"/>
               </a:spcBef>
@@ -4613,7 +4656,7 @@
                 </a:solidFill>
               </a:defRPr>
             </a:lvl5pPr>
-            <a:lvl6pPr indent="-304800" lvl="5" marL="2743200">
+            <a:lvl6pPr marL="2743200" lvl="5" indent="-304800">
               <a:spcBef>
                 <a:spcPts val="1600"/>
               </a:spcBef>
@@ -4631,7 +4674,7 @@
                 </a:solidFill>
               </a:defRPr>
             </a:lvl6pPr>
-            <a:lvl7pPr indent="-304800" lvl="6" marL="3200400">
+            <a:lvl7pPr marL="3200400" lvl="6" indent="-304800">
               <a:spcBef>
                 <a:spcPts val="1600"/>
               </a:spcBef>
@@ -4649,7 +4692,7 @@
                 </a:solidFill>
               </a:defRPr>
             </a:lvl7pPr>
-            <a:lvl8pPr indent="-304800" lvl="7" marL="3657600">
+            <a:lvl8pPr marL="3657600" lvl="7" indent="-304800">
               <a:spcBef>
                 <a:spcPts val="1600"/>
               </a:spcBef>
@@ -4667,7 +4710,7 @@
                 </a:solidFill>
               </a:defRPr>
             </a:lvl8pPr>
-            <a:lvl9pPr indent="-304800" lvl="8" marL="4114800">
+            <a:lvl9pPr marL="4114800" lvl="8" indent="-304800">
               <a:spcBef>
                 <a:spcPts val="1600"/>
               </a:spcBef>
@@ -4686,15 +4729,19 @@
               </a:defRPr>
             </a:lvl9pPr>
           </a:lstStyle>
-          <a:p/>
+          <a:p>
+            <a:endParaRPr/>
+          </a:p>
         </p:txBody>
       </p:sp>
       <p:sp>
         <p:nvSpPr>
           <p:cNvPr id="41" name="Shape 41"/>
-          <p:cNvSpPr txBox="1"/>
+          <p:cNvSpPr txBox="1">
+            <a:spLocks noGrp="1"/>
+          </p:cNvSpPr>
           <p:nvPr>
-            <p:ph idx="12" type="sldNum"/>
+            <p:ph type="sldNum" idx="12"/>
           </p:nvPr>
         </p:nvSpPr>
         <p:spPr>
@@ -4707,7 +4754,7 @@
           </a:prstGeom>
         </p:spPr>
         <p:txBody>
-          <a:bodyPr anchorCtr="0" anchor="ctr" bIns="91425" lIns="91425" spcFirstLastPara="1" rIns="91425" wrap="square" tIns="91425">
+          <a:bodyPr spcFirstLastPara="1" wrap="square" lIns="91425" tIns="91425" rIns="91425" bIns="91425" anchor="ctr" anchorCtr="0">
             <a:noAutofit/>
           </a:bodyPr>
           <a:lstStyle>
@@ -4749,7 +4796,7 @@
             </a:lvl9pPr>
           </a:lstStyle>
           <a:p>
-            <a:pPr indent="0" lvl="0" marL="0">
+            <a:pPr marL="0" lvl="0" indent="0">
               <a:spcBef>
                 <a:spcPts val="0"/>
               </a:spcBef>
@@ -4775,11 +4822,11 @@
 </file>
 
 <file path=ppt/slideLayouts/slideLayout7.xml><?xml version="1.0" encoding="utf-8"?>
-<p:sldLayout xmlns:a="http://schemas.openxmlformats.org/drawingml/2006/main" xmlns:r="http://schemas.openxmlformats.org/officeDocument/2006/relationships" xmlns:mc="http://schemas.openxmlformats.org/markup-compatibility/2006" xmlns:mv="urn:schemas-microsoft-com:mac:vml" xmlns:p="http://schemas.openxmlformats.org/presentationml/2006/main" xmlns:c="http://schemas.openxmlformats.org/drawingml/2006/chart" xmlns:dgm="http://schemas.openxmlformats.org/drawingml/2006/diagram" xmlns:o="urn:schemas-microsoft-com:office:office" xmlns:v="urn:schemas-microsoft-com:vml" xmlns:pvml="urn:schemas-microsoft-com:office:powerpoint" xmlns:com="http://schemas.openxmlformats.org/drawingml/2006/compatibility" xmlns:p14="http://schemas.microsoft.com/office/powerpoint/2010/main" xmlns:p15="http://schemas.microsoft.com/office/powerpoint/2012/main" matchingName="Main point">
+<p:sldLayout xmlns:a="http://schemas.openxmlformats.org/drawingml/2006/main" xmlns:r="http://schemas.openxmlformats.org/officeDocument/2006/relationships" xmlns:p="http://schemas.openxmlformats.org/presentationml/2006/main" matchingName="Main point">
   <p:cSld name="MAIN_POINT">
     <p:spTree>
       <p:nvGrpSpPr>
-        <p:cNvPr id="42" name="Shape 42"/>
+        <p:cNvPr id="1" name="Shape 42"/>
         <p:cNvGrpSpPr/>
         <p:nvPr/>
       </p:nvGrpSpPr>
@@ -4794,7 +4841,9 @@
       <p:sp>
         <p:nvSpPr>
           <p:cNvPr id="43" name="Shape 43"/>
-          <p:cNvSpPr txBox="1"/>
+          <p:cNvSpPr txBox="1">
+            <a:spLocks noGrp="1"/>
+          </p:cNvSpPr>
           <p:nvPr>
             <p:ph type="title"/>
           </p:nvPr>
@@ -4809,7 +4858,7 @@
           </a:prstGeom>
         </p:spPr>
         <p:txBody>
-          <a:bodyPr anchorCtr="0" anchor="ctr" bIns="91425" lIns="91425" spcFirstLastPara="1" rIns="91425" wrap="square" tIns="91425"/>
+          <a:bodyPr spcFirstLastPara="1" wrap="square" lIns="91425" tIns="91425" rIns="91425" bIns="91425" anchor="ctr" anchorCtr="0"/>
           <a:lstStyle>
             <a:lvl1pPr lvl="0">
               <a:spcBef>
@@ -4911,15 +4960,19 @@
               <a:defRPr sz="6000"/>
             </a:lvl9pPr>
           </a:lstStyle>
-          <a:p/>
+          <a:p>
+            <a:endParaRPr/>
+          </a:p>
         </p:txBody>
       </p:sp>
       <p:sp>
         <p:nvSpPr>
           <p:cNvPr id="44" name="Shape 44"/>
-          <p:cNvSpPr txBox="1"/>
+          <p:cNvSpPr txBox="1">
+            <a:spLocks noGrp="1"/>
+          </p:cNvSpPr>
           <p:nvPr>
-            <p:ph idx="12" type="sldNum"/>
+            <p:ph type="sldNum" idx="12"/>
           </p:nvPr>
         </p:nvSpPr>
         <p:spPr>
@@ -4932,7 +4985,7 @@
           </a:prstGeom>
         </p:spPr>
         <p:txBody>
-          <a:bodyPr anchorCtr="0" anchor="ctr" bIns="91425" lIns="91425" spcFirstLastPara="1" rIns="91425" wrap="square" tIns="91425">
+          <a:bodyPr spcFirstLastPara="1" wrap="square" lIns="91425" tIns="91425" rIns="91425" bIns="91425" anchor="ctr" anchorCtr="0">
             <a:noAutofit/>
           </a:bodyPr>
           <a:lstStyle>
@@ -5010,7 +5063,7 @@
             </a:lvl9pPr>
           </a:lstStyle>
           <a:p>
-            <a:pPr indent="0" lvl="0" marL="0">
+            <a:pPr marL="0" lvl="0" indent="0">
               <a:spcBef>
                 <a:spcPts val="0"/>
               </a:spcBef>
@@ -5036,11 +5089,11 @@
 </file>
 
 <file path=ppt/slideLayouts/slideLayout8.xml><?xml version="1.0" encoding="utf-8"?>
-<p:sldLayout xmlns:a="http://schemas.openxmlformats.org/drawingml/2006/main" xmlns:r="http://schemas.openxmlformats.org/officeDocument/2006/relationships" xmlns:mc="http://schemas.openxmlformats.org/markup-compatibility/2006" xmlns:mv="urn:schemas-microsoft-com:mac:vml" xmlns:p="http://schemas.openxmlformats.org/presentationml/2006/main" xmlns:c="http://schemas.openxmlformats.org/drawingml/2006/chart" xmlns:dgm="http://schemas.openxmlformats.org/drawingml/2006/diagram" xmlns:o="urn:schemas-microsoft-com:office:office" xmlns:v="urn:schemas-microsoft-com:vml" xmlns:pvml="urn:schemas-microsoft-com:office:powerpoint" xmlns:com="http://schemas.openxmlformats.org/drawingml/2006/compatibility" xmlns:p14="http://schemas.microsoft.com/office/powerpoint/2010/main" xmlns:p15="http://schemas.microsoft.com/office/powerpoint/2012/main" matchingName="Section title and description">
+<p:sldLayout xmlns:a="http://schemas.openxmlformats.org/drawingml/2006/main" xmlns:r="http://schemas.openxmlformats.org/officeDocument/2006/relationships" xmlns:p="http://schemas.openxmlformats.org/presentationml/2006/main" matchingName="Section title and description">
   <p:cSld name="SECTION_TITLE_AND_DESCRIPTION">
     <p:spTree>
       <p:nvGrpSpPr>
-        <p:cNvPr id="45" name="Shape 45"/>
+        <p:cNvPr id="1" name="Shape 45"/>
         <p:cNvGrpSpPr/>
         <p:nvPr/>
       </p:nvGrpSpPr>
@@ -5074,12 +5127,12 @@
           </a:ln>
         </p:spPr>
         <p:txBody>
-          <a:bodyPr anchorCtr="0" anchor="ctr" bIns="91425" lIns="91425" spcFirstLastPara="1" rIns="91425" wrap="square" tIns="91425">
+          <a:bodyPr spcFirstLastPara="1" wrap="square" lIns="91425" tIns="91425" rIns="91425" bIns="91425" anchor="ctr" anchorCtr="0">
             <a:noAutofit/>
           </a:bodyPr>
           <a:lstStyle/>
           <a:p>
-            <a:pPr indent="0" lvl="0" marL="0">
+            <a:pPr marL="0" lvl="0" indent="0">
               <a:spcBef>
                 <a:spcPts val="0"/>
               </a:spcBef>
@@ -5088,9 +5141,6 @@
               </a:spcAft>
               <a:buNone/>
             </a:pPr>
-            <a:r>
-              <a:t/>
-            </a:r>
             <a:endParaRPr/>
           </a:p>
         </p:txBody>
@@ -5131,12 +5181,12 @@
           </a:ln>
         </p:spPr>
         <p:txBody>
-          <a:bodyPr anchorCtr="0" anchor="ctr" bIns="91425" lIns="91425" spcFirstLastPara="1" rIns="91425" wrap="square" tIns="91425">
+          <a:bodyPr spcFirstLastPara="1" wrap="square" lIns="91425" tIns="91425" rIns="91425" bIns="91425" anchor="ctr" anchorCtr="0">
             <a:noAutofit/>
           </a:bodyPr>
           <a:lstStyle/>
           <a:p>
-            <a:pPr indent="0" lvl="0" marL="0">
+            <a:pPr marL="0" lvl="0" indent="0">
               <a:spcBef>
                 <a:spcPts val="0"/>
               </a:spcBef>
@@ -5145,9 +5195,6 @@
               </a:spcAft>
               <a:buNone/>
             </a:pPr>
-            <a:r>
-              <a:t/>
-            </a:r>
             <a:endParaRPr/>
           </a:p>
         </p:txBody>
@@ -5155,7 +5202,9 @@
       <p:sp>
         <p:nvSpPr>
           <p:cNvPr id="48" name="Shape 48"/>
-          <p:cNvSpPr txBox="1"/>
+          <p:cNvSpPr txBox="1">
+            <a:spLocks noGrp="1"/>
+          </p:cNvSpPr>
           <p:nvPr>
             <p:ph type="title"/>
           </p:nvPr>
@@ -5170,7 +5219,7 @@
           </a:prstGeom>
         </p:spPr>
         <p:txBody>
-          <a:bodyPr anchorCtr="0" anchor="b" bIns="91425" lIns="91425" spcFirstLastPara="1" rIns="91425" wrap="square" tIns="91425"/>
+          <a:bodyPr spcFirstLastPara="1" wrap="square" lIns="91425" tIns="91425" rIns="91425" bIns="91425" anchor="b" anchorCtr="0"/>
           <a:lstStyle>
             <a:lvl1pPr lvl="0" algn="ctr">
               <a:spcBef>
@@ -5335,15 +5384,19 @@
               </a:defRPr>
             </a:lvl9pPr>
           </a:lstStyle>
-          <a:p/>
+          <a:p>
+            <a:endParaRPr/>
+          </a:p>
         </p:txBody>
       </p:sp>
       <p:sp>
         <p:nvSpPr>
           <p:cNvPr id="49" name="Shape 49"/>
-          <p:cNvSpPr txBox="1"/>
+          <p:cNvSpPr txBox="1">
+            <a:spLocks noGrp="1"/>
+          </p:cNvSpPr>
           <p:nvPr>
-            <p:ph idx="1" type="subTitle"/>
+            <p:ph type="subTitle" idx="1"/>
           </p:nvPr>
         </p:nvSpPr>
         <p:spPr>
@@ -5356,7 +5409,7 @@
           </a:prstGeom>
         </p:spPr>
         <p:txBody>
-          <a:bodyPr anchorCtr="0" anchor="t" bIns="91425" lIns="91425" spcFirstLastPara="1" rIns="91425" wrap="square" tIns="91425"/>
+          <a:bodyPr spcFirstLastPara="1" wrap="square" lIns="91425" tIns="91425" rIns="91425" bIns="91425" anchor="t" anchorCtr="0"/>
           <a:lstStyle>
             <a:lvl1pPr lvl="0" algn="ctr">
               <a:lnSpc>
@@ -5485,15 +5538,19 @@
               <a:defRPr sz="2100"/>
             </a:lvl9pPr>
           </a:lstStyle>
-          <a:p/>
+          <a:p>
+            <a:endParaRPr/>
+          </a:p>
         </p:txBody>
       </p:sp>
       <p:sp>
         <p:nvSpPr>
           <p:cNvPr id="50" name="Shape 50"/>
-          <p:cNvSpPr txBox="1"/>
+          <p:cNvSpPr txBox="1">
+            <a:spLocks noGrp="1"/>
+          </p:cNvSpPr>
           <p:nvPr>
-            <p:ph idx="2" type="body"/>
+            <p:ph type="body" idx="2"/>
           </p:nvPr>
         </p:nvSpPr>
         <p:spPr>
@@ -5506,9 +5563,9 @@
           </a:prstGeom>
         </p:spPr>
         <p:txBody>
-          <a:bodyPr anchorCtr="0" anchor="ctr" bIns="91425" lIns="91425" spcFirstLastPara="1" rIns="91425" wrap="square" tIns="91425"/>
+          <a:bodyPr spcFirstLastPara="1" wrap="square" lIns="91425" tIns="91425" rIns="91425" bIns="91425" anchor="ctr" anchorCtr="0"/>
           <a:lstStyle>
-            <a:lvl1pPr indent="-342900" lvl="0" marL="457200">
+            <a:lvl1pPr marL="457200" lvl="0" indent="-342900">
               <a:spcBef>
                 <a:spcPts val="0"/>
               </a:spcBef>
@@ -5526,7 +5583,7 @@
                 </a:solidFill>
               </a:defRPr>
             </a:lvl1pPr>
-            <a:lvl2pPr indent="-317500" lvl="1" marL="914400">
+            <a:lvl2pPr marL="914400" lvl="1" indent="-317500">
               <a:spcBef>
                 <a:spcPts val="1600"/>
               </a:spcBef>
@@ -5544,7 +5601,7 @@
                 </a:solidFill>
               </a:defRPr>
             </a:lvl2pPr>
-            <a:lvl3pPr indent="-317500" lvl="2" marL="1371600">
+            <a:lvl3pPr marL="1371600" lvl="2" indent="-317500">
               <a:spcBef>
                 <a:spcPts val="1600"/>
               </a:spcBef>
@@ -5562,7 +5619,7 @@
                 </a:solidFill>
               </a:defRPr>
             </a:lvl3pPr>
-            <a:lvl4pPr indent="-317500" lvl="3" marL="1828800">
+            <a:lvl4pPr marL="1828800" lvl="3" indent="-317500">
               <a:spcBef>
                 <a:spcPts val="1600"/>
               </a:spcBef>
@@ -5580,7 +5637,7 @@
                 </a:solidFill>
               </a:defRPr>
             </a:lvl4pPr>
-            <a:lvl5pPr indent="-317500" lvl="4" marL="2286000">
+            <a:lvl5pPr marL="2286000" lvl="4" indent="-317500">
               <a:spcBef>
                 <a:spcPts val="1600"/>
               </a:spcBef>
@@ -5598,7 +5655,7 @@
                 </a:solidFill>
               </a:defRPr>
             </a:lvl5pPr>
-            <a:lvl6pPr indent="-317500" lvl="5" marL="2743200">
+            <a:lvl6pPr marL="2743200" lvl="5" indent="-317500">
               <a:spcBef>
                 <a:spcPts val="1600"/>
               </a:spcBef>
@@ -5616,7 +5673,7 @@
                 </a:solidFill>
               </a:defRPr>
             </a:lvl6pPr>
-            <a:lvl7pPr indent="-317500" lvl="6" marL="3200400">
+            <a:lvl7pPr marL="3200400" lvl="6" indent="-317500">
               <a:spcBef>
                 <a:spcPts val="1600"/>
               </a:spcBef>
@@ -5634,7 +5691,7 @@
                 </a:solidFill>
               </a:defRPr>
             </a:lvl7pPr>
-            <a:lvl8pPr indent="-317500" lvl="7" marL="3657600">
+            <a:lvl8pPr marL="3657600" lvl="7" indent="-317500">
               <a:spcBef>
                 <a:spcPts val="1600"/>
               </a:spcBef>
@@ -5652,7 +5709,7 @@
                 </a:solidFill>
               </a:defRPr>
             </a:lvl8pPr>
-            <a:lvl9pPr indent="-317500" lvl="8" marL="4114800">
+            <a:lvl9pPr marL="4114800" lvl="8" indent="-317500">
               <a:spcBef>
                 <a:spcPts val="1600"/>
               </a:spcBef>
@@ -5671,15 +5728,19 @@
               </a:defRPr>
             </a:lvl9pPr>
           </a:lstStyle>
-          <a:p/>
+          <a:p>
+            <a:endParaRPr/>
+          </a:p>
         </p:txBody>
       </p:sp>
       <p:sp>
         <p:nvSpPr>
           <p:cNvPr id="51" name="Shape 51"/>
-          <p:cNvSpPr txBox="1"/>
+          <p:cNvSpPr txBox="1">
+            <a:spLocks noGrp="1"/>
+          </p:cNvSpPr>
           <p:nvPr>
-            <p:ph idx="12" type="sldNum"/>
+            <p:ph type="sldNum" idx="12"/>
           </p:nvPr>
         </p:nvSpPr>
         <p:spPr>
@@ -5692,7 +5753,7 @@
           </a:prstGeom>
         </p:spPr>
         <p:txBody>
-          <a:bodyPr anchorCtr="0" anchor="ctr" bIns="91425" lIns="91425" spcFirstLastPara="1" rIns="91425" wrap="square" tIns="91425">
+          <a:bodyPr spcFirstLastPara="1" wrap="square" lIns="91425" tIns="91425" rIns="91425" bIns="91425" anchor="ctr" anchorCtr="0">
             <a:noAutofit/>
           </a:bodyPr>
           <a:lstStyle>
@@ -5770,7 +5831,7 @@
             </a:lvl9pPr>
           </a:lstStyle>
           <a:p>
-            <a:pPr indent="0" lvl="0" marL="0">
+            <a:pPr marL="0" lvl="0" indent="0">
               <a:spcBef>
                 <a:spcPts val="0"/>
               </a:spcBef>
@@ -5796,11 +5857,11 @@
 </file>
 
 <file path=ppt/slideLayouts/slideLayout9.xml><?xml version="1.0" encoding="utf-8"?>
-<p:sldLayout xmlns:a="http://schemas.openxmlformats.org/drawingml/2006/main" xmlns:r="http://schemas.openxmlformats.org/officeDocument/2006/relationships" xmlns:mc="http://schemas.openxmlformats.org/markup-compatibility/2006" xmlns:mv="urn:schemas-microsoft-com:mac:vml" xmlns:p="http://schemas.openxmlformats.org/presentationml/2006/main" xmlns:c="http://schemas.openxmlformats.org/drawingml/2006/chart" xmlns:dgm="http://schemas.openxmlformats.org/drawingml/2006/diagram" xmlns:o="urn:schemas-microsoft-com:office:office" xmlns:v="urn:schemas-microsoft-com:vml" xmlns:pvml="urn:schemas-microsoft-com:office:powerpoint" xmlns:com="http://schemas.openxmlformats.org/drawingml/2006/compatibility" xmlns:p14="http://schemas.microsoft.com/office/powerpoint/2010/main" xmlns:p15="http://schemas.microsoft.com/office/powerpoint/2012/main" matchingName="Caption">
+<p:sldLayout xmlns:a="http://schemas.openxmlformats.org/drawingml/2006/main" xmlns:r="http://schemas.openxmlformats.org/officeDocument/2006/relationships" xmlns:p="http://schemas.openxmlformats.org/presentationml/2006/main" matchingName="Caption">
   <p:cSld name="CAPTION_ONLY">
     <p:spTree>
       <p:nvGrpSpPr>
-        <p:cNvPr id="52" name="Shape 52"/>
+        <p:cNvPr id="1" name="Shape 52"/>
         <p:cNvGrpSpPr/>
         <p:nvPr/>
       </p:nvGrpSpPr>
@@ -5819,7 +5880,7 @@
           <p:nvPr/>
         </p:nvSpPr>
         <p:spPr>
-          <a:xfrm flipH="1" rot="10800000">
+          <a:xfrm rot="10800000" flipH="1">
             <a:off x="0" y="0"/>
             <a:ext cx="9144000" cy="4695900"/>
           </a:xfrm>
@@ -5834,12 +5895,12 @@
           </a:ln>
         </p:spPr>
         <p:txBody>
-          <a:bodyPr anchorCtr="0" anchor="ctr" bIns="91425" lIns="91425" spcFirstLastPara="1" rIns="91425" wrap="square" tIns="91425">
+          <a:bodyPr spcFirstLastPara="1" wrap="square" lIns="91425" tIns="91425" rIns="91425" bIns="91425" anchor="ctr" anchorCtr="0">
             <a:noAutofit/>
           </a:bodyPr>
           <a:lstStyle/>
           <a:p>
-            <a:pPr indent="0" lvl="0" marL="0">
+            <a:pPr marL="0" lvl="0" indent="0">
               <a:spcBef>
                 <a:spcPts val="0"/>
               </a:spcBef>
@@ -5848,9 +5909,6 @@
               </a:spcAft>
               <a:buNone/>
             </a:pPr>
-            <a:r>
-              <a:t/>
-            </a:r>
             <a:endParaRPr/>
           </a:p>
         </p:txBody>
@@ -5862,7 +5920,7 @@
           <p:nvPr/>
         </p:nvSpPr>
         <p:spPr>
-          <a:xfrm flipH="1" rot="10800000">
+          <a:xfrm rot="10800000" flipH="1">
             <a:off x="0" y="4622725"/>
             <a:ext cx="9144000" cy="74100"/>
           </a:xfrm>
@@ -5891,12 +5949,12 @@
           </a:ln>
         </p:spPr>
         <p:txBody>
-          <a:bodyPr anchorCtr="0" anchor="ctr" bIns="91425" lIns="91425" spcFirstLastPara="1" rIns="91425" wrap="square" tIns="91425">
+          <a:bodyPr spcFirstLastPara="1" wrap="square" lIns="91425" tIns="91425" rIns="91425" bIns="91425" anchor="ctr" anchorCtr="0">
             <a:noAutofit/>
           </a:bodyPr>
           <a:lstStyle/>
           <a:p>
-            <a:pPr indent="0" lvl="0" marL="0">
+            <a:pPr marL="0" lvl="0" indent="0">
               <a:spcBef>
                 <a:spcPts val="0"/>
               </a:spcBef>
@@ -5905,9 +5963,6 @@
               </a:spcAft>
               <a:buNone/>
             </a:pPr>
-            <a:r>
-              <a:t/>
-            </a:r>
             <a:endParaRPr/>
           </a:p>
         </p:txBody>
@@ -5915,9 +5970,11 @@
       <p:sp>
         <p:nvSpPr>
           <p:cNvPr id="55" name="Shape 55"/>
-          <p:cNvSpPr txBox="1"/>
+          <p:cNvSpPr txBox="1">
+            <a:spLocks noGrp="1"/>
+          </p:cNvSpPr>
           <p:nvPr>
-            <p:ph idx="1" type="body"/>
+            <p:ph type="body" idx="1"/>
           </p:nvPr>
         </p:nvSpPr>
         <p:spPr>
@@ -5930,9 +5987,9 @@
           </a:prstGeom>
         </p:spPr>
         <p:txBody>
-          <a:bodyPr anchorCtr="0" anchor="ctr" bIns="91425" lIns="91425" spcFirstLastPara="1" rIns="91425" wrap="square" tIns="91425"/>
+          <a:bodyPr spcFirstLastPara="1" wrap="square" lIns="91425" tIns="91425" rIns="91425" bIns="91425" anchor="ctr" anchorCtr="0"/>
           <a:lstStyle>
-            <a:lvl1pPr indent="-228600" lvl="0" marL="457200">
+            <a:lvl1pPr marL="457200" lvl="0" indent="-228600">
               <a:lnSpc>
                 <a:spcPct val="100000"/>
               </a:lnSpc>
@@ -5954,15 +6011,19 @@
               </a:defRPr>
             </a:lvl1pPr>
           </a:lstStyle>
-          <a:p/>
+          <a:p>
+            <a:endParaRPr/>
+          </a:p>
         </p:txBody>
       </p:sp>
       <p:sp>
         <p:nvSpPr>
           <p:cNvPr id="56" name="Shape 56"/>
-          <p:cNvSpPr txBox="1"/>
+          <p:cNvSpPr txBox="1">
+            <a:spLocks noGrp="1"/>
+          </p:cNvSpPr>
           <p:nvPr>
-            <p:ph idx="12" type="sldNum"/>
+            <p:ph type="sldNum" idx="12"/>
           </p:nvPr>
         </p:nvSpPr>
         <p:spPr>
@@ -5975,7 +6036,7 @@
           </a:prstGeom>
         </p:spPr>
         <p:txBody>
-          <a:bodyPr anchorCtr="0" anchor="ctr" bIns="91425" lIns="91425" spcFirstLastPara="1" rIns="91425" wrap="square" tIns="91425">
+          <a:bodyPr spcFirstLastPara="1" wrap="square" lIns="91425" tIns="91425" rIns="91425" bIns="91425" anchor="ctr" anchorCtr="0">
             <a:noAutofit/>
           </a:bodyPr>
           <a:lstStyle>
@@ -6053,7 +6114,7 @@
             </a:lvl9pPr>
           </a:lstStyle>
           <a:p>
-            <a:pPr indent="0" lvl="0" marL="0">
+            <a:pPr marL="0" lvl="0" indent="0">
               <a:spcBef>
                 <a:spcPts val="0"/>
               </a:spcBef>
@@ -6079,18 +6140,19 @@
 </file>
 
 <file path=ppt/slideMasters/slideMaster1.xml><?xml version="1.0" encoding="utf-8"?>
-<p:sldMaster xmlns:a="http://schemas.openxmlformats.org/drawingml/2006/main" xmlns:r="http://schemas.openxmlformats.org/officeDocument/2006/relationships" xmlns:mc="http://schemas.openxmlformats.org/markup-compatibility/2006" xmlns:mv="urn:schemas-microsoft-com:mac:vml" xmlns:p="http://schemas.openxmlformats.org/presentationml/2006/main" xmlns:c="http://schemas.openxmlformats.org/drawingml/2006/chart" xmlns:dgm="http://schemas.openxmlformats.org/drawingml/2006/diagram" xmlns:o="urn:schemas-microsoft-com:office:office" xmlns:v="urn:schemas-microsoft-com:vml" xmlns:pvml="urn:schemas-microsoft-com:office:powerpoint" xmlns:com="http://schemas.openxmlformats.org/drawingml/2006/compatibility" xmlns:p14="http://schemas.microsoft.com/office/powerpoint/2010/main" xmlns:p15="http://schemas.microsoft.com/office/powerpoint/2012/main">
+<p:sldMaster xmlns:a="http://schemas.openxmlformats.org/drawingml/2006/main" xmlns:r="http://schemas.openxmlformats.org/officeDocument/2006/relationships" xmlns:p="http://schemas.openxmlformats.org/presentationml/2006/main">
   <p:cSld name="material">
     <p:bg>
       <p:bgPr>
         <a:solidFill>
           <a:schemeClr val="dk1"/>
         </a:solidFill>
+        <a:effectLst/>
       </p:bgPr>
     </p:bg>
     <p:spTree>
       <p:nvGrpSpPr>
-        <p:cNvPr id="5" name="Shape 5"/>
+        <p:cNvPr id="1" name="Shape 5"/>
         <p:cNvGrpSpPr/>
         <p:nvPr/>
       </p:nvGrpSpPr>
@@ -6105,7 +6167,9 @@
       <p:sp>
         <p:nvSpPr>
           <p:cNvPr id="6" name="Shape 6"/>
-          <p:cNvSpPr txBox="1"/>
+          <p:cNvSpPr txBox="1">
+            <a:spLocks noGrp="1"/>
+          </p:cNvSpPr>
           <p:nvPr>
             <p:ph type="title"/>
           </p:nvPr>
@@ -6124,7 +6188,7 @@
           </a:ln>
         </p:spPr>
         <p:txBody>
-          <a:bodyPr anchorCtr="0" anchor="b" bIns="91425" lIns="91425" spcFirstLastPara="1" rIns="91425" wrap="square" tIns="91425"/>
+          <a:bodyPr spcFirstLastPara="1" wrap="square" lIns="91425" tIns="91425" rIns="91425" bIns="91425" anchor="b" anchorCtr="0"/>
           <a:lstStyle>
             <a:lvl1pPr lvl="0">
               <a:spcBef>
@@ -6334,15 +6398,19 @@
               </a:defRPr>
             </a:lvl9pPr>
           </a:lstStyle>
-          <a:p/>
+          <a:p>
+            <a:endParaRPr/>
+          </a:p>
         </p:txBody>
       </p:sp>
       <p:sp>
         <p:nvSpPr>
           <p:cNvPr id="7" name="Shape 7"/>
-          <p:cNvSpPr txBox="1"/>
+          <p:cNvSpPr txBox="1">
+            <a:spLocks noGrp="1"/>
+          </p:cNvSpPr>
           <p:nvPr>
-            <p:ph idx="1" type="body"/>
+            <p:ph type="body" idx="1"/>
           </p:nvPr>
         </p:nvSpPr>
         <p:spPr>
@@ -6359,9 +6427,9 @@
           </a:ln>
         </p:spPr>
         <p:txBody>
-          <a:bodyPr anchorCtr="0" anchor="t" bIns="91425" lIns="91425" spcFirstLastPara="1" rIns="91425" wrap="square" tIns="91425"/>
+          <a:bodyPr spcFirstLastPara="1" wrap="square" lIns="91425" tIns="91425" rIns="91425" bIns="91425" anchor="t" anchorCtr="0"/>
           <a:lstStyle>
-            <a:lvl1pPr indent="-342900" lvl="0" marL="457200">
+            <a:lvl1pPr marL="457200" lvl="0" indent="-342900">
               <a:lnSpc>
                 <a:spcPct val="115000"/>
               </a:lnSpc>
@@ -6387,7 +6455,7 @@
                 <a:sym typeface="Roboto"/>
               </a:defRPr>
             </a:lvl1pPr>
-            <a:lvl2pPr indent="-317500" lvl="1" marL="914400">
+            <a:lvl2pPr marL="914400" lvl="1" indent="-317500">
               <a:lnSpc>
                 <a:spcPct val="115000"/>
               </a:lnSpc>
@@ -6413,7 +6481,7 @@
                 <a:sym typeface="Roboto"/>
               </a:defRPr>
             </a:lvl2pPr>
-            <a:lvl3pPr indent="-317500" lvl="2" marL="1371600">
+            <a:lvl3pPr marL="1371600" lvl="2" indent="-317500">
               <a:lnSpc>
                 <a:spcPct val="115000"/>
               </a:lnSpc>
@@ -6439,7 +6507,7 @@
                 <a:sym typeface="Roboto"/>
               </a:defRPr>
             </a:lvl3pPr>
-            <a:lvl4pPr indent="-317500" lvl="3" marL="1828800">
+            <a:lvl4pPr marL="1828800" lvl="3" indent="-317500">
               <a:lnSpc>
                 <a:spcPct val="115000"/>
               </a:lnSpc>
@@ -6465,7 +6533,7 @@
                 <a:sym typeface="Roboto"/>
               </a:defRPr>
             </a:lvl4pPr>
-            <a:lvl5pPr indent="-317500" lvl="4" marL="2286000">
+            <a:lvl5pPr marL="2286000" lvl="4" indent="-317500">
               <a:lnSpc>
                 <a:spcPct val="115000"/>
               </a:lnSpc>
@@ -6491,7 +6559,7 @@
                 <a:sym typeface="Roboto"/>
               </a:defRPr>
             </a:lvl5pPr>
-            <a:lvl6pPr indent="-317500" lvl="5" marL="2743200">
+            <a:lvl6pPr marL="2743200" lvl="5" indent="-317500">
               <a:lnSpc>
                 <a:spcPct val="115000"/>
               </a:lnSpc>
@@ -6517,7 +6585,7 @@
                 <a:sym typeface="Roboto"/>
               </a:defRPr>
             </a:lvl6pPr>
-            <a:lvl7pPr indent="-317500" lvl="6" marL="3200400">
+            <a:lvl7pPr marL="3200400" lvl="6" indent="-317500">
               <a:lnSpc>
                 <a:spcPct val="115000"/>
               </a:lnSpc>
@@ -6543,7 +6611,7 @@
                 <a:sym typeface="Roboto"/>
               </a:defRPr>
             </a:lvl7pPr>
-            <a:lvl8pPr indent="-317500" lvl="7" marL="3657600">
+            <a:lvl8pPr marL="3657600" lvl="7" indent="-317500">
               <a:lnSpc>
                 <a:spcPct val="115000"/>
               </a:lnSpc>
@@ -6569,7 +6637,7 @@
                 <a:sym typeface="Roboto"/>
               </a:defRPr>
             </a:lvl8pPr>
-            <a:lvl9pPr indent="-317500" lvl="8" marL="4114800">
+            <a:lvl9pPr marL="4114800" lvl="8" indent="-317500">
               <a:lnSpc>
                 <a:spcPct val="115000"/>
               </a:lnSpc>
@@ -6596,15 +6664,19 @@
               </a:defRPr>
             </a:lvl9pPr>
           </a:lstStyle>
-          <a:p/>
+          <a:p>
+            <a:endParaRPr/>
+          </a:p>
         </p:txBody>
       </p:sp>
       <p:sp>
         <p:nvSpPr>
           <p:cNvPr id="8" name="Shape 8"/>
-          <p:cNvSpPr txBox="1"/>
+          <p:cNvSpPr txBox="1">
+            <a:spLocks noGrp="1"/>
+          </p:cNvSpPr>
           <p:nvPr>
-            <p:ph idx="12" type="sldNum"/>
+            <p:ph type="sldNum" idx="12"/>
           </p:nvPr>
         </p:nvSpPr>
         <p:spPr>
@@ -6621,7 +6693,7 @@
           </a:ln>
         </p:spPr>
         <p:txBody>
-          <a:bodyPr anchorCtr="0" anchor="ctr" bIns="91425" lIns="91425" spcFirstLastPara="1" rIns="91425" wrap="square" tIns="91425">
+          <a:bodyPr spcFirstLastPara="1" wrap="square" lIns="91425" tIns="91425" rIns="91425" bIns="91425" anchor="ctr" anchorCtr="0">
             <a:noAutofit/>
           </a:bodyPr>
           <a:lstStyle>
@@ -6735,7 +6807,7 @@
             </a:lvl9pPr>
           </a:lstStyle>
           <a:p>
-            <a:pPr indent="0" lvl="0" marL="0">
+            <a:pPr marL="0" lvl="0" indent="0">
               <a:spcBef>
                 <a:spcPts val="0"/>
               </a:spcBef>
@@ -6754,7 +6826,7 @@
       </p:sp>
     </p:spTree>
   </p:cSld>
-  <p:clrMap accent1="accent1" accent2="accent2" accent3="accent3" accent4="accent4" accent5="accent5" accent6="accent6" bg1="lt1" bg2="dk2" tx1="dk1" tx2="lt2" folHlink="folHlink" hlink="hlink"/>
+  <p:clrMap bg1="lt1" tx1="dk1" bg2="dk2" tx2="lt2" accent1="accent1" accent2="accent2" accent3="accent3" accent4="accent4" accent5="accent5" accent6="accent6" hlink="hlink" folHlink="folHlink"/>
   <p:sldLayoutIdLst>
     <p:sldLayoutId id="2147483648" r:id="rId1"/>
     <p:sldLayoutId id="2147483649" r:id="rId2"/>
@@ -6768,10 +6840,10 @@
     <p:sldLayoutId id="2147483657" r:id="rId10"/>
     <p:sldLayoutId id="2147483658" r:id="rId11"/>
   </p:sldLayoutIdLst>
-  <p:hf dt="0" ftr="0" hdr="0" sldNum="0"/>
+  <p:hf sldNum="0" hdr="0" ftr="0" dt="0"/>
   <p:txStyles>
     <p:titleStyle>
-      <a:defPPr lvl="0" marR="0" rtl="0" algn="l">
+      <a:defPPr marR="0" lvl="0" algn="l" rtl="0">
         <a:lnSpc>
           <a:spcPct val="100000"/>
         </a:lnSpc>
@@ -6782,7 +6854,7 @@
           <a:spcPts val="0"/>
         </a:spcAft>
       </a:defPPr>
-      <a:lvl1pPr lvl="0" marR="0" rtl="0" algn="l">
+      <a:lvl1pPr marR="0" lvl="0" algn="l" rtl="0">
         <a:lnSpc>
           <a:spcPct val="100000"/>
         </a:lnSpc>
@@ -6796,7 +6868,7 @@
           <a:srgbClr val="000000"/>
         </a:buClr>
         <a:buFont typeface="Arial"/>
-        <a:defRPr b="0" i="0" sz="1400" u="none" cap="none" strike="noStrike">
+        <a:defRPr sz="1400" b="0" i="0" u="none" strike="noStrike" cap="none">
           <a:solidFill>
             <a:srgbClr val="000000"/>
           </a:solidFill>
@@ -6806,7 +6878,7 @@
           <a:sym typeface="Arial"/>
         </a:defRPr>
       </a:lvl1pPr>
-      <a:lvl2pPr lvl="1" marR="0" rtl="0" algn="l">
+      <a:lvl2pPr marR="0" lvl="1" algn="l" rtl="0">
         <a:lnSpc>
           <a:spcPct val="100000"/>
         </a:lnSpc>
@@ -6820,7 +6892,7 @@
           <a:srgbClr val="000000"/>
         </a:buClr>
         <a:buFont typeface="Arial"/>
-        <a:defRPr b="0" i="0" sz="1400" u="none" cap="none" strike="noStrike">
+        <a:defRPr sz="1400" b="0" i="0" u="none" strike="noStrike" cap="none">
           <a:solidFill>
             <a:srgbClr val="000000"/>
           </a:solidFill>
@@ -6830,7 +6902,7 @@
           <a:sym typeface="Arial"/>
         </a:defRPr>
       </a:lvl2pPr>
-      <a:lvl3pPr lvl="2" marR="0" rtl="0" algn="l">
+      <a:lvl3pPr marR="0" lvl="2" algn="l" rtl="0">
         <a:lnSpc>
           <a:spcPct val="100000"/>
         </a:lnSpc>
@@ -6844,7 +6916,7 @@
           <a:srgbClr val="000000"/>
         </a:buClr>
         <a:buFont typeface="Arial"/>
-        <a:defRPr b="0" i="0" sz="1400" u="none" cap="none" strike="noStrike">
+        <a:defRPr sz="1400" b="0" i="0" u="none" strike="noStrike" cap="none">
           <a:solidFill>
             <a:srgbClr val="000000"/>
           </a:solidFill>
@@ -6854,7 +6926,7 @@
           <a:sym typeface="Arial"/>
         </a:defRPr>
       </a:lvl3pPr>
-      <a:lvl4pPr lvl="3" marR="0" rtl="0" algn="l">
+      <a:lvl4pPr marR="0" lvl="3" algn="l" rtl="0">
         <a:lnSpc>
           <a:spcPct val="100000"/>
         </a:lnSpc>
@@ -6868,7 +6940,7 @@
           <a:srgbClr val="000000"/>
         </a:buClr>
         <a:buFont typeface="Arial"/>
-        <a:defRPr b="0" i="0" sz="1400" u="none" cap="none" strike="noStrike">
+        <a:defRPr sz="1400" b="0" i="0" u="none" strike="noStrike" cap="none">
           <a:solidFill>
             <a:srgbClr val="000000"/>
           </a:solidFill>
@@ -6878,7 +6950,7 @@
           <a:sym typeface="Arial"/>
         </a:defRPr>
       </a:lvl4pPr>
-      <a:lvl5pPr lvl="4" marR="0" rtl="0" algn="l">
+      <a:lvl5pPr marR="0" lvl="4" algn="l" rtl="0">
         <a:lnSpc>
           <a:spcPct val="100000"/>
         </a:lnSpc>
@@ -6892,7 +6964,7 @@
           <a:srgbClr val="000000"/>
         </a:buClr>
         <a:buFont typeface="Arial"/>
-        <a:defRPr b="0" i="0" sz="1400" u="none" cap="none" strike="noStrike">
+        <a:defRPr sz="1400" b="0" i="0" u="none" strike="noStrike" cap="none">
           <a:solidFill>
             <a:srgbClr val="000000"/>
           </a:solidFill>
@@ -6902,7 +6974,7 @@
           <a:sym typeface="Arial"/>
         </a:defRPr>
       </a:lvl5pPr>
-      <a:lvl6pPr lvl="5" marR="0" rtl="0" algn="l">
+      <a:lvl6pPr marR="0" lvl="5" algn="l" rtl="0">
         <a:lnSpc>
           <a:spcPct val="100000"/>
         </a:lnSpc>
@@ -6916,7 +6988,7 @@
           <a:srgbClr val="000000"/>
         </a:buClr>
         <a:buFont typeface="Arial"/>
-        <a:defRPr b="0" i="0" sz="1400" u="none" cap="none" strike="noStrike">
+        <a:defRPr sz="1400" b="0" i="0" u="none" strike="noStrike" cap="none">
           <a:solidFill>
             <a:srgbClr val="000000"/>
           </a:solidFill>
@@ -6926,7 +6998,7 @@
           <a:sym typeface="Arial"/>
         </a:defRPr>
       </a:lvl6pPr>
-      <a:lvl7pPr lvl="6" marR="0" rtl="0" algn="l">
+      <a:lvl7pPr marR="0" lvl="6" algn="l" rtl="0">
         <a:lnSpc>
           <a:spcPct val="100000"/>
         </a:lnSpc>
@@ -6940,7 +7012,7 @@
           <a:srgbClr val="000000"/>
         </a:buClr>
         <a:buFont typeface="Arial"/>
-        <a:defRPr b="0" i="0" sz="1400" u="none" cap="none" strike="noStrike">
+        <a:defRPr sz="1400" b="0" i="0" u="none" strike="noStrike" cap="none">
           <a:solidFill>
             <a:srgbClr val="000000"/>
           </a:solidFill>
@@ -6950,7 +7022,7 @@
           <a:sym typeface="Arial"/>
         </a:defRPr>
       </a:lvl7pPr>
-      <a:lvl8pPr lvl="7" marR="0" rtl="0" algn="l">
+      <a:lvl8pPr marR="0" lvl="7" algn="l" rtl="0">
         <a:lnSpc>
           <a:spcPct val="100000"/>
         </a:lnSpc>
@@ -6964,7 +7036,7 @@
           <a:srgbClr val="000000"/>
         </a:buClr>
         <a:buFont typeface="Arial"/>
-        <a:defRPr b="0" i="0" sz="1400" u="none" cap="none" strike="noStrike">
+        <a:defRPr sz="1400" b="0" i="0" u="none" strike="noStrike" cap="none">
           <a:solidFill>
             <a:srgbClr val="000000"/>
           </a:solidFill>
@@ -6974,7 +7046,7 @@
           <a:sym typeface="Arial"/>
         </a:defRPr>
       </a:lvl8pPr>
-      <a:lvl9pPr lvl="8" marR="0" rtl="0" algn="l">
+      <a:lvl9pPr marR="0" lvl="8" algn="l" rtl="0">
         <a:lnSpc>
           <a:spcPct val="100000"/>
         </a:lnSpc>
@@ -6988,7 +7060,7 @@
           <a:srgbClr val="000000"/>
         </a:buClr>
         <a:buFont typeface="Arial"/>
-        <a:defRPr b="0" i="0" sz="1400" u="none" cap="none" strike="noStrike">
+        <a:defRPr sz="1400" b="0" i="0" u="none" strike="noStrike" cap="none">
           <a:solidFill>
             <a:srgbClr val="000000"/>
           </a:solidFill>
@@ -7000,7 +7072,7 @@
       </a:lvl9pPr>
     </p:titleStyle>
     <p:bodyStyle>
-      <a:defPPr lvl="0" marR="0" rtl="0" algn="l">
+      <a:defPPr marR="0" lvl="0" algn="l" rtl="0">
         <a:lnSpc>
           <a:spcPct val="100000"/>
         </a:lnSpc>
@@ -7011,7 +7083,7 @@
           <a:spcPts val="0"/>
         </a:spcAft>
       </a:defPPr>
-      <a:lvl1pPr lvl="0" marR="0" rtl="0" algn="l">
+      <a:lvl1pPr marR="0" lvl="0" algn="l" rtl="0">
         <a:lnSpc>
           <a:spcPct val="100000"/>
         </a:lnSpc>
@@ -7025,7 +7097,7 @@
           <a:srgbClr val="000000"/>
         </a:buClr>
         <a:buFont typeface="Arial"/>
-        <a:defRPr b="0" i="0" sz="1400" u="none" cap="none" strike="noStrike">
+        <a:defRPr sz="1400" b="0" i="0" u="none" strike="noStrike" cap="none">
           <a:solidFill>
             <a:srgbClr val="000000"/>
           </a:solidFill>
@@ -7035,7 +7107,7 @@
           <a:sym typeface="Arial"/>
         </a:defRPr>
       </a:lvl1pPr>
-      <a:lvl2pPr lvl="1" marR="0" rtl="0" algn="l">
+      <a:lvl2pPr marR="0" lvl="1" algn="l" rtl="0">
         <a:lnSpc>
           <a:spcPct val="100000"/>
         </a:lnSpc>
@@ -7049,7 +7121,7 @@
           <a:srgbClr val="000000"/>
         </a:buClr>
         <a:buFont typeface="Arial"/>
-        <a:defRPr b="0" i="0" sz="1400" u="none" cap="none" strike="noStrike">
+        <a:defRPr sz="1400" b="0" i="0" u="none" strike="noStrike" cap="none">
           <a:solidFill>
             <a:srgbClr val="000000"/>
           </a:solidFill>
@@ -7059,7 +7131,7 @@
           <a:sym typeface="Arial"/>
         </a:defRPr>
       </a:lvl2pPr>
-      <a:lvl3pPr lvl="2" marR="0" rtl="0" algn="l">
+      <a:lvl3pPr marR="0" lvl="2" algn="l" rtl="0">
         <a:lnSpc>
           <a:spcPct val="100000"/>
         </a:lnSpc>
@@ -7073,7 +7145,7 @@
           <a:srgbClr val="000000"/>
         </a:buClr>
         <a:buFont typeface="Arial"/>
-        <a:defRPr b="0" i="0" sz="1400" u="none" cap="none" strike="noStrike">
+        <a:defRPr sz="1400" b="0" i="0" u="none" strike="noStrike" cap="none">
           <a:solidFill>
             <a:srgbClr val="000000"/>
           </a:solidFill>
@@ -7083,7 +7155,7 @@
           <a:sym typeface="Arial"/>
         </a:defRPr>
       </a:lvl3pPr>
-      <a:lvl4pPr lvl="3" marR="0" rtl="0" algn="l">
+      <a:lvl4pPr marR="0" lvl="3" algn="l" rtl="0">
         <a:lnSpc>
           <a:spcPct val="100000"/>
         </a:lnSpc>
@@ -7097,7 +7169,7 @@
           <a:srgbClr val="000000"/>
         </a:buClr>
         <a:buFont typeface="Arial"/>
-        <a:defRPr b="0" i="0" sz="1400" u="none" cap="none" strike="noStrike">
+        <a:defRPr sz="1400" b="0" i="0" u="none" strike="noStrike" cap="none">
           <a:solidFill>
             <a:srgbClr val="000000"/>
           </a:solidFill>
@@ -7107,7 +7179,7 @@
           <a:sym typeface="Arial"/>
         </a:defRPr>
       </a:lvl4pPr>
-      <a:lvl5pPr lvl="4" marR="0" rtl="0" algn="l">
+      <a:lvl5pPr marR="0" lvl="4" algn="l" rtl="0">
         <a:lnSpc>
           <a:spcPct val="100000"/>
         </a:lnSpc>
@@ -7121,7 +7193,7 @@
           <a:srgbClr val="000000"/>
         </a:buClr>
         <a:buFont typeface="Arial"/>
-        <a:defRPr b="0" i="0" sz="1400" u="none" cap="none" strike="noStrike">
+        <a:defRPr sz="1400" b="0" i="0" u="none" strike="noStrike" cap="none">
           <a:solidFill>
             <a:srgbClr val="000000"/>
           </a:solidFill>
@@ -7131,7 +7203,7 @@
           <a:sym typeface="Arial"/>
         </a:defRPr>
       </a:lvl5pPr>
-      <a:lvl6pPr lvl="5" marR="0" rtl="0" algn="l">
+      <a:lvl6pPr marR="0" lvl="5" algn="l" rtl="0">
         <a:lnSpc>
           <a:spcPct val="100000"/>
         </a:lnSpc>
@@ -7145,7 +7217,7 @@
           <a:srgbClr val="000000"/>
         </a:buClr>
         <a:buFont typeface="Arial"/>
-        <a:defRPr b="0" i="0" sz="1400" u="none" cap="none" strike="noStrike">
+        <a:defRPr sz="1400" b="0" i="0" u="none" strike="noStrike" cap="none">
           <a:solidFill>
             <a:srgbClr val="000000"/>
           </a:solidFill>
@@ -7155,7 +7227,7 @@
           <a:sym typeface="Arial"/>
         </a:defRPr>
       </a:lvl6pPr>
-      <a:lvl7pPr lvl="6" marR="0" rtl="0" algn="l">
+      <a:lvl7pPr marR="0" lvl="6" algn="l" rtl="0">
         <a:lnSpc>
           <a:spcPct val="100000"/>
         </a:lnSpc>
@@ -7169,7 +7241,7 @@
           <a:srgbClr val="000000"/>
         </a:buClr>
         <a:buFont typeface="Arial"/>
-        <a:defRPr b="0" i="0" sz="1400" u="none" cap="none" strike="noStrike">
+        <a:defRPr sz="1400" b="0" i="0" u="none" strike="noStrike" cap="none">
           <a:solidFill>
             <a:srgbClr val="000000"/>
           </a:solidFill>
@@ -7179,7 +7251,7 @@
           <a:sym typeface="Arial"/>
         </a:defRPr>
       </a:lvl7pPr>
-      <a:lvl8pPr lvl="7" marR="0" rtl="0" algn="l">
+      <a:lvl8pPr marR="0" lvl="7" algn="l" rtl="0">
         <a:lnSpc>
           <a:spcPct val="100000"/>
         </a:lnSpc>
@@ -7193,7 +7265,7 @@
           <a:srgbClr val="000000"/>
         </a:buClr>
         <a:buFont typeface="Arial"/>
-        <a:defRPr b="0" i="0" sz="1400" u="none" cap="none" strike="noStrike">
+        <a:defRPr sz="1400" b="0" i="0" u="none" strike="noStrike" cap="none">
           <a:solidFill>
             <a:srgbClr val="000000"/>
           </a:solidFill>
@@ -7203,7 +7275,7 @@
           <a:sym typeface="Arial"/>
         </a:defRPr>
       </a:lvl8pPr>
-      <a:lvl9pPr lvl="8" marR="0" rtl="0" algn="l">
+      <a:lvl9pPr marR="0" lvl="8" algn="l" rtl="0">
         <a:lnSpc>
           <a:spcPct val="100000"/>
         </a:lnSpc>
@@ -7217,7 +7289,7 @@
           <a:srgbClr val="000000"/>
         </a:buClr>
         <a:buFont typeface="Arial"/>
-        <a:defRPr b="0" i="0" sz="1400" u="none" cap="none" strike="noStrike">
+        <a:defRPr sz="1400" b="0" i="0" u="none" strike="noStrike" cap="none">
           <a:solidFill>
             <a:srgbClr val="000000"/>
           </a:solidFill>
@@ -7229,7 +7301,7 @@
       </a:lvl9pPr>
     </p:bodyStyle>
     <p:otherStyle>
-      <a:defPPr lvl="0" marR="0" rtl="0" algn="l">
+      <a:defPPr marR="0" lvl="0" algn="l" rtl="0">
         <a:lnSpc>
           <a:spcPct val="100000"/>
         </a:lnSpc>
@@ -7240,7 +7312,7 @@
           <a:spcPts val="0"/>
         </a:spcAft>
       </a:defPPr>
-      <a:lvl1pPr lvl="0" marR="0" rtl="0" algn="l">
+      <a:lvl1pPr marR="0" lvl="0" algn="l" rtl="0">
         <a:lnSpc>
           <a:spcPct val="100000"/>
         </a:lnSpc>
@@ -7254,7 +7326,7 @@
           <a:srgbClr val="000000"/>
         </a:buClr>
         <a:buFont typeface="Arial"/>
-        <a:defRPr b="0" i="0" sz="1400" u="none" cap="none" strike="noStrike">
+        <a:defRPr sz="1400" b="0" i="0" u="none" strike="noStrike" cap="none">
           <a:solidFill>
             <a:srgbClr val="000000"/>
           </a:solidFill>
@@ -7264,7 +7336,7 @@
           <a:sym typeface="Arial"/>
         </a:defRPr>
       </a:lvl1pPr>
-      <a:lvl2pPr lvl="1" marR="0" rtl="0" algn="l">
+      <a:lvl2pPr marR="0" lvl="1" algn="l" rtl="0">
         <a:lnSpc>
           <a:spcPct val="100000"/>
         </a:lnSpc>
@@ -7278,7 +7350,7 @@
           <a:srgbClr val="000000"/>
         </a:buClr>
         <a:buFont typeface="Arial"/>
-        <a:defRPr b="0" i="0" sz="1400" u="none" cap="none" strike="noStrike">
+        <a:defRPr sz="1400" b="0" i="0" u="none" strike="noStrike" cap="none">
           <a:solidFill>
             <a:srgbClr val="000000"/>
           </a:solidFill>
@@ -7288,7 +7360,7 @@
           <a:sym typeface="Arial"/>
         </a:defRPr>
       </a:lvl2pPr>
-      <a:lvl3pPr lvl="2" marR="0" rtl="0" algn="l">
+      <a:lvl3pPr marR="0" lvl="2" algn="l" rtl="0">
         <a:lnSpc>
           <a:spcPct val="100000"/>
         </a:lnSpc>
@@ -7302,7 +7374,7 @@
           <a:srgbClr val="000000"/>
         </a:buClr>
         <a:buFont typeface="Arial"/>
-        <a:defRPr b="0" i="0" sz="1400" u="none" cap="none" strike="noStrike">
+        <a:defRPr sz="1400" b="0" i="0" u="none" strike="noStrike" cap="none">
           <a:solidFill>
             <a:srgbClr val="000000"/>
           </a:solidFill>
@@ -7312,7 +7384,7 @@
           <a:sym typeface="Arial"/>
         </a:defRPr>
       </a:lvl3pPr>
-      <a:lvl4pPr lvl="3" marR="0" rtl="0" algn="l">
+      <a:lvl4pPr marR="0" lvl="3" algn="l" rtl="0">
         <a:lnSpc>
           <a:spcPct val="100000"/>
         </a:lnSpc>
@@ -7326,7 +7398,7 @@
           <a:srgbClr val="000000"/>
         </a:buClr>
         <a:buFont typeface="Arial"/>
-        <a:defRPr b="0" i="0" sz="1400" u="none" cap="none" strike="noStrike">
+        <a:defRPr sz="1400" b="0" i="0" u="none" strike="noStrike" cap="none">
           <a:solidFill>
             <a:srgbClr val="000000"/>
           </a:solidFill>
@@ -7336,7 +7408,7 @@
           <a:sym typeface="Arial"/>
         </a:defRPr>
       </a:lvl4pPr>
-      <a:lvl5pPr lvl="4" marR="0" rtl="0" algn="l">
+      <a:lvl5pPr marR="0" lvl="4" algn="l" rtl="0">
         <a:lnSpc>
           <a:spcPct val="100000"/>
         </a:lnSpc>
@@ -7350,7 +7422,7 @@
           <a:srgbClr val="000000"/>
         </a:buClr>
         <a:buFont typeface="Arial"/>
-        <a:defRPr b="0" i="0" sz="1400" u="none" cap="none" strike="noStrike">
+        <a:defRPr sz="1400" b="0" i="0" u="none" strike="noStrike" cap="none">
           <a:solidFill>
             <a:srgbClr val="000000"/>
           </a:solidFill>
@@ -7360,7 +7432,7 @@
           <a:sym typeface="Arial"/>
         </a:defRPr>
       </a:lvl5pPr>
-      <a:lvl6pPr lvl="5" marR="0" rtl="0" algn="l">
+      <a:lvl6pPr marR="0" lvl="5" algn="l" rtl="0">
         <a:lnSpc>
           <a:spcPct val="100000"/>
         </a:lnSpc>
@@ -7374,7 +7446,7 @@
           <a:srgbClr val="000000"/>
         </a:buClr>
         <a:buFont typeface="Arial"/>
-        <a:defRPr b="0" i="0" sz="1400" u="none" cap="none" strike="noStrike">
+        <a:defRPr sz="1400" b="0" i="0" u="none" strike="noStrike" cap="none">
           <a:solidFill>
             <a:srgbClr val="000000"/>
           </a:solidFill>
@@ -7384,7 +7456,7 @@
           <a:sym typeface="Arial"/>
         </a:defRPr>
       </a:lvl6pPr>
-      <a:lvl7pPr lvl="6" marR="0" rtl="0" algn="l">
+      <a:lvl7pPr marR="0" lvl="6" algn="l" rtl="0">
         <a:lnSpc>
           <a:spcPct val="100000"/>
         </a:lnSpc>
@@ -7398,7 +7470,7 @@
           <a:srgbClr val="000000"/>
         </a:buClr>
         <a:buFont typeface="Arial"/>
-        <a:defRPr b="0" i="0" sz="1400" u="none" cap="none" strike="noStrike">
+        <a:defRPr sz="1400" b="0" i="0" u="none" strike="noStrike" cap="none">
           <a:solidFill>
             <a:srgbClr val="000000"/>
           </a:solidFill>
@@ -7408,7 +7480,7 @@
           <a:sym typeface="Arial"/>
         </a:defRPr>
       </a:lvl7pPr>
-      <a:lvl8pPr lvl="7" marR="0" rtl="0" algn="l">
+      <a:lvl8pPr marR="0" lvl="7" algn="l" rtl="0">
         <a:lnSpc>
           <a:spcPct val="100000"/>
         </a:lnSpc>
@@ -7422,7 +7494,7 @@
           <a:srgbClr val="000000"/>
         </a:buClr>
         <a:buFont typeface="Arial"/>
-        <a:defRPr b="0" i="0" sz="1400" u="none" cap="none" strike="noStrike">
+        <a:defRPr sz="1400" b="0" i="0" u="none" strike="noStrike" cap="none">
           <a:solidFill>
             <a:srgbClr val="000000"/>
           </a:solidFill>
@@ -7432,7 +7504,7 @@
           <a:sym typeface="Arial"/>
         </a:defRPr>
       </a:lvl8pPr>
-      <a:lvl9pPr lvl="8" marR="0" rtl="0" algn="l">
+      <a:lvl9pPr marR="0" lvl="8" algn="l" rtl="0">
         <a:lnSpc>
           <a:spcPct val="100000"/>
         </a:lnSpc>
@@ -7446,7 +7518,7 @@
           <a:srgbClr val="000000"/>
         </a:buClr>
         <a:buFont typeface="Arial"/>
-        <a:defRPr b="0" i="0" sz="1400" u="none" cap="none" strike="noStrike">
+        <a:defRPr sz="1400" b="0" i="0" u="none" strike="noStrike" cap="none">
           <a:solidFill>
             <a:srgbClr val="000000"/>
           </a:solidFill>
@@ -7462,11 +7534,11 @@
 </file>
 
 <file path=ppt/slides/slide1.xml><?xml version="1.0" encoding="utf-8"?>
-<p:sld xmlns:a="http://schemas.openxmlformats.org/drawingml/2006/main" xmlns:r="http://schemas.openxmlformats.org/officeDocument/2006/relationships" xmlns:mc="http://schemas.openxmlformats.org/markup-compatibility/2006" xmlns:mv="urn:schemas-microsoft-com:mac:vml" xmlns:p="http://schemas.openxmlformats.org/presentationml/2006/main" xmlns:c="http://schemas.openxmlformats.org/drawingml/2006/chart" xmlns:dgm="http://schemas.openxmlformats.org/drawingml/2006/diagram" xmlns:o="urn:schemas-microsoft-com:office:office" xmlns:v="urn:schemas-microsoft-com:vml" xmlns:pvml="urn:schemas-microsoft-com:office:powerpoint" xmlns:com="http://schemas.openxmlformats.org/drawingml/2006/compatibility" xmlns:p14="http://schemas.microsoft.com/office/powerpoint/2010/main" xmlns:p15="http://schemas.microsoft.com/office/powerpoint/2012/main">
+<p:sld xmlns:a="http://schemas.openxmlformats.org/drawingml/2006/main" xmlns:r="http://schemas.openxmlformats.org/officeDocument/2006/relationships" xmlns:p="http://schemas.openxmlformats.org/presentationml/2006/main">
   <p:cSld>
     <p:spTree>
       <p:nvGrpSpPr>
-        <p:cNvPr id="66" name="Shape 66"/>
+        <p:cNvPr id="1" name="Shape 66"/>
         <p:cNvGrpSpPr/>
         <p:nvPr/>
       </p:nvGrpSpPr>
@@ -7481,7 +7553,9 @@
       <p:sp>
         <p:nvSpPr>
           <p:cNvPr id="67" name="Shape 67"/>
-          <p:cNvSpPr txBox="1"/>
+          <p:cNvSpPr txBox="1">
+            <a:spLocks noGrp="1"/>
+          </p:cNvSpPr>
           <p:nvPr>
             <p:ph type="ctrTitle"/>
           </p:nvPr>
@@ -7496,12 +7570,12 @@
           </a:prstGeom>
         </p:spPr>
         <p:txBody>
-          <a:bodyPr anchorCtr="0" anchor="b" bIns="91425" lIns="91425" spcFirstLastPara="1" rIns="91425" wrap="square" tIns="91425">
+          <a:bodyPr spcFirstLastPara="1" wrap="square" lIns="91425" tIns="91425" rIns="91425" bIns="91425" anchor="b" anchorCtr="0">
             <a:noAutofit/>
           </a:bodyPr>
           <a:lstStyle/>
           <a:p>
-            <a:pPr indent="0" lvl="0" marL="0" rtl="0">
+            <a:pPr marL="0" lvl="0" indent="0" rtl="0">
               <a:spcBef>
                 <a:spcPts val="0"/>
               </a:spcBef>
@@ -7521,9 +7595,11 @@
       <p:sp>
         <p:nvSpPr>
           <p:cNvPr id="68" name="Shape 68"/>
-          <p:cNvSpPr txBox="1"/>
+          <p:cNvSpPr txBox="1">
+            <a:spLocks noGrp="1"/>
+          </p:cNvSpPr>
           <p:nvPr>
-            <p:ph idx="1" type="subTitle"/>
+            <p:ph type="subTitle" idx="1"/>
           </p:nvPr>
         </p:nvSpPr>
         <p:spPr>
@@ -7536,12 +7612,12 @@
           </a:prstGeom>
         </p:spPr>
         <p:txBody>
-          <a:bodyPr anchorCtr="0" anchor="t" bIns="91425" lIns="91425" spcFirstLastPara="1" rIns="91425" wrap="square" tIns="91425">
+          <a:bodyPr spcFirstLastPara="1" wrap="square" lIns="91425" tIns="91425" rIns="91425" bIns="91425" anchor="t" anchorCtr="0">
             <a:noAutofit/>
           </a:bodyPr>
           <a:lstStyle/>
           <a:p>
-            <a:pPr indent="0" lvl="0" marL="0">
+            <a:pPr marL="0" lvl="0" indent="0">
               <a:spcBef>
                 <a:spcPts val="0"/>
               </a:spcBef>
@@ -7552,11 +7628,7 @@
             </a:pPr>
             <a:r>
               <a:rPr lang="zh-TW"/>
-              <a:t>403410033 </a:t>
-            </a:r>
-            <a:r>
-              <a:rPr lang="zh-TW"/>
-              <a:t>資工四 曾俊宏</a:t>
+              <a:t>403410033 資工四 曾俊宏</a:t>
             </a:r>
             <a:endParaRPr/>
           </a:p>
@@ -7571,11 +7643,11 @@
 </file>
 
 <file path=ppt/slides/slide2.xml><?xml version="1.0" encoding="utf-8"?>
-<p:sld xmlns:a="http://schemas.openxmlformats.org/drawingml/2006/main" xmlns:r="http://schemas.openxmlformats.org/officeDocument/2006/relationships" xmlns:mc="http://schemas.openxmlformats.org/markup-compatibility/2006" xmlns:mv="urn:schemas-microsoft-com:mac:vml" xmlns:p="http://schemas.openxmlformats.org/presentationml/2006/main" xmlns:c="http://schemas.openxmlformats.org/drawingml/2006/chart" xmlns:dgm="http://schemas.openxmlformats.org/drawingml/2006/diagram" xmlns:o="urn:schemas-microsoft-com:office:office" xmlns:v="urn:schemas-microsoft-com:vml" xmlns:pvml="urn:schemas-microsoft-com:office:powerpoint" xmlns:com="http://schemas.openxmlformats.org/drawingml/2006/compatibility" xmlns:p14="http://schemas.microsoft.com/office/powerpoint/2010/main" xmlns:p15="http://schemas.microsoft.com/office/powerpoint/2012/main">
+<p:sld xmlns:a="http://schemas.openxmlformats.org/drawingml/2006/main" xmlns:r="http://schemas.openxmlformats.org/officeDocument/2006/relationships" xmlns:p="http://schemas.openxmlformats.org/presentationml/2006/main">
   <p:cSld>
     <p:spTree>
       <p:nvGrpSpPr>
-        <p:cNvPr id="72" name="Shape 72"/>
+        <p:cNvPr id="1" name="Shape 72"/>
         <p:cNvGrpSpPr/>
         <p:nvPr/>
       </p:nvGrpSpPr>
@@ -7590,7 +7662,9 @@
       <p:sp>
         <p:nvSpPr>
           <p:cNvPr id="73" name="Shape 73"/>
-          <p:cNvSpPr txBox="1"/>
+          <p:cNvSpPr txBox="1">
+            <a:spLocks noGrp="1"/>
+          </p:cNvSpPr>
           <p:nvPr>
             <p:ph type="title"/>
           </p:nvPr>
@@ -7605,12 +7679,12 @@
           </a:prstGeom>
         </p:spPr>
         <p:txBody>
-          <a:bodyPr anchorCtr="0" anchor="b" bIns="91425" lIns="91425" spcFirstLastPara="1" rIns="91425" wrap="square" tIns="91425">
+          <a:bodyPr spcFirstLastPara="1" wrap="square" lIns="91425" tIns="91425" rIns="91425" bIns="91425" anchor="b" anchorCtr="0">
             <a:noAutofit/>
           </a:bodyPr>
           <a:lstStyle/>
           <a:p>
-            <a:pPr indent="0" lvl="0" marL="0">
+            <a:pPr marL="0" lvl="0" indent="0">
               <a:spcBef>
                 <a:spcPts val="0"/>
               </a:spcBef>
@@ -7630,9 +7704,11 @@
       <p:sp>
         <p:nvSpPr>
           <p:cNvPr id="74" name="Shape 74"/>
-          <p:cNvSpPr txBox="1"/>
+          <p:cNvSpPr txBox="1">
+            <a:spLocks noGrp="1"/>
+          </p:cNvSpPr>
           <p:nvPr>
-            <p:ph idx="1" type="body"/>
+            <p:ph type="body" idx="1"/>
           </p:nvPr>
         </p:nvSpPr>
         <p:spPr>
@@ -7645,12 +7721,12 @@
           </a:prstGeom>
         </p:spPr>
         <p:txBody>
-          <a:bodyPr anchorCtr="0" anchor="t" bIns="91425" lIns="91425" spcFirstLastPara="1" rIns="91425" wrap="square" tIns="91425">
+          <a:bodyPr spcFirstLastPara="1" wrap="square" lIns="91425" tIns="91425" rIns="91425" bIns="91425" anchor="t" anchorCtr="0">
             <a:noAutofit/>
           </a:bodyPr>
           <a:lstStyle/>
           <a:p>
-            <a:pPr indent="-342900" lvl="0" marL="457200" rtl="0">
+            <a:pPr marL="457200" lvl="0" indent="-342900" rtl="0">
               <a:spcBef>
                 <a:spcPts val="0"/>
               </a:spcBef>
@@ -7664,10 +7740,10 @@
               <a:rPr lang="zh-TW"/>
               <a:t>VMWare Workstation</a:t>
             </a:r>
-            <a:endParaRPr/>
-          </a:p>
-          <a:p>
-            <a:pPr indent="-317500" lvl="1" marL="914400" rtl="0">
+            <a:endParaRPr dirty="0"/>
+          </a:p>
+          <a:p>
+            <a:pPr marL="914400" lvl="1" indent="-317500" rtl="0">
               <a:spcBef>
                 <a:spcPts val="0"/>
               </a:spcBef>
@@ -7678,13 +7754,13 @@
               <a:buChar char="○"/>
             </a:pPr>
             <a:r>
-              <a:rPr lang="zh-TW"/>
+              <a:rPr lang="zh-TW" dirty="0"/>
               <a:t>Ubuntu 16.04 LTS</a:t>
             </a:r>
-            <a:endParaRPr/>
-          </a:p>
-          <a:p>
-            <a:pPr indent="-317500" lvl="1" marL="914400" rtl="0">
+            <a:endParaRPr dirty="0"/>
+          </a:p>
+          <a:p>
+            <a:pPr marL="914400" lvl="1" indent="-317500" rtl="0">
               <a:spcBef>
                 <a:spcPts val="0"/>
               </a:spcBef>
@@ -7695,17 +7771,13 @@
               <a:buChar char="○"/>
             </a:pPr>
             <a:r>
-              <a:rPr lang="zh-TW"/>
-              <a:t>Intel® Core™ i5-7500 CPU @ 3.40GHz × 4</a:t>
+              <a:rPr lang="zh-TW" dirty="0"/>
+              <a:t>Intel® Core™ i5-7500 CPU @ 3.40GHz × 4 (4 cores for VM)</a:t>
             </a:r>
-            <a:r>
-              <a:rPr lang="zh-TW"/>
-              <a:t> (4 cores for VM)</a:t>
-            </a:r>
-            <a:endParaRPr/>
-          </a:p>
-          <a:p>
-            <a:pPr indent="-317500" lvl="1" marL="914400" rtl="0">
+            <a:endParaRPr dirty="0"/>
+          </a:p>
+          <a:p>
+            <a:pPr marL="914400" lvl="1" indent="-317500" rtl="0">
               <a:spcBef>
                 <a:spcPts val="0"/>
               </a:spcBef>
@@ -7716,13 +7788,13 @@
               <a:buChar char="○"/>
             </a:pPr>
             <a:r>
-              <a:rPr lang="zh-TW"/>
+              <a:rPr lang="zh-TW" dirty="0"/>
               <a:t>8GB Ram for VM</a:t>
             </a:r>
-            <a:endParaRPr/>
-          </a:p>
-          <a:p>
-            <a:pPr indent="-317500" lvl="1" marL="914400" rtl="0">
+            <a:endParaRPr dirty="0"/>
+          </a:p>
+          <a:p>
+            <a:pPr marL="914400" lvl="1" indent="-317500" rtl="0">
               <a:spcBef>
                 <a:spcPts val="0"/>
               </a:spcBef>
@@ -7733,10 +7805,10 @@
               <a:buChar char="○"/>
             </a:pPr>
             <a:r>
-              <a:rPr lang="zh-TW"/>
+              <a:rPr lang="zh-TW" dirty="0"/>
               <a:t>100 GB SSD for VM</a:t>
             </a:r>
-            <a:endParaRPr/>
+            <a:endParaRPr dirty="0"/>
           </a:p>
         </p:txBody>
       </p:sp>
@@ -7749,11 +7821,280 @@
 </file>
 
 <file path=ppt/slides/slide3.xml><?xml version="1.0" encoding="utf-8"?>
-<p:sld xmlns:a="http://schemas.openxmlformats.org/drawingml/2006/main" xmlns:r="http://schemas.openxmlformats.org/officeDocument/2006/relationships" xmlns:mc="http://schemas.openxmlformats.org/markup-compatibility/2006" xmlns:mv="urn:schemas-microsoft-com:mac:vml" xmlns:p="http://schemas.openxmlformats.org/presentationml/2006/main" xmlns:c="http://schemas.openxmlformats.org/drawingml/2006/chart" xmlns:dgm="http://schemas.openxmlformats.org/drawingml/2006/diagram" xmlns:o="urn:schemas-microsoft-com:office:office" xmlns:v="urn:schemas-microsoft-com:vml" xmlns:pvml="urn:schemas-microsoft-com:office:powerpoint" xmlns:com="http://schemas.openxmlformats.org/drawingml/2006/compatibility" xmlns:p14="http://schemas.microsoft.com/office/powerpoint/2010/main" xmlns:p15="http://schemas.microsoft.com/office/powerpoint/2012/main">
+<p:sld xmlns:a="http://schemas.openxmlformats.org/drawingml/2006/main" xmlns:r="http://schemas.openxmlformats.org/officeDocument/2006/relationships" xmlns:p="http://schemas.openxmlformats.org/presentationml/2006/main">
   <p:cSld>
     <p:spTree>
       <p:nvGrpSpPr>
-        <p:cNvPr id="78" name="Shape 78"/>
+        <p:cNvPr id="1" name="Shape 86"/>
+        <p:cNvGrpSpPr/>
+        <p:nvPr/>
+      </p:nvGrpSpPr>
+      <p:grpSpPr>
+        <a:xfrm>
+          <a:off x="0" y="0"/>
+          <a:ext cx="0" cy="0"/>
+          <a:chOff x="0" y="0"/>
+          <a:chExt cx="0" cy="0"/>
+        </a:xfrm>
+      </p:grpSpPr>
+      <p:sp>
+        <p:nvSpPr>
+          <p:cNvPr id="87" name="Shape 87"/>
+          <p:cNvSpPr txBox="1">
+            <a:spLocks noGrp="1"/>
+          </p:cNvSpPr>
+          <p:nvPr>
+            <p:ph type="title"/>
+          </p:nvPr>
+        </p:nvSpPr>
+        <p:spPr>
+          <a:xfrm>
+            <a:off x="471900" y="738725"/>
+            <a:ext cx="8222100" cy="767700"/>
+          </a:xfrm>
+          <a:prstGeom prst="rect">
+            <a:avLst/>
+          </a:prstGeom>
+        </p:spPr>
+        <p:txBody>
+          <a:bodyPr spcFirstLastPara="1" wrap="square" lIns="91425" tIns="91425" rIns="91425" bIns="91425" anchor="b" anchorCtr="0">
+            <a:noAutofit/>
+          </a:bodyPr>
+          <a:lstStyle/>
+          <a:p>
+            <a:pPr marL="0" lvl="0" indent="0">
+              <a:spcBef>
+                <a:spcPts val="0"/>
+              </a:spcBef>
+              <a:spcAft>
+                <a:spcPts val="0"/>
+              </a:spcAft>
+              <a:buNone/>
+            </a:pPr>
+            <a:r>
+              <a:rPr lang="zh-TW" dirty="0"/>
+              <a:t>測試資料 ettoday 11GB file </a:t>
+            </a:r>
+            <a:endParaRPr dirty="0"/>
+          </a:p>
+        </p:txBody>
+      </p:sp>
+      <p:sp>
+        <p:nvSpPr>
+          <p:cNvPr id="88" name="Shape 88"/>
+          <p:cNvSpPr txBox="1">
+            <a:spLocks noGrp="1"/>
+          </p:cNvSpPr>
+          <p:nvPr>
+            <p:ph type="body" idx="1"/>
+          </p:nvPr>
+        </p:nvSpPr>
+        <p:spPr>
+          <a:xfrm>
+            <a:off x="471900" y="1791021"/>
+            <a:ext cx="8222100" cy="2710200"/>
+          </a:xfrm>
+          <a:prstGeom prst="rect">
+            <a:avLst/>
+          </a:prstGeom>
+        </p:spPr>
+        <p:txBody>
+          <a:bodyPr spcFirstLastPara="1" wrap="square" lIns="91425" tIns="91425" rIns="91425" bIns="91425" anchor="t" anchorCtr="0">
+            <a:noAutofit/>
+          </a:bodyPr>
+          <a:lstStyle/>
+          <a:p>
+            <a:pPr marL="457200" lvl="0" indent="-342900" rtl="0">
+              <a:spcBef>
+                <a:spcPts val="0"/>
+              </a:spcBef>
+              <a:spcAft>
+                <a:spcPts val="0"/>
+              </a:spcAft>
+              <a:buSzPts val="1800"/>
+              <a:buChar char="●"/>
+            </a:pPr>
+            <a:r>
+              <a:rPr lang="zh-TW" dirty="0"/>
+              <a:t>有一些utf8解析會失敗的 record</a:t>
+            </a:r>
+            <a:endParaRPr dirty="0"/>
+          </a:p>
+          <a:p>
+            <a:pPr marL="914400" lvl="1" indent="-317500" rtl="0">
+              <a:spcBef>
+                <a:spcPts val="0"/>
+              </a:spcBef>
+              <a:spcAft>
+                <a:spcPts val="0"/>
+              </a:spcAft>
+              <a:buSzPts val="1400"/>
+              <a:buChar char="○"/>
+            </a:pPr>
+            <a:r>
+              <a:rPr lang="zh-TW" dirty="0"/>
+              <a:t>在 轉json 或是 做斷辭出現exception -&gt;ignore</a:t>
+            </a:r>
+            <a:endParaRPr dirty="0"/>
+          </a:p>
+          <a:p>
+            <a:pPr marL="457200" lvl="0" indent="-342900">
+              <a:spcBef>
+                <a:spcPts val="0"/>
+              </a:spcBef>
+              <a:spcAft>
+                <a:spcPts val="0"/>
+              </a:spcAft>
+              <a:buSzPts val="1800"/>
+              <a:buChar char="●"/>
+            </a:pPr>
+            <a:r>
+              <a:rPr lang="zh-TW" dirty="0"/>
+              <a:t>實際有成功使用到的record數: </a:t>
+            </a:r>
+            <a:r>
+              <a:rPr lang="zh-TW" dirty="0" smtClean="0"/>
+              <a:t>4812350</a:t>
+            </a:r>
+            <a:endParaRPr lang="zh-TW" altLang="en-US" dirty="0" smtClean="0"/>
+          </a:p>
+          <a:p>
+            <a:pPr lvl="0">
+              <a:lnSpc>
+                <a:spcPct val="100000"/>
+              </a:lnSpc>
+            </a:pPr>
+            <a:r>
+              <a:rPr lang="zh-TW" altLang="en-US" dirty="0"/>
+              <a:t>前</a:t>
+            </a:r>
+            <a:r>
+              <a:rPr lang="zh-TW" altLang="en-US" dirty="0" smtClean="0"/>
+              <a:t>處理</a:t>
+            </a:r>
+          </a:p>
+          <a:p>
+            <a:pPr lvl="1">
+              <a:lnSpc>
+                <a:spcPct val="100000"/>
+              </a:lnSpc>
+            </a:pPr>
+            <a:r>
+              <a:rPr lang="zh-TW" altLang="en-US" dirty="0" smtClean="0"/>
+              <a:t>只</a:t>
+            </a:r>
+            <a:r>
+              <a:rPr lang="zh-TW" altLang="en-US" dirty="0" smtClean="0"/>
+              <a:t>取</a:t>
+            </a:r>
+            <a:r>
+              <a:rPr lang="zh-TW" altLang="en-US" dirty="0"/>
+              <a:t>用 </a:t>
+            </a:r>
+            <a:r>
+              <a:rPr lang="en-US" altLang="zh-TW" dirty="0" err="1"/>
+              <a:t>url</a:t>
+            </a:r>
+            <a:r>
+              <a:rPr lang="en-US" altLang="zh-TW" dirty="0"/>
+              <a:t>, title, keyword, image link, </a:t>
+            </a:r>
+            <a:r>
+              <a:rPr lang="en-US" altLang="zh-TW" dirty="0" smtClean="0"/>
+              <a:t>body</a:t>
+            </a:r>
+            <a:endParaRPr lang="zh-TW" altLang="en-US" dirty="0" smtClean="0"/>
+          </a:p>
+          <a:p>
+            <a:pPr lvl="1">
+              <a:lnSpc>
+                <a:spcPct val="100000"/>
+              </a:lnSpc>
+            </a:pPr>
+            <a:r>
+              <a:rPr lang="zh-TW" altLang="en-US" dirty="0" smtClean="0"/>
+              <a:t>先對</a:t>
+            </a:r>
+            <a:r>
+              <a:rPr lang="en-US" altLang="zh-TW" dirty="0" smtClean="0"/>
+              <a:t> body </a:t>
+            </a:r>
+            <a:r>
+              <a:rPr lang="zh-TW" altLang="en-US" dirty="0" smtClean="0"/>
+              <a:t>斷好詞，每 十萬個 </a:t>
+            </a:r>
+            <a:r>
+              <a:rPr lang="en-US" altLang="zh-TW" dirty="0" smtClean="0"/>
+              <a:t>record </a:t>
+            </a:r>
+            <a:r>
+              <a:rPr lang="zh-TW" altLang="en-US" dirty="0" smtClean="0"/>
+              <a:t>切成一個 </a:t>
+            </a:r>
+            <a:r>
+              <a:rPr lang="en-US" altLang="zh-TW" dirty="0" err="1" smtClean="0"/>
+              <a:t>json</a:t>
+            </a:r>
+            <a:r>
+              <a:rPr lang="zh-TW" altLang="en-US" dirty="0" smtClean="0"/>
+              <a:t> 檔案</a:t>
+            </a:r>
+            <a:endParaRPr lang="en-US" dirty="0"/>
+          </a:p>
+          <a:p>
+            <a:pPr lvl="1"/>
+            <a:endParaRPr lang="zh-TW" altLang="en-US" dirty="0" smtClean="0"/>
+          </a:p>
+          <a:p>
+            <a:pPr lvl="1"/>
+            <a:endParaRPr dirty="0"/>
+          </a:p>
+        </p:txBody>
+      </p:sp>
+      <p:pic>
+        <p:nvPicPr>
+          <p:cNvPr id="2" name="Picture 1"/>
+          <p:cNvPicPr>
+            <a:picLocks noChangeAspect="1"/>
+          </p:cNvPicPr>
+          <p:nvPr/>
+        </p:nvPicPr>
+        <p:blipFill>
+          <a:blip r:embed="rId3">
+            <a:extLst>
+              <a:ext uri="{28A0092B-C50C-407E-A947-70E740481C1C}">
+                <a14:useLocalDpi xmlns:a14="http://schemas.microsoft.com/office/drawing/2010/main" val="0"/>
+              </a:ext>
+            </a:extLst>
+          </a:blip>
+          <a:stretch>
+            <a:fillRect/>
+          </a:stretch>
+        </p:blipFill>
+        <p:spPr>
+          <a:xfrm>
+            <a:off x="1526060" y="3960517"/>
+            <a:ext cx="6113780" cy="1081407"/>
+          </a:xfrm>
+          <a:prstGeom prst="rect">
+            <a:avLst/>
+          </a:prstGeom>
+        </p:spPr>
+      </p:pic>
+    </p:spTree>
+  </p:cSld>
+  <p:clrMapOvr>
+    <a:masterClrMapping/>
+  </p:clrMapOvr>
+</p:sld>
+</file>
+
+<file path=ppt/slides/slide4.xml><?xml version="1.0" encoding="utf-8"?>
+<p:sld xmlns:a="http://schemas.openxmlformats.org/drawingml/2006/main" xmlns:r="http://schemas.openxmlformats.org/officeDocument/2006/relationships" xmlns:p="http://schemas.openxmlformats.org/presentationml/2006/main">
+  <p:cSld>
+    <p:spTree>
+      <p:nvGrpSpPr>
+        <p:cNvPr id="1" name="Shape 78"/>
         <p:cNvGrpSpPr/>
         <p:nvPr/>
       </p:nvGrpSpPr>
@@ -7768,7 +8109,9 @@
       <p:sp>
         <p:nvSpPr>
           <p:cNvPr id="79" name="Shape 79"/>
-          <p:cNvSpPr txBox="1"/>
+          <p:cNvSpPr txBox="1">
+            <a:spLocks noGrp="1"/>
+          </p:cNvSpPr>
           <p:nvPr>
             <p:ph type="title"/>
           </p:nvPr>
@@ -7783,12 +8126,12 @@
           </a:prstGeom>
         </p:spPr>
         <p:txBody>
-          <a:bodyPr anchorCtr="0" anchor="b" bIns="91425" lIns="91425" spcFirstLastPara="1" rIns="91425" wrap="square" tIns="91425">
+          <a:bodyPr spcFirstLastPara="1" wrap="square" lIns="91425" tIns="91425" rIns="91425" bIns="91425" anchor="b" anchorCtr="0">
             <a:noAutofit/>
           </a:bodyPr>
           <a:lstStyle/>
           <a:p>
-            <a:pPr indent="0" lvl="0" marL="0">
+            <a:pPr marL="0" lvl="0" indent="0">
               <a:spcBef>
                 <a:spcPts val="0"/>
               </a:spcBef>
@@ -7808,9 +8151,11 @@
       <p:sp>
         <p:nvSpPr>
           <p:cNvPr id="80" name="Shape 80"/>
-          <p:cNvSpPr txBox="1"/>
+          <p:cNvSpPr txBox="1">
+            <a:spLocks noGrp="1"/>
+          </p:cNvSpPr>
           <p:nvPr>
-            <p:ph idx="1" type="body"/>
+            <p:ph type="body" idx="1"/>
           </p:nvPr>
         </p:nvSpPr>
         <p:spPr>
@@ -7823,12 +8168,12 @@
           </a:prstGeom>
         </p:spPr>
         <p:txBody>
-          <a:bodyPr anchorCtr="0" anchor="t" bIns="91425" lIns="91425" spcFirstLastPara="1" rIns="91425" wrap="square" tIns="91425">
+          <a:bodyPr spcFirstLastPara="1" wrap="square" lIns="91425" tIns="91425" rIns="91425" bIns="91425" anchor="t" anchorCtr="0">
             <a:noAutofit/>
           </a:bodyPr>
           <a:lstStyle/>
           <a:p>
-            <a:pPr indent="-342900" lvl="0" marL="457200" rtl="0">
+            <a:pPr marL="457200" lvl="0" indent="-342900" rtl="0">
               <a:spcBef>
                 <a:spcPts val="0"/>
               </a:spcBef>
@@ -7845,7 +8190,7 @@
             <a:endParaRPr/>
           </a:p>
           <a:p>
-            <a:pPr indent="-342900" lvl="0" marL="457200" rtl="0">
+            <a:pPr marL="457200" lvl="0" indent="-342900" rtl="0">
               <a:spcBef>
                 <a:spcPts val="0"/>
               </a:spcBef>
@@ -7862,7 +8207,7 @@
             <a:endParaRPr/>
           </a:p>
           <a:p>
-            <a:pPr indent="-342900" lvl="0" marL="457200" rtl="0">
+            <a:pPr marL="457200" lvl="0" indent="-342900" rtl="0">
               <a:spcBef>
                 <a:spcPts val="0"/>
               </a:spcBef>
@@ -7879,7 +8224,7 @@
             <a:endParaRPr/>
           </a:p>
           <a:p>
-            <a:pPr indent="-317500" lvl="1" marL="914400" rtl="0">
+            <a:pPr marL="914400" lvl="1" indent="-317500" rtl="0">
               <a:spcBef>
                 <a:spcPts val="0"/>
               </a:spcBef>
@@ -7896,7 +8241,7 @@
             <a:endParaRPr/>
           </a:p>
           <a:p>
-            <a:pPr indent="-317500" lvl="0" marL="457200" rtl="0">
+            <a:pPr marL="457200" lvl="0" indent="-317500" rtl="0">
               <a:spcBef>
                 <a:spcPts val="0"/>
               </a:spcBef>
@@ -7913,7 +8258,7 @@
             <a:endParaRPr/>
           </a:p>
           <a:p>
-            <a:pPr indent="-317500" lvl="1" marL="914400" rtl="0">
+            <a:pPr marL="914400" lvl="1" indent="-317500" rtl="0">
               <a:spcBef>
                 <a:spcPts val="0"/>
               </a:spcBef>
@@ -7930,7 +8275,7 @@
             <a:endParaRPr/>
           </a:p>
           <a:p>
-            <a:pPr indent="-342900" lvl="0" marL="457200" rtl="0">
+            <a:pPr marL="457200" lvl="0" indent="-342900" rtl="0">
               <a:spcBef>
                 <a:spcPts val="0"/>
               </a:spcBef>
@@ -7947,7 +8292,7 @@
             <a:endParaRPr/>
           </a:p>
           <a:p>
-            <a:pPr indent="-342900" lvl="0" marL="457200" rtl="0">
+            <a:pPr marL="457200" lvl="0" indent="-342900" rtl="0">
               <a:spcBef>
                 <a:spcPts val="0"/>
               </a:spcBef>
@@ -7964,7 +8309,7 @@
             <a:endParaRPr/>
           </a:p>
           <a:p>
-            <a:pPr indent="-342900" lvl="0" marL="457200" rtl="0">
+            <a:pPr marL="457200" lvl="0" indent="-342900" rtl="0">
               <a:spcBef>
                 <a:spcPts val="0"/>
               </a:spcBef>
@@ -7981,7 +8326,7 @@
             <a:endParaRPr/>
           </a:p>
           <a:p>
-            <a:pPr indent="-342900" lvl="0" marL="457200" rtl="0">
+            <a:pPr marL="457200" lvl="0" indent="-342900" rtl="0">
               <a:spcBef>
                 <a:spcPts val="0"/>
               </a:spcBef>
@@ -8063,12 +8408,12 @@
 </p:sld>
 </file>
 
-<file path=ppt/slides/slide4.xml><?xml version="1.0" encoding="utf-8"?>
-<p:sld xmlns:a="http://schemas.openxmlformats.org/drawingml/2006/main" xmlns:r="http://schemas.openxmlformats.org/officeDocument/2006/relationships" xmlns:mc="http://schemas.openxmlformats.org/markup-compatibility/2006" xmlns:mv="urn:schemas-microsoft-com:mac:vml" xmlns:p="http://schemas.openxmlformats.org/presentationml/2006/main" xmlns:c="http://schemas.openxmlformats.org/drawingml/2006/chart" xmlns:dgm="http://schemas.openxmlformats.org/drawingml/2006/diagram" xmlns:o="urn:schemas-microsoft-com:office:office" xmlns:v="urn:schemas-microsoft-com:vml" xmlns:pvml="urn:schemas-microsoft-com:office:powerpoint" xmlns:com="http://schemas.openxmlformats.org/drawingml/2006/compatibility" xmlns:p14="http://schemas.microsoft.com/office/powerpoint/2010/main" xmlns:p15="http://schemas.microsoft.com/office/powerpoint/2012/main">
+<file path=ppt/slides/slide5.xml><?xml version="1.0" encoding="utf-8"?>
+<p:sld xmlns:a="http://schemas.openxmlformats.org/drawingml/2006/main" xmlns:r="http://schemas.openxmlformats.org/officeDocument/2006/relationships" xmlns:p="http://schemas.openxmlformats.org/presentationml/2006/main">
   <p:cSld>
     <p:spTree>
       <p:nvGrpSpPr>
-        <p:cNvPr id="86" name="Shape 86"/>
+        <p:cNvPr id="1" name="Shape 92"/>
         <p:cNvGrpSpPr/>
         <p:nvPr/>
       </p:nvGrpSpPr>
@@ -8082,8 +8427,10 @@
       </p:grpSpPr>
       <p:sp>
         <p:nvSpPr>
-          <p:cNvPr id="87" name="Shape 87"/>
-          <p:cNvSpPr txBox="1"/>
+          <p:cNvPr id="93" name="Shape 93"/>
+          <p:cNvSpPr txBox="1">
+            <a:spLocks noGrp="1"/>
+          </p:cNvSpPr>
           <p:nvPr>
             <p:ph type="title"/>
           </p:nvPr>
@@ -8098,12 +8445,12 @@
           </a:prstGeom>
         </p:spPr>
         <p:txBody>
-          <a:bodyPr anchorCtr="0" anchor="b" bIns="91425" lIns="91425" spcFirstLastPara="1" rIns="91425" wrap="square" tIns="91425">
+          <a:bodyPr spcFirstLastPara="1" wrap="square" lIns="91425" tIns="91425" rIns="91425" bIns="91425" anchor="b" anchorCtr="0">
             <a:noAutofit/>
           </a:bodyPr>
           <a:lstStyle/>
           <a:p>
-            <a:pPr indent="0" lvl="0" marL="0">
+            <a:pPr marL="0" lvl="0" indent="0">
               <a:spcBef>
                 <a:spcPts val="0"/>
               </a:spcBef>
@@ -8114,155 +8461,7 @@
             </a:pPr>
             <a:r>
               <a:rPr lang="zh-TW"/>
-              <a:t>測試資料 </a:t>
-            </a:r>
-            <a:r>
-              <a:rPr lang="zh-TW"/>
-              <a:t>ettoday 11GB file </a:t>
-            </a:r>
-            <a:endParaRPr/>
-          </a:p>
-        </p:txBody>
-      </p:sp>
-      <p:sp>
-        <p:nvSpPr>
-          <p:cNvPr id="88" name="Shape 88"/>
-          <p:cNvSpPr txBox="1"/>
-          <p:nvPr>
-            <p:ph idx="1" type="body"/>
-          </p:nvPr>
-        </p:nvSpPr>
-        <p:spPr>
-          <a:xfrm>
-            <a:off x="471900" y="1919075"/>
-            <a:ext cx="8222100" cy="2710200"/>
-          </a:xfrm>
-          <a:prstGeom prst="rect">
-            <a:avLst/>
-          </a:prstGeom>
-        </p:spPr>
-        <p:txBody>
-          <a:bodyPr anchorCtr="0" anchor="t" bIns="91425" lIns="91425" spcFirstLastPara="1" rIns="91425" wrap="square" tIns="91425">
-            <a:noAutofit/>
-          </a:bodyPr>
-          <a:lstStyle/>
-          <a:p>
-            <a:pPr indent="-342900" lvl="0" marL="457200" rtl="0">
-              <a:spcBef>
-                <a:spcPts val="0"/>
-              </a:spcBef>
-              <a:spcAft>
-                <a:spcPts val="0"/>
-              </a:spcAft>
-              <a:buSzPts val="1800"/>
-              <a:buChar char="●"/>
-            </a:pPr>
-            <a:r>
-              <a:rPr lang="zh-TW"/>
-              <a:t>有一些utf8解析會失敗的 record</a:t>
-            </a:r>
-            <a:endParaRPr/>
-          </a:p>
-          <a:p>
-            <a:pPr indent="-317500" lvl="1" marL="914400" rtl="0">
-              <a:spcBef>
-                <a:spcPts val="0"/>
-              </a:spcBef>
-              <a:spcAft>
-                <a:spcPts val="0"/>
-              </a:spcAft>
-              <a:buSzPts val="1400"/>
-              <a:buChar char="○"/>
-            </a:pPr>
-            <a:r>
-              <a:rPr lang="zh-TW"/>
-              <a:t>在 轉json 或是 做斷辭出現exception -&gt;ignore</a:t>
-            </a:r>
-            <a:endParaRPr/>
-          </a:p>
-          <a:p>
-            <a:pPr indent="-342900" lvl="0" marL="457200">
-              <a:spcBef>
-                <a:spcPts val="0"/>
-              </a:spcBef>
-              <a:spcAft>
-                <a:spcPts val="0"/>
-              </a:spcAft>
-              <a:buSzPts val="1800"/>
-              <a:buChar char="●"/>
-            </a:pPr>
-            <a:r>
-              <a:rPr lang="zh-TW"/>
-              <a:t>實際有成功使用到的record數: 4812350</a:t>
-            </a:r>
-            <a:endParaRPr/>
-          </a:p>
-        </p:txBody>
-      </p:sp>
-    </p:spTree>
-  </p:cSld>
-  <p:clrMapOvr>
-    <a:masterClrMapping/>
-  </p:clrMapOvr>
-</p:sld>
-</file>
-
-<file path=ppt/slides/slide5.xml><?xml version="1.0" encoding="utf-8"?>
-<p:sld xmlns:a="http://schemas.openxmlformats.org/drawingml/2006/main" xmlns:r="http://schemas.openxmlformats.org/officeDocument/2006/relationships" xmlns:mc="http://schemas.openxmlformats.org/markup-compatibility/2006" xmlns:mv="urn:schemas-microsoft-com:mac:vml" xmlns:p="http://schemas.openxmlformats.org/presentationml/2006/main" xmlns:c="http://schemas.openxmlformats.org/drawingml/2006/chart" xmlns:dgm="http://schemas.openxmlformats.org/drawingml/2006/diagram" xmlns:o="urn:schemas-microsoft-com:office:office" xmlns:v="urn:schemas-microsoft-com:vml" xmlns:pvml="urn:schemas-microsoft-com:office:powerpoint" xmlns:com="http://schemas.openxmlformats.org/drawingml/2006/compatibility" xmlns:p14="http://schemas.microsoft.com/office/powerpoint/2010/main" xmlns:p15="http://schemas.microsoft.com/office/powerpoint/2012/main">
-  <p:cSld>
-    <p:spTree>
-      <p:nvGrpSpPr>
-        <p:cNvPr id="92" name="Shape 92"/>
-        <p:cNvGrpSpPr/>
-        <p:nvPr/>
-      </p:nvGrpSpPr>
-      <p:grpSpPr>
-        <a:xfrm>
-          <a:off x="0" y="0"/>
-          <a:ext cx="0" cy="0"/>
-          <a:chOff x="0" y="0"/>
-          <a:chExt cx="0" cy="0"/>
-        </a:xfrm>
-      </p:grpSpPr>
-      <p:sp>
-        <p:nvSpPr>
-          <p:cNvPr id="93" name="Shape 93"/>
-          <p:cNvSpPr txBox="1"/>
-          <p:nvPr>
-            <p:ph type="title"/>
-          </p:nvPr>
-        </p:nvSpPr>
-        <p:spPr>
-          <a:xfrm>
-            <a:off x="471900" y="738725"/>
-            <a:ext cx="8222100" cy="767700"/>
-          </a:xfrm>
-          <a:prstGeom prst="rect">
-            <a:avLst/>
-          </a:prstGeom>
-        </p:spPr>
-        <p:txBody>
-          <a:bodyPr anchorCtr="0" anchor="b" bIns="91425" lIns="91425" spcFirstLastPara="1" rIns="91425" wrap="square" tIns="91425">
-            <a:noAutofit/>
-          </a:bodyPr>
-          <a:lstStyle/>
-          <a:p>
-            <a:pPr indent="0" lvl="0" marL="0">
-              <a:spcBef>
-                <a:spcPts val="0"/>
-              </a:spcBef>
-              <a:spcAft>
-                <a:spcPts val="0"/>
-              </a:spcAft>
-              <a:buNone/>
-            </a:pPr>
-            <a:r>
-              <a:rPr lang="zh-TW"/>
-              <a:t>cppJieba </a:t>
-            </a:r>
-            <a:r>
-              <a:rPr lang="zh-TW"/>
-              <a:t>斷詞</a:t>
+              <a:t>cppJieba 斷詞</a:t>
             </a:r>
             <a:endParaRPr/>
           </a:p>
@@ -8271,9 +8470,11 @@
       <p:sp>
         <p:nvSpPr>
           <p:cNvPr id="94" name="Shape 94"/>
-          <p:cNvSpPr txBox="1"/>
+          <p:cNvSpPr txBox="1">
+            <a:spLocks noGrp="1"/>
+          </p:cNvSpPr>
           <p:nvPr>
-            <p:ph idx="1" type="body"/>
+            <p:ph type="body" idx="1"/>
           </p:nvPr>
         </p:nvSpPr>
         <p:spPr>
@@ -8284,23 +8485,21 @@
           <a:prstGeom prst="rect">
             <a:avLst/>
           </a:prstGeom>
-          <a:ln cap="flat" cmpd="sng" w="9525">
-            <a:solidFill>
-              <a:srgbClr val="000000"/>
-            </a:solidFill>
+          <a:ln w="9525" cap="flat" cmpd="sng">
+            <a:noFill/>
             <a:prstDash val="solid"/>
             <a:round/>
-            <a:headEnd len="sm" w="sm" type="none"/>
-            <a:tailEnd len="sm" w="sm" type="none"/>
+            <a:headEnd type="none" w="sm" len="sm"/>
+            <a:tailEnd type="none" w="sm" len="sm"/>
           </a:ln>
         </p:spPr>
         <p:txBody>
-          <a:bodyPr anchorCtr="0" anchor="t" bIns="91425" lIns="91425" spcFirstLastPara="1" rIns="91425" wrap="square" tIns="91425">
+          <a:bodyPr spcFirstLastPara="1" wrap="square" lIns="91425" tIns="91425" rIns="91425" bIns="91425" anchor="t" anchorCtr="0">
             <a:noAutofit/>
           </a:bodyPr>
           <a:lstStyle/>
           <a:p>
-            <a:pPr indent="-342900" lvl="0" marL="457200" rtl="0">
+            <a:pPr marL="457200" lvl="0" indent="-342900" rtl="0">
               <a:spcBef>
                 <a:spcPts val="0"/>
               </a:spcBef>
@@ -8314,21 +8513,21 @@
               <a:buChar char="●"/>
             </a:pPr>
             <a:r>
-              <a:rPr lang="zh-TW">
+              <a:rPr lang="zh-TW" dirty="0">
                 <a:solidFill>
                   <a:srgbClr val="434343"/>
                 </a:solidFill>
               </a:rPr>
               <a:t>珍惜生命，有python可以用的話真的很美好</a:t>
             </a:r>
-            <a:endParaRPr>
+            <a:endParaRPr dirty="0">
               <a:solidFill>
                 <a:srgbClr val="434343"/>
               </a:solidFill>
             </a:endParaRPr>
           </a:p>
           <a:p>
-            <a:pPr indent="-342900" lvl="0" marL="457200" rtl="0">
+            <a:pPr marL="457200" lvl="0" indent="-342900" rtl="0">
               <a:spcBef>
                 <a:spcPts val="0"/>
               </a:spcBef>
@@ -8342,21 +8541,89 @@
               <a:buChar char="●"/>
             </a:pPr>
             <a:r>
-              <a:rPr lang="zh-TW">
+              <a:rPr lang="zh-TW" dirty="0" smtClean="0">
                 <a:solidFill>
                   <a:srgbClr val="434343"/>
                 </a:solidFill>
               </a:rPr>
-              <a:t>辭典使用的是 cppJieba 提供的的辭典</a:t>
+              <a:t>使用 </a:t>
             </a:r>
-            <a:endParaRPr>
+            <a:r>
+              <a:rPr lang="zh-TW" dirty="0">
+                <a:solidFill>
+                  <a:srgbClr val="434343"/>
+                </a:solidFill>
+              </a:rPr>
+              <a:t>cppJieba </a:t>
+            </a:r>
+            <a:r>
+              <a:rPr lang="zh-TW" dirty="0" smtClean="0">
+                <a:solidFill>
+                  <a:srgbClr val="434343"/>
+                </a:solidFill>
+              </a:rPr>
+              <a:t>提供的</a:t>
+            </a:r>
+            <a:r>
+              <a:rPr lang="zh-TW" dirty="0">
+                <a:solidFill>
+                  <a:srgbClr val="434343"/>
+                </a:solidFill>
+              </a:rPr>
+              <a:t>辭典</a:t>
+            </a:r>
+            <a:endParaRPr dirty="0">
               <a:solidFill>
                 <a:srgbClr val="434343"/>
               </a:solidFill>
             </a:endParaRPr>
           </a:p>
           <a:p>
-            <a:pPr indent="-317500" lvl="1" marL="914400" rtl="0">
+            <a:pPr marL="457200" lvl="0" indent="-342900" rtl="0">
+              <a:spcBef>
+                <a:spcPts val="0"/>
+              </a:spcBef>
+              <a:spcAft>
+                <a:spcPts val="0"/>
+              </a:spcAft>
+              <a:buClr>
+                <a:srgbClr val="434343"/>
+              </a:buClr>
+              <a:buSzPts val="1800"/>
+              <a:buChar char="●"/>
+            </a:pPr>
+            <a:r>
+              <a:rPr lang="zh-TW" dirty="0" smtClean="0">
+                <a:solidFill>
+                  <a:srgbClr val="434343"/>
+                </a:solidFill>
+              </a:rPr>
+              <a:t>真的</a:t>
+            </a:r>
+            <a:r>
+              <a:rPr lang="zh-TW" dirty="0">
+                <a:solidFill>
+                  <a:srgbClr val="434343"/>
+                </a:solidFill>
+              </a:rPr>
+              <a:t>很</a:t>
+            </a:r>
+            <a:r>
+              <a:rPr lang="zh-TW" dirty="0" smtClean="0">
+                <a:solidFill>
+                  <a:srgbClr val="434343"/>
+                </a:solidFill>
+              </a:rPr>
+              <a:t>快</a:t>
+            </a:r>
+            <a:endParaRPr dirty="0">
+              <a:solidFill>
+                <a:srgbClr val="434343"/>
+              </a:solidFill>
+            </a:endParaRPr>
+          </a:p>
+          <a:p>
+            <a:pPr marL="914400" lvl="1" indent="-317500" rtl="0">
               <a:spcBef>
                 <a:spcPts val="0"/>
               </a:spcBef>
@@ -8370,21 +8637,125 @@
               <a:buChar char="○"/>
             </a:pPr>
             <a:r>
-              <a:rPr lang="zh-TW">
+              <a:rPr lang="zh-TW" dirty="0">
                 <a:solidFill>
                   <a:srgbClr val="434343"/>
                 </a:solidFill>
               </a:rPr>
-              <a:t>需做繁簡轉換</a:t>
+              <a:t>針對body做</a:t>
             </a:r>
-            <a:endParaRPr>
+            <a:r>
+              <a:rPr lang="zh-TW" dirty="0" smtClean="0">
+                <a:solidFill>
+                  <a:srgbClr val="434343"/>
+                </a:solidFill>
+              </a:rPr>
+              <a:t>斷</a:t>
+            </a:r>
+            <a:r>
+              <a:rPr lang="zh-TW" altLang="en-US" dirty="0" smtClean="0">
+                <a:solidFill>
+                  <a:srgbClr val="434343"/>
+                </a:solidFill>
+              </a:rPr>
+              <a:t>詞</a:t>
+            </a:r>
+            <a:endParaRPr dirty="0">
               <a:solidFill>
                 <a:srgbClr val="434343"/>
               </a:solidFill>
             </a:endParaRPr>
           </a:p>
           <a:p>
-            <a:pPr indent="-342900" lvl="0" marL="457200" rtl="0">
+            <a:pPr marL="914400" lvl="1" indent="-317500" rtl="0">
+              <a:spcBef>
+                <a:spcPts val="0"/>
+              </a:spcBef>
+              <a:spcAft>
+                <a:spcPts val="0"/>
+              </a:spcAft>
+              <a:buClr>
+                <a:srgbClr val="434343"/>
+              </a:buClr>
+              <a:buSzPts val="1400"/>
+              <a:buChar char="○"/>
+            </a:pPr>
+            <a:r>
+              <a:rPr lang="zh-TW" dirty="0">
+                <a:solidFill>
+                  <a:srgbClr val="434343"/>
+                </a:solidFill>
+              </a:rPr>
+              <a:t>單線</a:t>
+            </a:r>
+            <a:r>
+              <a:rPr lang="zh-TW" dirty="0" smtClean="0">
+                <a:solidFill>
+                  <a:srgbClr val="434343"/>
+                </a:solidFill>
+              </a:rPr>
+              <a:t>程 </a:t>
+            </a:r>
+            <a:r>
+              <a:rPr lang="zh-TW" dirty="0">
+                <a:solidFill>
+                  <a:srgbClr val="434343"/>
+                </a:solidFill>
+              </a:rPr>
+              <a:t>27分15秒 vs python 的 5+ 小時</a:t>
+            </a:r>
+            <a:endParaRPr dirty="0">
+              <a:solidFill>
+                <a:srgbClr val="434343"/>
+              </a:solidFill>
+            </a:endParaRPr>
+          </a:p>
+          <a:p>
+            <a:pPr marL="914400" lvl="1" indent="-317500" rtl="0">
+              <a:spcBef>
+                <a:spcPts val="0"/>
+              </a:spcBef>
+              <a:spcAft>
+                <a:spcPts val="0"/>
+              </a:spcAft>
+              <a:buClr>
+                <a:srgbClr val="434343"/>
+              </a:buClr>
+              <a:buSzPts val="1400"/>
+              <a:buChar char="○"/>
+            </a:pPr>
+            <a:r>
+              <a:rPr lang="zh-TW" altLang="en-US" dirty="0" smtClean="0">
+                <a:solidFill>
+                  <a:srgbClr val="434343"/>
+                </a:solidFill>
+              </a:rPr>
+              <a:t>每 </a:t>
+            </a:r>
+            <a:r>
+              <a:rPr lang="zh-TW" dirty="0" smtClean="0">
+                <a:solidFill>
+                  <a:srgbClr val="434343"/>
+                </a:solidFill>
+              </a:rPr>
+              <a:t>10000 </a:t>
+            </a:r>
+            <a:r>
+              <a:rPr lang="zh-TW" dirty="0">
+                <a:solidFill>
+                  <a:srgbClr val="434343"/>
+                </a:solidFill>
+              </a:rPr>
+              <a:t>record 約 2.5 秒</a:t>
+            </a:r>
+            <a:endParaRPr dirty="0">
+              <a:solidFill>
+                <a:srgbClr val="434343"/>
+              </a:solidFill>
+            </a:endParaRPr>
+          </a:p>
+          <a:p>
+            <a:pPr marL="457200" lvl="0" indent="-342900" rtl="0">
               <a:spcBef>
                 <a:spcPts val="0"/>
               </a:spcBef>
@@ -8398,21 +8769,21 @@
               <a:buChar char="●"/>
             </a:pPr>
             <a:r>
-              <a:rPr lang="zh-TW">
+              <a:rPr lang="zh-TW" dirty="0">
                 <a:solidFill>
                   <a:srgbClr val="434343"/>
                 </a:solidFill>
               </a:rPr>
-              <a:t>真的很快!</a:t>
+              <a:t>Cut with HMM</a:t>
             </a:r>
-            <a:endParaRPr>
+            <a:endParaRPr dirty="0">
               <a:solidFill>
                 <a:srgbClr val="434343"/>
               </a:solidFill>
             </a:endParaRPr>
           </a:p>
           <a:p>
-            <a:pPr indent="-317500" lvl="1" marL="914400" rtl="0">
+            <a:pPr marL="914400" lvl="1" indent="-317500" rtl="0">
               <a:spcBef>
                 <a:spcPts val="0"/>
               </a:spcBef>
@@ -8426,133 +8797,21 @@
               <a:buChar char="○"/>
             </a:pPr>
             <a:r>
-              <a:rPr lang="zh-TW">
+              <a:rPr lang="zh-TW" dirty="0">
                 <a:solidFill>
                   <a:srgbClr val="434343"/>
                 </a:solidFill>
               </a:rPr>
-              <a:t>針對body做斷辭</a:t>
+              <a:t>比較精確 (w/ vs w/o)</a:t>
             </a:r>
-            <a:endParaRPr>
+            <a:endParaRPr dirty="0">
               <a:solidFill>
                 <a:srgbClr val="434343"/>
               </a:solidFill>
             </a:endParaRPr>
           </a:p>
           <a:p>
-            <a:pPr indent="-317500" lvl="1" marL="914400" rtl="0">
-              <a:spcBef>
-                <a:spcPts val="0"/>
-              </a:spcBef>
-              <a:spcAft>
-                <a:spcPts val="0"/>
-              </a:spcAft>
-              <a:buClr>
-                <a:srgbClr val="434343"/>
-              </a:buClr>
-              <a:buSzPts val="1400"/>
-              <a:buChar char="○"/>
-            </a:pPr>
-            <a:r>
-              <a:rPr lang="zh-TW">
-                <a:solidFill>
-                  <a:srgbClr val="434343"/>
-                </a:solidFill>
-              </a:rPr>
-              <a:t>單線程, 27分15秒 vs python 的 5+ 小時</a:t>
-            </a:r>
-            <a:endParaRPr>
-              <a:solidFill>
-                <a:srgbClr val="434343"/>
-              </a:solidFill>
-            </a:endParaRPr>
-          </a:p>
-          <a:p>
-            <a:pPr indent="-317500" lvl="1" marL="914400" rtl="0">
-              <a:spcBef>
-                <a:spcPts val="0"/>
-              </a:spcBef>
-              <a:spcAft>
-                <a:spcPts val="0"/>
-              </a:spcAft>
-              <a:buClr>
-                <a:srgbClr val="434343"/>
-              </a:buClr>
-              <a:buSzPts val="1400"/>
-              <a:buChar char="○"/>
-            </a:pPr>
-            <a:r>
-              <a:rPr lang="zh-TW">
-                <a:solidFill>
-                  <a:srgbClr val="434343"/>
-                </a:solidFill>
-              </a:rPr>
-              <a:t>10000 record 約 2.5 秒</a:t>
-            </a:r>
-            <a:endParaRPr>
-              <a:solidFill>
-                <a:srgbClr val="434343"/>
-              </a:solidFill>
-            </a:endParaRPr>
-          </a:p>
-          <a:p>
-            <a:pPr indent="-342900" lvl="0" marL="457200" rtl="0">
-              <a:spcBef>
-                <a:spcPts val="0"/>
-              </a:spcBef>
-              <a:spcAft>
-                <a:spcPts val="0"/>
-              </a:spcAft>
-              <a:buClr>
-                <a:srgbClr val="434343"/>
-              </a:buClr>
-              <a:buSzPts val="1800"/>
-              <a:buChar char="●"/>
-            </a:pPr>
-            <a:r>
-              <a:rPr lang="zh-TW">
-                <a:solidFill>
-                  <a:srgbClr val="434343"/>
-                </a:solidFill>
-              </a:rPr>
-              <a:t>Cut with HMM</a:t>
-            </a:r>
-            <a:endParaRPr>
-              <a:solidFill>
-                <a:srgbClr val="434343"/>
-              </a:solidFill>
-            </a:endParaRPr>
-          </a:p>
-          <a:p>
-            <a:pPr indent="-317500" lvl="1" marL="914400" rtl="0">
-              <a:spcBef>
-                <a:spcPts val="0"/>
-              </a:spcBef>
-              <a:spcAft>
-                <a:spcPts val="0"/>
-              </a:spcAft>
-              <a:buClr>
-                <a:srgbClr val="434343"/>
-              </a:buClr>
-              <a:buSzPts val="1400"/>
-              <a:buChar char="○"/>
-            </a:pPr>
-            <a:r>
-              <a:rPr lang="zh-TW">
-                <a:solidFill>
-                  <a:srgbClr val="434343"/>
-                </a:solidFill>
-              </a:rPr>
-              <a:t>比較精確 (w/ vs w/o)</a:t>
-            </a:r>
-            <a:endParaRPr>
-              <a:solidFill>
-                <a:srgbClr val="434343"/>
-              </a:solidFill>
-            </a:endParaRPr>
-          </a:p>
-          <a:p>
-            <a:pPr indent="-317500" lvl="2" marL="1371600" rtl="0">
+            <a:pPr marL="1371600" lvl="2" indent="-317500" rtl="0">
               <a:spcBef>
                 <a:spcPts val="0"/>
               </a:spcBef>
@@ -8566,21 +8825,21 @@
               <a:buChar char="■"/>
             </a:pPr>
             <a:r>
-              <a:rPr lang="zh-TW">
+              <a:rPr lang="zh-TW" dirty="0">
                 <a:solidFill>
                   <a:srgbClr val="434343"/>
                 </a:solidFill>
               </a:rPr>
               <a:t>字典沒有的政府部門詞彙: 衛福部 疾管署 vs 衛 福 部 疾 管 署</a:t>
             </a:r>
-            <a:endParaRPr>
+            <a:endParaRPr dirty="0">
               <a:solidFill>
                 <a:srgbClr val="434343"/>
               </a:solidFill>
             </a:endParaRPr>
           </a:p>
           <a:p>
-            <a:pPr indent="-317500" lvl="2" marL="1371600" rtl="0">
+            <a:pPr marL="1371600" lvl="2" indent="-317500" rtl="0">
               <a:spcBef>
                 <a:spcPts val="0"/>
               </a:spcBef>
@@ -8594,14 +8853,14 @@
               <a:buChar char="■"/>
             </a:pPr>
             <a:r>
-              <a:rPr lang="zh-TW">
+              <a:rPr lang="zh-TW" dirty="0">
                 <a:solidFill>
                   <a:srgbClr val="434343"/>
                 </a:solidFill>
               </a:rPr>
               <a:t>數字: 共達 2978 人 vs 共 達 2 9 7 8 人</a:t>
             </a:r>
-            <a:endParaRPr>
+            <a:endParaRPr dirty="0">
               <a:solidFill>
                 <a:srgbClr val="434343"/>
               </a:solidFill>
@@ -8625,7 +8884,7 @@
         </p:blipFill>
         <p:spPr>
           <a:xfrm>
-            <a:off x="2833975" y="3060000"/>
+            <a:off x="1764127" y="2529648"/>
             <a:ext cx="5827825" cy="202800"/>
           </a:xfrm>
           <a:prstGeom prst="rect">
@@ -8646,11 +8905,11 @@
 </file>
 
 <file path=ppt/slides/slide6.xml><?xml version="1.0" encoding="utf-8"?>
-<p:sld xmlns:a="http://schemas.openxmlformats.org/drawingml/2006/main" xmlns:r="http://schemas.openxmlformats.org/officeDocument/2006/relationships" xmlns:mc="http://schemas.openxmlformats.org/markup-compatibility/2006" xmlns:mv="urn:schemas-microsoft-com:mac:vml" xmlns:p="http://schemas.openxmlformats.org/presentationml/2006/main" xmlns:c="http://schemas.openxmlformats.org/drawingml/2006/chart" xmlns:dgm="http://schemas.openxmlformats.org/drawingml/2006/diagram" xmlns:o="urn:schemas-microsoft-com:office:office" xmlns:v="urn:schemas-microsoft-com:vml" xmlns:pvml="urn:schemas-microsoft-com:office:powerpoint" xmlns:com="http://schemas.openxmlformats.org/drawingml/2006/compatibility" xmlns:p14="http://schemas.microsoft.com/office/powerpoint/2010/main" xmlns:p15="http://schemas.microsoft.com/office/powerpoint/2012/main">
+<p:sld xmlns:a="http://schemas.openxmlformats.org/drawingml/2006/main" xmlns:r="http://schemas.openxmlformats.org/officeDocument/2006/relationships" xmlns:p="http://schemas.openxmlformats.org/presentationml/2006/main">
   <p:cSld>
     <p:spTree>
       <p:nvGrpSpPr>
-        <p:cNvPr id="99" name="Shape 99"/>
+        <p:cNvPr id="1" name="Shape 99"/>
         <p:cNvGrpSpPr/>
         <p:nvPr/>
       </p:nvGrpSpPr>
@@ -8665,7 +8924,9 @@
       <p:sp>
         <p:nvSpPr>
           <p:cNvPr id="100" name="Shape 100"/>
-          <p:cNvSpPr txBox="1"/>
+          <p:cNvSpPr txBox="1">
+            <a:spLocks noGrp="1"/>
+          </p:cNvSpPr>
           <p:nvPr>
             <p:ph type="title"/>
           </p:nvPr>
@@ -8680,12 +8941,12 @@
           </a:prstGeom>
         </p:spPr>
         <p:txBody>
-          <a:bodyPr anchorCtr="0" anchor="b" bIns="91425" lIns="91425" spcFirstLastPara="1" rIns="91425" wrap="square" tIns="91425">
+          <a:bodyPr spcFirstLastPara="1" wrap="square" lIns="91425" tIns="91425" rIns="91425" bIns="91425" anchor="b" anchorCtr="0">
             <a:noAutofit/>
           </a:bodyPr>
           <a:lstStyle/>
           <a:p>
-            <a:pPr indent="0" lvl="0" marL="0">
+            <a:pPr marL="0" lvl="0" indent="0">
               <a:spcBef>
                 <a:spcPts val="0"/>
               </a:spcBef>
@@ -8696,11 +8957,7 @@
             </a:pPr>
             <a:r>
               <a:rPr lang="zh-TW"/>
-              <a:t>cppJieba</a:t>
-            </a:r>
-            <a:r>
-              <a:rPr lang="zh-TW"/>
-              <a:t>使用心得</a:t>
+              <a:t>cppJieba使用心得</a:t>
             </a:r>
             <a:endParaRPr/>
           </a:p>
@@ -8709,9 +8966,11 @@
       <p:sp>
         <p:nvSpPr>
           <p:cNvPr id="101" name="Shape 101"/>
-          <p:cNvSpPr txBox="1"/>
+          <p:cNvSpPr txBox="1">
+            <a:spLocks noGrp="1"/>
+          </p:cNvSpPr>
           <p:nvPr>
-            <p:ph idx="1" type="body"/>
+            <p:ph type="body" idx="1"/>
           </p:nvPr>
         </p:nvSpPr>
         <p:spPr>
@@ -8724,12 +8983,12 @@
           </a:prstGeom>
         </p:spPr>
         <p:txBody>
-          <a:bodyPr anchorCtr="0" anchor="t" bIns="91425" lIns="91425" spcFirstLastPara="1" rIns="91425" wrap="square" tIns="91425">
+          <a:bodyPr spcFirstLastPara="1" wrap="square" lIns="91425" tIns="91425" rIns="91425" bIns="91425" anchor="t" anchorCtr="0">
             <a:noAutofit/>
           </a:bodyPr>
           <a:lstStyle/>
           <a:p>
-            <a:pPr indent="-342900" lvl="0" marL="457200" rtl="0">
+            <a:pPr marL="457200" lvl="0" indent="-342900" rtl="0">
               <a:spcBef>
                 <a:spcPts val="0"/>
               </a:spcBef>
@@ -8740,13 +8999,13 @@
               <a:buChar char="●"/>
             </a:pPr>
             <a:r>
-              <a:rPr lang="zh-TW"/>
+              <a:rPr lang="zh-TW" dirty="0"/>
               <a:t>坑:</a:t>
             </a:r>
-            <a:endParaRPr/>
-          </a:p>
-          <a:p>
-            <a:pPr indent="-317500" lvl="1" marL="914400" rtl="0">
+            <a:endParaRPr dirty="0"/>
+          </a:p>
+          <a:p>
+            <a:pPr marL="914400" lvl="1" indent="-317500" rtl="0">
               <a:spcBef>
                 <a:spcPts val="0"/>
               </a:spcBef>
@@ -8757,13 +9016,13 @@
               <a:buChar char="○"/>
             </a:pPr>
             <a:r>
-              <a:rPr lang="zh-TW"/>
+              <a:rPr lang="zh-TW" dirty="0"/>
               <a:t>fatal error: 'limonp/Logging.hpp' file not found</a:t>
             </a:r>
-            <a:endParaRPr/>
-          </a:p>
-          <a:p>
-            <a:pPr indent="-317500" lvl="1" marL="914400" rtl="0">
+            <a:endParaRPr dirty="0"/>
+          </a:p>
+          <a:p>
+            <a:pPr marL="914400" lvl="1" indent="-317500" rtl="0">
               <a:spcBef>
                 <a:spcPts val="0"/>
               </a:spcBef>
@@ -8774,13 +9033,77 @@
               <a:buChar char="○"/>
             </a:pPr>
             <a:r>
-              <a:rPr lang="zh-TW"/>
+              <a:rPr lang="zh-TW" dirty="0"/>
               <a:t>解: 複製 deps/limonp 資料夾 到 include/cppjieba底下即可</a:t>
             </a:r>
-            <a:endParaRPr/>
-          </a:p>
-          <a:p>
-            <a:pPr indent="-342900" lvl="0" marL="457200" rtl="0">
+            <a:endParaRPr dirty="0"/>
+          </a:p>
+          <a:p>
+            <a:pPr lvl="0"/>
+            <a:r>
+              <a:rPr lang="zh-TW" altLang="en-US" dirty="0"/>
+              <a:t>內建有</a:t>
+            </a:r>
+            <a:r>
+              <a:rPr lang="en-US" altLang="zh-TW" dirty="0" err="1"/>
+              <a:t>Dict</a:t>
+            </a:r>
+            <a:r>
+              <a:rPr lang="en-US" altLang="zh-TW" dirty="0"/>
+              <a:t>, Hmm, IDF, </a:t>
+            </a:r>
+            <a:r>
+              <a:rPr lang="en-US" altLang="zh-TW" dirty="0" err="1"/>
+              <a:t>StopWord</a:t>
+            </a:r>
+            <a:r>
+              <a:rPr lang="en-US" altLang="zh-TW" dirty="0"/>
+              <a:t> </a:t>
+            </a:r>
+            <a:r>
+              <a:rPr lang="zh-TW" altLang="en-US" dirty="0"/>
+              <a:t>這幾個資料</a:t>
+            </a:r>
+            <a:r>
+              <a:rPr lang="en-US" altLang="zh-TW" dirty="0"/>
+              <a:t>(</a:t>
+            </a:r>
+            <a:r>
+              <a:rPr lang="zh-TW" altLang="en-US" dirty="0"/>
+              <a:t>簡體</a:t>
+            </a:r>
+            <a:r>
+              <a:rPr lang="en-US" altLang="zh-TW" dirty="0"/>
+              <a:t>)</a:t>
+            </a:r>
+            <a:endParaRPr lang="en-US" dirty="0"/>
+          </a:p>
+          <a:p>
+            <a:pPr lvl="1">
+              <a:spcBef>
+                <a:spcPts val="0"/>
+              </a:spcBef>
+            </a:pPr>
+            <a:r>
+              <a:rPr lang="zh-TW" altLang="en-US" dirty="0"/>
+              <a:t>用</a:t>
+            </a:r>
+            <a:r>
+              <a:rPr lang="en-US" altLang="zh-TW" dirty="0" err="1"/>
+              <a:t>OpenCC</a:t>
+            </a:r>
+            <a:r>
+              <a:rPr lang="zh-TW" altLang="en-US" dirty="0"/>
+              <a:t>翻譯一下就可以用囉</a:t>
+            </a:r>
+            <a:r>
+              <a:rPr lang="en-US" altLang="zh-TW" dirty="0"/>
+              <a:t>!</a:t>
+            </a:r>
+            <a:endParaRPr lang="en-US" dirty="0"/>
+          </a:p>
+          <a:p>
+            <a:pPr marL="457200" lvl="0" indent="-342900" rtl="0">
               <a:spcBef>
                 <a:spcPts val="0"/>
               </a:spcBef>
@@ -8791,61 +9114,18 @@
               <a:buChar char="●"/>
             </a:pPr>
             <a:r>
-              <a:rPr lang="zh-TW"/>
-              <a:t>用cmake+make先建好Jieba</a:t>
+              <a:rPr lang="zh-TW" dirty="0" smtClean="0"/>
+              <a:t>在</a:t>
             </a:r>
-            <a:endParaRPr/>
-          </a:p>
-          <a:p>
-            <a:pPr indent="-342900" lvl="0" marL="457200" rtl="0">
-              <a:spcBef>
-                <a:spcPts val="0"/>
-              </a:spcBef>
-              <a:spcAft>
-                <a:spcPts val="0"/>
-              </a:spcAft>
-              <a:buSzPts val="1800"/>
-              <a:buChar char="●"/>
-            </a:pPr>
             <a:r>
-              <a:rPr lang="zh-TW"/>
-              <a:t>在cppJieba資料夾下建立src資料夾放code，include即可使用</a:t>
+              <a:rPr lang="zh-TW" dirty="0"/>
+              <a:t>cppJieba資料夾下建立src資料夾放code，include即可</a:t>
             </a:r>
-            <a:endParaRPr/>
-          </a:p>
-          <a:p>
-            <a:pPr indent="-342900" lvl="0" marL="457200" rtl="0">
-              <a:spcBef>
-                <a:spcPts val="0"/>
-              </a:spcBef>
-              <a:spcAft>
-                <a:spcPts val="0"/>
-              </a:spcAft>
-              <a:buSzPts val="1800"/>
-              <a:buChar char="●"/>
-            </a:pPr>
             <a:r>
-              <a:rPr lang="zh-TW"/>
-              <a:t>內建有Dict, Hmm, IDF, StopWord 這幾個資料(簡體)</a:t>
+              <a:rPr lang="zh-TW" dirty="0" smtClean="0"/>
+              <a:t>使用</a:t>
             </a:r>
-            <a:endParaRPr/>
-          </a:p>
-          <a:p>
-            <a:pPr indent="-317500" lvl="1" marL="914400" rtl="0">
-              <a:spcBef>
-                <a:spcPts val="0"/>
-              </a:spcBef>
-              <a:spcAft>
-                <a:spcPts val="0"/>
-              </a:spcAft>
-              <a:buSzPts val="1400"/>
-              <a:buChar char="○"/>
-            </a:pPr>
-            <a:r>
-              <a:rPr lang="zh-TW"/>
-              <a:t>用OpenCC翻譯一下就可以用囉!</a:t>
-            </a:r>
-            <a:endParaRPr/>
+            <a:endParaRPr dirty="0"/>
           </a:p>
         </p:txBody>
       </p:sp>
@@ -8886,11 +9166,11 @@
 </file>
 
 <file path=ppt/slides/slide7.xml><?xml version="1.0" encoding="utf-8"?>
-<p:sld xmlns:a="http://schemas.openxmlformats.org/drawingml/2006/main" xmlns:r="http://schemas.openxmlformats.org/officeDocument/2006/relationships" xmlns:mc="http://schemas.openxmlformats.org/markup-compatibility/2006" xmlns:mv="urn:schemas-microsoft-com:mac:vml" xmlns:p="http://schemas.openxmlformats.org/presentationml/2006/main" xmlns:c="http://schemas.openxmlformats.org/drawingml/2006/chart" xmlns:dgm="http://schemas.openxmlformats.org/drawingml/2006/diagram" xmlns:o="urn:schemas-microsoft-com:office:office" xmlns:v="urn:schemas-microsoft-com:vml" xmlns:pvml="urn:schemas-microsoft-com:office:powerpoint" xmlns:com="http://schemas.openxmlformats.org/drawingml/2006/compatibility" xmlns:p14="http://schemas.microsoft.com/office/powerpoint/2010/main" xmlns:p15="http://schemas.microsoft.com/office/powerpoint/2012/main">
+<p:sld xmlns:a="http://schemas.openxmlformats.org/drawingml/2006/main" xmlns:r="http://schemas.openxmlformats.org/officeDocument/2006/relationships" xmlns:p="http://schemas.openxmlformats.org/presentationml/2006/main">
   <p:cSld>
     <p:spTree>
       <p:nvGrpSpPr>
-        <p:cNvPr id="106" name="Shape 106"/>
+        <p:cNvPr id="1" name="Shape 106"/>
         <p:cNvGrpSpPr/>
         <p:nvPr/>
       </p:nvGrpSpPr>
@@ -8905,7 +9185,9 @@
       <p:sp>
         <p:nvSpPr>
           <p:cNvPr id="107" name="Shape 107"/>
-          <p:cNvSpPr txBox="1"/>
+          <p:cNvSpPr txBox="1">
+            <a:spLocks noGrp="1"/>
+          </p:cNvSpPr>
           <p:nvPr>
             <p:ph type="title"/>
           </p:nvPr>
@@ -8920,12 +9202,12 @@
           </a:prstGeom>
         </p:spPr>
         <p:txBody>
-          <a:bodyPr anchorCtr="0" anchor="b" bIns="91425" lIns="91425" spcFirstLastPara="1" rIns="91425" wrap="square" tIns="91425">
+          <a:bodyPr spcFirstLastPara="1" wrap="square" lIns="91425" tIns="91425" rIns="91425" bIns="91425" anchor="b" anchorCtr="0">
             <a:noAutofit/>
           </a:bodyPr>
           <a:lstStyle/>
           <a:p>
-            <a:pPr indent="0" lvl="0" marL="0">
+            <a:pPr marL="0" lvl="0" indent="0">
               <a:spcBef>
                 <a:spcPts val="0"/>
               </a:spcBef>
@@ -8934,9 +9216,6 @@
               </a:spcAft>
               <a:buNone/>
             </a:pPr>
-            <a:r>
-              <a:t/>
-            </a:r>
             <a:endParaRPr/>
           </a:p>
         </p:txBody>
@@ -8944,9 +9223,11 @@
       <p:sp>
         <p:nvSpPr>
           <p:cNvPr id="108" name="Shape 108"/>
-          <p:cNvSpPr txBox="1"/>
+          <p:cNvSpPr txBox="1">
+            <a:spLocks noGrp="1"/>
+          </p:cNvSpPr>
           <p:nvPr>
-            <p:ph idx="1" type="body"/>
+            <p:ph type="body" idx="1"/>
           </p:nvPr>
         </p:nvSpPr>
         <p:spPr>
@@ -8959,12 +9240,12 @@
           </a:prstGeom>
         </p:spPr>
         <p:txBody>
-          <a:bodyPr anchorCtr="0" anchor="t" bIns="91425" lIns="91425" spcFirstLastPara="1" rIns="91425" wrap="square" tIns="91425">
+          <a:bodyPr spcFirstLastPara="1" wrap="square" lIns="91425" tIns="91425" rIns="91425" bIns="91425" anchor="t" anchorCtr="0">
             <a:noAutofit/>
           </a:bodyPr>
           <a:lstStyle/>
           <a:p>
-            <a:pPr indent="-342900" lvl="0" marL="457200" rtl="0">
+            <a:pPr marL="457200" lvl="0" indent="-342900" rtl="0">
               <a:spcBef>
                 <a:spcPts val="0"/>
               </a:spcBef>
@@ -8975,21 +9256,17 @@
               <a:buChar char="●"/>
             </a:pPr>
             <a:r>
-              <a:rPr b="1" i="1" lang="zh-TW"/>
+              <a:rPr lang="zh-TW" b="1" i="1"/>
               <a:t>demo.cpp</a:t>
             </a:r>
             <a:r>
               <a:rPr lang="zh-TW"/>
-              <a:t> </a:t>
-            </a:r>
-            <a:r>
-              <a:rPr lang="zh-TW"/>
-              <a:t>裡有他的各式用法</a:t>
+              <a:t> 裡有他的各式用法</a:t>
             </a:r>
             <a:endParaRPr/>
           </a:p>
           <a:p>
-            <a:pPr indent="-317500" lvl="1" marL="914400" rtl="0">
+            <a:pPr marL="914400" lvl="1" indent="-317500" rtl="0">
               <a:spcBef>
                 <a:spcPts val="0"/>
               </a:spcBef>
@@ -9006,7 +9283,7 @@
             <a:endParaRPr/>
           </a:p>
           <a:p>
-            <a:pPr indent="-342900" lvl="0" marL="457200" rtl="0">
+            <a:pPr marL="457200" lvl="0" indent="-342900" rtl="0">
               <a:spcBef>
                 <a:spcPts val="0"/>
               </a:spcBef>
@@ -9023,7 +9300,7 @@
             <a:endParaRPr/>
           </a:p>
           <a:p>
-            <a:pPr indent="-342900" lvl="0" marL="457200" rtl="0">
+            <a:pPr marL="457200" lvl="0" indent="-342900" rtl="0">
               <a:spcBef>
                 <a:spcPts val="0"/>
               </a:spcBef>
@@ -9040,7 +9317,7 @@
             <a:endParaRPr/>
           </a:p>
           <a:p>
-            <a:pPr indent="-342900" lvl="0" marL="457200" rtl="0">
+            <a:pPr marL="457200" lvl="0" indent="-342900" rtl="0">
               <a:spcBef>
                 <a:spcPts val="0"/>
               </a:spcBef>
@@ -9057,7 +9334,7 @@
             <a:endParaRPr/>
           </a:p>
           <a:p>
-            <a:pPr indent="-317500" lvl="1" marL="914400" rtl="0">
+            <a:pPr marL="914400" lvl="1" indent="-317500" rtl="0">
               <a:spcBef>
                 <a:spcPts val="0"/>
               </a:spcBef>
@@ -9074,7 +9351,7 @@
             <a:endParaRPr/>
           </a:p>
           <a:p>
-            <a:pPr indent="-317500" lvl="1" marL="914400" rtl="0">
+            <a:pPr marL="914400" lvl="1" indent="-317500" rtl="0">
               <a:spcBef>
                 <a:spcPts val="0"/>
               </a:spcBef>
@@ -9086,16 +9363,12 @@
             </a:pPr>
             <a:r>
               <a:rPr lang="zh-TW"/>
-              <a:t>con: </a:t>
-            </a:r>
-            <a:r>
-              <a:rPr lang="zh-TW"/>
-              <a:t>使用說明資料不如python Jieba多</a:t>
+              <a:t>con: 使用說明資料不如python Jieba多</a:t>
             </a:r>
             <a:endParaRPr/>
           </a:p>
           <a:p>
-            <a:pPr indent="0" lvl="0" marL="0" rtl="0">
+            <a:pPr marL="0" lvl="0" indent="0" rtl="0">
               <a:spcBef>
                 <a:spcPts val="1600"/>
               </a:spcBef>
@@ -9104,9 +9377,6 @@
               </a:spcAft>
               <a:buNone/>
             </a:pPr>
-            <a:r>
-              <a:t/>
-            </a:r>
             <a:endParaRPr/>
           </a:p>
         </p:txBody>
@@ -9148,11 +9418,11 @@
 </file>
 
 <file path=ppt/slides/slide8.xml><?xml version="1.0" encoding="utf-8"?>
-<p:sld xmlns:a="http://schemas.openxmlformats.org/drawingml/2006/main" xmlns:r="http://schemas.openxmlformats.org/officeDocument/2006/relationships" xmlns:mc="http://schemas.openxmlformats.org/markup-compatibility/2006" xmlns:mv="urn:schemas-microsoft-com:mac:vml" xmlns:p="http://schemas.openxmlformats.org/presentationml/2006/main" xmlns:c="http://schemas.openxmlformats.org/drawingml/2006/chart" xmlns:dgm="http://schemas.openxmlformats.org/drawingml/2006/diagram" xmlns:o="urn:schemas-microsoft-com:office:office" xmlns:v="urn:schemas-microsoft-com:vml" xmlns:pvml="urn:schemas-microsoft-com:office:powerpoint" xmlns:com="http://schemas.openxmlformats.org/drawingml/2006/compatibility" xmlns:p14="http://schemas.microsoft.com/office/powerpoint/2010/main" xmlns:p15="http://schemas.microsoft.com/office/powerpoint/2012/main">
+<p:sld xmlns:a="http://schemas.openxmlformats.org/drawingml/2006/main" xmlns:r="http://schemas.openxmlformats.org/officeDocument/2006/relationships" xmlns:p="http://schemas.openxmlformats.org/presentationml/2006/main">
   <p:cSld>
     <p:spTree>
       <p:nvGrpSpPr>
-        <p:cNvPr id="113" name="Shape 113"/>
+        <p:cNvPr id="1" name="Shape 119"/>
         <p:cNvGrpSpPr/>
         <p:nvPr/>
       </p:nvGrpSpPr>
@@ -9166,8 +9436,10 @@
       </p:grpSpPr>
       <p:sp>
         <p:nvSpPr>
-          <p:cNvPr id="114" name="Shape 114"/>
-          <p:cNvSpPr txBox="1"/>
+          <p:cNvPr id="120" name="Shape 120"/>
+          <p:cNvSpPr txBox="1">
+            <a:spLocks noGrp="1"/>
+          </p:cNvSpPr>
           <p:nvPr>
             <p:ph type="title"/>
           </p:nvPr>
@@ -9182,12 +9454,12 @@
           </a:prstGeom>
         </p:spPr>
         <p:txBody>
-          <a:bodyPr anchorCtr="0" anchor="b" bIns="91425" lIns="91425" spcFirstLastPara="1" rIns="91425" wrap="square" tIns="91425">
+          <a:bodyPr spcFirstLastPara="1" wrap="square" lIns="91425" tIns="91425" rIns="91425" bIns="91425" anchor="b" anchorCtr="0">
             <a:noAutofit/>
           </a:bodyPr>
           <a:lstStyle/>
           <a:p>
-            <a:pPr indent="0" lvl="0" marL="0">
+            <a:pPr marL="0" lvl="0" indent="0">
               <a:spcBef>
                 <a:spcPts val="0"/>
               </a:spcBef>
@@ -9198,7 +9470,7 @@
             </a:pPr>
             <a:r>
               <a:rPr lang="zh-TW"/>
-              <a:t>前處理</a:t>
+              <a:t>Solr / ES Insertion/Search</a:t>
             </a:r>
             <a:endParaRPr/>
           </a:p>
@@ -9206,10 +9478,12 @@
       </p:sp>
       <p:sp>
         <p:nvSpPr>
-          <p:cNvPr id="115" name="Shape 115"/>
-          <p:cNvSpPr txBox="1"/>
+          <p:cNvPr id="121" name="Shape 121"/>
+          <p:cNvSpPr txBox="1">
+            <a:spLocks noGrp="1"/>
+          </p:cNvSpPr>
           <p:nvPr>
-            <p:ph idx="1" type="body"/>
+            <p:ph type="body" idx="1"/>
           </p:nvPr>
         </p:nvSpPr>
         <p:spPr>
@@ -9222,152 +9496,12 @@
           </a:prstGeom>
         </p:spPr>
         <p:txBody>
-          <a:bodyPr anchorCtr="0" anchor="t" bIns="91425" lIns="91425" spcFirstLastPara="1" rIns="91425" wrap="square" tIns="91425">
+          <a:bodyPr spcFirstLastPara="1" wrap="square" lIns="91425" tIns="91425" rIns="91425" bIns="91425" anchor="t" anchorCtr="0">
             <a:noAutofit/>
           </a:bodyPr>
           <a:lstStyle/>
           <a:p>
-            <a:pPr indent="-342900" lvl="0" marL="457200" rtl="0">
-              <a:spcBef>
-                <a:spcPts val="0"/>
-              </a:spcBef>
-              <a:spcAft>
-                <a:spcPts val="0"/>
-              </a:spcAft>
-              <a:buSzPts val="1800"/>
-              <a:buChar char="●"/>
-            </a:pPr>
-            <a:r>
-              <a:rPr lang="zh-TW"/>
-              <a:t>欄位</a:t>
-            </a:r>
-            <a:endParaRPr/>
-          </a:p>
-          <a:p>
-            <a:pPr indent="-317500" lvl="1" marL="914400" rtl="0">
-              <a:spcBef>
-                <a:spcPts val="0"/>
-              </a:spcBef>
-              <a:spcAft>
-                <a:spcPts val="0"/>
-              </a:spcAft>
-              <a:buSzPts val="1400"/>
-              <a:buChar char="○"/>
-            </a:pPr>
-            <a:r>
-              <a:rPr lang="zh-TW"/>
-              <a:t>取用 url, title, keyword, image link, body</a:t>
-            </a:r>
-            <a:endParaRPr/>
-          </a:p>
-          <a:p>
-            <a:pPr indent="-342900" lvl="0" marL="457200">
-              <a:spcBef>
-                <a:spcPts val="0"/>
-              </a:spcBef>
-              <a:spcAft>
-                <a:spcPts val="0"/>
-              </a:spcAft>
-              <a:buSzPts val="1800"/>
-              <a:buChar char="●"/>
-            </a:pPr>
-            <a:r>
-              <a:rPr lang="zh-TW"/>
-              <a:t>先斷好詞，再送入ES/Solr</a:t>
-            </a:r>
-            <a:endParaRPr/>
-          </a:p>
-        </p:txBody>
-      </p:sp>
-    </p:spTree>
-  </p:cSld>
-  <p:clrMapOvr>
-    <a:masterClrMapping/>
-  </p:clrMapOvr>
-</p:sld>
-</file>
-
-<file path=ppt/slides/slide9.xml><?xml version="1.0" encoding="utf-8"?>
-<p:sld xmlns:a="http://schemas.openxmlformats.org/drawingml/2006/main" xmlns:r="http://schemas.openxmlformats.org/officeDocument/2006/relationships" xmlns:mc="http://schemas.openxmlformats.org/markup-compatibility/2006" xmlns:mv="urn:schemas-microsoft-com:mac:vml" xmlns:p="http://schemas.openxmlformats.org/presentationml/2006/main" xmlns:c="http://schemas.openxmlformats.org/drawingml/2006/chart" xmlns:dgm="http://schemas.openxmlformats.org/drawingml/2006/diagram" xmlns:o="urn:schemas-microsoft-com:office:office" xmlns:v="urn:schemas-microsoft-com:vml" xmlns:pvml="urn:schemas-microsoft-com:office:powerpoint" xmlns:com="http://schemas.openxmlformats.org/drawingml/2006/compatibility" xmlns:p14="http://schemas.microsoft.com/office/powerpoint/2010/main" xmlns:p15="http://schemas.microsoft.com/office/powerpoint/2012/main">
-  <p:cSld>
-    <p:spTree>
-      <p:nvGrpSpPr>
-        <p:cNvPr id="119" name="Shape 119"/>
-        <p:cNvGrpSpPr/>
-        <p:nvPr/>
-      </p:nvGrpSpPr>
-      <p:grpSpPr>
-        <a:xfrm>
-          <a:off x="0" y="0"/>
-          <a:ext cx="0" cy="0"/>
-          <a:chOff x="0" y="0"/>
-          <a:chExt cx="0" cy="0"/>
-        </a:xfrm>
-      </p:grpSpPr>
-      <p:sp>
-        <p:nvSpPr>
-          <p:cNvPr id="120" name="Shape 120"/>
-          <p:cNvSpPr txBox="1"/>
-          <p:nvPr>
-            <p:ph type="title"/>
-          </p:nvPr>
-        </p:nvSpPr>
-        <p:spPr>
-          <a:xfrm>
-            <a:off x="471900" y="738725"/>
-            <a:ext cx="8222100" cy="767700"/>
-          </a:xfrm>
-          <a:prstGeom prst="rect">
-            <a:avLst/>
-          </a:prstGeom>
-        </p:spPr>
-        <p:txBody>
-          <a:bodyPr anchorCtr="0" anchor="b" bIns="91425" lIns="91425" spcFirstLastPara="1" rIns="91425" wrap="square" tIns="91425">
-            <a:noAutofit/>
-          </a:bodyPr>
-          <a:lstStyle/>
-          <a:p>
-            <a:pPr indent="0" lvl="0" marL="0">
-              <a:spcBef>
-                <a:spcPts val="0"/>
-              </a:spcBef>
-              <a:spcAft>
-                <a:spcPts val="0"/>
-              </a:spcAft>
-              <a:buNone/>
-            </a:pPr>
-            <a:r>
-              <a:rPr lang="zh-TW"/>
-              <a:t>Solr / ES Insertion/Search</a:t>
-            </a:r>
-            <a:endParaRPr/>
-          </a:p>
-        </p:txBody>
-      </p:sp>
-      <p:sp>
-        <p:nvSpPr>
-          <p:cNvPr id="121" name="Shape 121"/>
-          <p:cNvSpPr txBox="1"/>
-          <p:nvPr>
-            <p:ph idx="1" type="body"/>
-          </p:nvPr>
-        </p:nvSpPr>
-        <p:spPr>
-          <a:xfrm>
-            <a:off x="471900" y="1919075"/>
-            <a:ext cx="8222100" cy="2710200"/>
-          </a:xfrm>
-          <a:prstGeom prst="rect">
-            <a:avLst/>
-          </a:prstGeom>
-        </p:spPr>
-        <p:txBody>
-          <a:bodyPr anchorCtr="0" anchor="t" bIns="91425" lIns="91425" spcFirstLastPara="1" rIns="91425" wrap="square" tIns="91425">
-            <a:noAutofit/>
-          </a:bodyPr>
-          <a:lstStyle/>
-          <a:p>
-            <a:pPr indent="-342900" lvl="0" marL="457200" rtl="0">
+            <a:pPr marL="457200" lvl="0" indent="-342900" rtl="0">
               <a:spcBef>
                 <a:spcPts val="0"/>
               </a:spcBef>
@@ -9384,7 +9518,7 @@
             <a:endParaRPr/>
           </a:p>
           <a:p>
-            <a:pPr indent="-317500" lvl="1" marL="914400" rtl="0">
+            <a:pPr marL="914400" lvl="1" indent="-317500" rtl="0">
               <a:spcBef>
                 <a:spcPts val="0"/>
               </a:spcBef>
@@ -9396,20 +9530,12 @@
             </a:pPr>
             <a:r>
               <a:rPr lang="zh-TW"/>
-              <a:t>ES: python </a:t>
-            </a:r>
-            <a:r>
-              <a:rPr lang="zh-TW"/>
-              <a:t>套件 elastic-search -&gt; 30</a:t>
-            </a:r>
-            <a:r>
-              <a:rPr lang="zh-TW"/>
-              <a:t>分</a:t>
+              <a:t>ES: python 套件 elastic-search -&gt; 30分</a:t>
             </a:r>
             <a:endParaRPr/>
           </a:p>
           <a:p>
-            <a:pPr indent="-317500" lvl="1" marL="914400" rtl="0">
+            <a:pPr marL="914400" lvl="1" indent="-317500" rtl="0">
               <a:spcBef>
                 <a:spcPts val="0"/>
               </a:spcBef>
@@ -9426,7 +9552,7 @@
             <a:endParaRPr/>
           </a:p>
           <a:p>
-            <a:pPr indent="-342900" lvl="0" marL="457200" rtl="0">
+            <a:pPr marL="457200" lvl="0" indent="-342900" rtl="0">
               <a:spcBef>
                 <a:spcPts val="0"/>
               </a:spcBef>
@@ -9443,7 +9569,7 @@
             <a:endParaRPr/>
           </a:p>
           <a:p>
-            <a:pPr indent="-317500" lvl="1" marL="914400" rtl="0">
+            <a:pPr marL="914400" lvl="1" indent="-317500" rtl="0">
               <a:spcBef>
                 <a:spcPts val="0"/>
               </a:spcBef>
@@ -9460,7 +9586,7 @@
             <a:endParaRPr/>
           </a:p>
           <a:p>
-            <a:pPr indent="-317500" lvl="1" marL="914400" rtl="0">
+            <a:pPr marL="914400" lvl="1" indent="-317500" rtl="0">
               <a:spcBef>
                 <a:spcPts val="0"/>
               </a:spcBef>
@@ -9477,7 +9603,7 @@
             <a:endParaRPr/>
           </a:p>
           <a:p>
-            <a:pPr indent="0" lvl="0" marL="0" rtl="0">
+            <a:pPr marL="0" lvl="0" indent="0" rtl="0">
               <a:spcBef>
                 <a:spcPts val="1600"/>
               </a:spcBef>
@@ -9486,9 +9612,6 @@
               </a:spcAft>
               <a:buNone/>
             </a:pPr>
-            <a:r>
-              <a:t/>
-            </a:r>
             <a:endParaRPr/>
           </a:p>
         </p:txBody>
@@ -9502,7 +9625,7 @@
 </file>
 
 <file path=ppt/theme/theme1.xml><?xml version="1.0" encoding="utf-8"?>
-<a:theme xmlns:a="http://schemas.openxmlformats.org/drawingml/2006/main" xmlns:r="http://schemas.openxmlformats.org/officeDocument/2006/relationships" name="Material">
+<a:theme xmlns:a="http://schemas.openxmlformats.org/drawingml/2006/main" name="Material">
   <a:themeElements>
     <a:clrScheme name="Material">
       <a:dk1>
@@ -9777,11 +9900,13 @@
       </a:bgFillStyleLst>
     </a:fmtScheme>
   </a:themeElements>
+  <a:objectDefaults/>
+  <a:extraClrSchemeLst/>
 </a:theme>
 </file>
 
 <file path=ppt/theme/theme2.xml><?xml version="1.0" encoding="utf-8"?>
-<a:theme xmlns:a="http://schemas.openxmlformats.org/drawingml/2006/main" xmlns:r="http://schemas.openxmlformats.org/officeDocument/2006/relationships">
+<a:theme xmlns:a="http://schemas.openxmlformats.org/drawingml/2006/main">
   <a:themeElements>
     <a:clrScheme name="Default">
       <a:dk1>
@@ -10056,5 +10181,7 @@
       </a:bgFillStyleLst>
     </a:fmtScheme>
   </a:themeElements>
+  <a:objectDefaults/>
+  <a:extraClrSchemeLst/>
 </a:theme>
 </file>